--- a/Gate of GAbethulu.pptx
+++ b/Gate of GAbethulu.pptx
@@ -147,7 +147,7 @@
             <a:alphaModFix amt="30000"/>
             <a:extLst>
               <a:ext uri="{28A0092B-C50C-407E-A947-70E740481C1C}">
-                <a14:useLocalDpi xmlns:a14="http://schemas.microsoft.com/office/drawing/2010/main" xmlns="" val="0"/>
+                <a14:useLocalDpi xmlns="" xmlns:a14="http://schemas.microsoft.com/office/drawing/2010/main" val="0"/>
               </a:ext>
             </a:extLst>
           </a:blip>
@@ -167,7 +167,7 @@
           <a:noFill/>
           <a:extLst>
             <a:ext uri="{909E8E84-426E-40dd-AFC4-6F175D3DCCD1}">
-              <a14:hiddenFill xmlns="" xmlns:a14="http://schemas.microsoft.com/office/drawing/2010/main">
+              <a14:hiddenFill xmlns:a14="http://schemas.microsoft.com/office/drawing/2010/main" xmlns="">
                 <a:solidFill>
                   <a:srgbClr val="FFFFFF"/>
                 </a:solidFill>
@@ -227,7 +227,7 @@
             </a:ln>
             <a:extLst>
               <a:ext uri="{91240B29-F687-4f45-9708-019B960494DF}">
-                <a14:hiddenLine xmlns="" xmlns:a14="http://schemas.microsoft.com/office/drawing/2010/main" w="9525">
+                <a14:hiddenLine xmlns:a14="http://schemas.microsoft.com/office/drawing/2010/main" xmlns="" w="9525">
                   <a:solidFill>
                     <a:srgbClr val="000000"/>
                   </a:solidFill>
@@ -317,7 +317,7 @@
             </a:ln>
             <a:extLst>
               <a:ext uri="{91240B29-F687-4f45-9708-019B960494DF}">
-                <a14:hiddenLine xmlns="" xmlns:a14="http://schemas.microsoft.com/office/drawing/2010/main" w="9525">
+                <a14:hiddenLine xmlns:a14="http://schemas.microsoft.com/office/drawing/2010/main" xmlns="" w="9525">
                   <a:solidFill>
                     <a:srgbClr val="000000"/>
                   </a:solidFill>
@@ -407,7 +407,7 @@
             </a:ln>
             <a:extLst>
               <a:ext uri="{91240B29-F687-4f45-9708-019B960494DF}">
-                <a14:hiddenLine xmlns="" xmlns:a14="http://schemas.microsoft.com/office/drawing/2010/main" w="9525">
+                <a14:hiddenLine xmlns:a14="http://schemas.microsoft.com/office/drawing/2010/main" xmlns="" w="9525">
                   <a:solidFill>
                     <a:srgbClr val="000000"/>
                   </a:solidFill>
@@ -441,7 +441,7 @@
             </a:ln>
             <a:extLst>
               <a:ext uri="{91240B29-F687-4f45-9708-019B960494DF}">
-                <a14:hiddenLine xmlns="" xmlns:a14="http://schemas.microsoft.com/office/drawing/2010/main" w="9525">
+                <a14:hiddenLine xmlns:a14="http://schemas.microsoft.com/office/drawing/2010/main" xmlns="" w="9525">
                   <a:solidFill>
                     <a:srgbClr val="000000"/>
                   </a:solidFill>
@@ -531,7 +531,7 @@
             </a:ln>
             <a:extLst>
               <a:ext uri="{91240B29-F687-4f45-9708-019B960494DF}">
-                <a14:hiddenLine xmlns="" xmlns:a14="http://schemas.microsoft.com/office/drawing/2010/main" w="9525">
+                <a14:hiddenLine xmlns:a14="http://schemas.microsoft.com/office/drawing/2010/main" xmlns="" w="9525">
                   <a:solidFill>
                     <a:srgbClr val="000000"/>
                   </a:solidFill>
@@ -593,7 +593,7 @@
             </a:ln>
             <a:extLst>
               <a:ext uri="{91240B29-F687-4f45-9708-019B960494DF}">
-                <a14:hiddenLine xmlns="" xmlns:a14="http://schemas.microsoft.com/office/drawing/2010/main" w="9525">
+                <a14:hiddenLine xmlns:a14="http://schemas.microsoft.com/office/drawing/2010/main" xmlns="" w="9525">
                   <a:solidFill>
                     <a:srgbClr val="000000"/>
                   </a:solidFill>
@@ -655,7 +655,7 @@
             </a:ln>
             <a:extLst>
               <a:ext uri="{91240B29-F687-4f45-9708-019B960494DF}">
-                <a14:hiddenLine xmlns="" xmlns:a14="http://schemas.microsoft.com/office/drawing/2010/main" w="9525">
+                <a14:hiddenLine xmlns:a14="http://schemas.microsoft.com/office/drawing/2010/main" xmlns="" w="9525">
                   <a:solidFill>
                     <a:srgbClr val="000000"/>
                   </a:solidFill>
@@ -745,7 +745,7 @@
             </a:ln>
             <a:extLst>
               <a:ext uri="{91240B29-F687-4f45-9708-019B960494DF}">
-                <a14:hiddenLine xmlns="" xmlns:a14="http://schemas.microsoft.com/office/drawing/2010/main" w="9525">
+                <a14:hiddenLine xmlns:a14="http://schemas.microsoft.com/office/drawing/2010/main" xmlns="" w="9525">
                   <a:solidFill>
                     <a:srgbClr val="000000"/>
                   </a:solidFill>
@@ -807,7 +807,7 @@
             </a:ln>
             <a:extLst>
               <a:ext uri="{91240B29-F687-4f45-9708-019B960494DF}">
-                <a14:hiddenLine xmlns="" xmlns:a14="http://schemas.microsoft.com/office/drawing/2010/main" w="9525">
+                <a14:hiddenLine xmlns:a14="http://schemas.microsoft.com/office/drawing/2010/main" xmlns="" w="9525">
                   <a:solidFill>
                     <a:srgbClr val="000000"/>
                   </a:solidFill>
@@ -869,7 +869,7 @@
             </a:ln>
             <a:extLst>
               <a:ext uri="{91240B29-F687-4f45-9708-019B960494DF}">
-                <a14:hiddenLine xmlns="" xmlns:a14="http://schemas.microsoft.com/office/drawing/2010/main" w="9525">
+                <a14:hiddenLine xmlns:a14="http://schemas.microsoft.com/office/drawing/2010/main" xmlns="" w="9525">
                   <a:solidFill>
                     <a:srgbClr val="000000"/>
                   </a:solidFill>
@@ -959,7 +959,7 @@
             </a:ln>
             <a:extLst>
               <a:ext uri="{91240B29-F687-4f45-9708-019B960494DF}">
-                <a14:hiddenLine xmlns="" xmlns:a14="http://schemas.microsoft.com/office/drawing/2010/main" w="9525">
+                <a14:hiddenLine xmlns:a14="http://schemas.microsoft.com/office/drawing/2010/main" xmlns="" w="9525">
                   <a:solidFill>
                     <a:srgbClr val="000000"/>
                   </a:solidFill>
@@ -1049,7 +1049,7 @@
             </a:ln>
             <a:extLst>
               <a:ext uri="{91240B29-F687-4f45-9708-019B960494DF}">
-                <a14:hiddenLine xmlns="" xmlns:a14="http://schemas.microsoft.com/office/drawing/2010/main" w="9525">
+                <a14:hiddenLine xmlns:a14="http://schemas.microsoft.com/office/drawing/2010/main" xmlns="" w="9525">
                   <a:solidFill>
                     <a:srgbClr val="000000"/>
                   </a:solidFill>
@@ -1111,7 +1111,7 @@
             </a:ln>
             <a:extLst>
               <a:ext uri="{91240B29-F687-4f45-9708-019B960494DF}">
-                <a14:hiddenLine xmlns="" xmlns:a14="http://schemas.microsoft.com/office/drawing/2010/main" w="9525">
+                <a14:hiddenLine xmlns:a14="http://schemas.microsoft.com/office/drawing/2010/main" xmlns="" w="9525">
                   <a:solidFill>
                     <a:srgbClr val="000000"/>
                   </a:solidFill>
@@ -1221,7 +1221,7 @@
             </a:ln>
             <a:extLst>
               <a:ext uri="{91240B29-F687-4f45-9708-019B960494DF}">
-                <a14:hiddenLine xmlns="" xmlns:a14="http://schemas.microsoft.com/office/drawing/2010/main" w="9525">
+                <a14:hiddenLine xmlns:a14="http://schemas.microsoft.com/office/drawing/2010/main" xmlns="" w="9525">
                   <a:solidFill>
                     <a:srgbClr val="000000"/>
                   </a:solidFill>
@@ -1283,7 +1283,7 @@
             </a:ln>
             <a:extLst>
               <a:ext uri="{91240B29-F687-4f45-9708-019B960494DF}">
-                <a14:hiddenLine xmlns="" xmlns:a14="http://schemas.microsoft.com/office/drawing/2010/main" w="9525">
+                <a14:hiddenLine xmlns:a14="http://schemas.microsoft.com/office/drawing/2010/main" xmlns="" w="9525">
                   <a:solidFill>
                     <a:srgbClr val="000000"/>
                   </a:solidFill>
@@ -1373,7 +1373,7 @@
             </a:ln>
             <a:extLst>
               <a:ext uri="{91240B29-F687-4f45-9708-019B960494DF}">
-                <a14:hiddenLine xmlns="" xmlns:a14="http://schemas.microsoft.com/office/drawing/2010/main" w="9525">
+                <a14:hiddenLine xmlns:a14="http://schemas.microsoft.com/office/drawing/2010/main" xmlns="" w="9525">
                   <a:solidFill>
                     <a:srgbClr val="000000"/>
                   </a:solidFill>
@@ -1463,7 +1463,7 @@
             </a:ln>
             <a:extLst>
               <a:ext uri="{91240B29-F687-4f45-9708-019B960494DF}">
-                <a14:hiddenLine xmlns="" xmlns:a14="http://schemas.microsoft.com/office/drawing/2010/main" w="9525">
+                <a14:hiddenLine xmlns:a14="http://schemas.microsoft.com/office/drawing/2010/main" xmlns="" w="9525">
                   <a:solidFill>
                     <a:srgbClr val="000000"/>
                   </a:solidFill>
@@ -1525,7 +1525,7 @@
             </a:ln>
             <a:extLst>
               <a:ext uri="{91240B29-F687-4f45-9708-019B960494DF}">
-                <a14:hiddenLine xmlns="" xmlns:a14="http://schemas.microsoft.com/office/drawing/2010/main" w="9525">
+                <a14:hiddenLine xmlns:a14="http://schemas.microsoft.com/office/drawing/2010/main" xmlns="" w="9525">
                   <a:solidFill>
                     <a:srgbClr val="000000"/>
                   </a:solidFill>
@@ -1615,7 +1615,7 @@
             </a:ln>
             <a:extLst>
               <a:ext uri="{91240B29-F687-4f45-9708-019B960494DF}">
-                <a14:hiddenLine xmlns="" xmlns:a14="http://schemas.microsoft.com/office/drawing/2010/main" w="9525">
+                <a14:hiddenLine xmlns:a14="http://schemas.microsoft.com/office/drawing/2010/main" xmlns="" w="9525">
                   <a:solidFill>
                     <a:srgbClr val="000000"/>
                   </a:solidFill>
@@ -1705,7 +1705,7 @@
             </a:ln>
             <a:extLst>
               <a:ext uri="{91240B29-F687-4f45-9708-019B960494DF}">
-                <a14:hiddenLine xmlns="" xmlns:a14="http://schemas.microsoft.com/office/drawing/2010/main" w="9525">
+                <a14:hiddenLine xmlns:a14="http://schemas.microsoft.com/office/drawing/2010/main" xmlns="" w="9525">
                   <a:solidFill>
                     <a:srgbClr val="000000"/>
                   </a:solidFill>
@@ -1761,7 +1761,7 @@
             </a:ln>
             <a:extLst>
               <a:ext uri="{91240B29-F687-4f45-9708-019B960494DF}">
-                <a14:hiddenLine xmlns="" xmlns:a14="http://schemas.microsoft.com/office/drawing/2010/main" w="9525">
+                <a14:hiddenLine xmlns:a14="http://schemas.microsoft.com/office/drawing/2010/main" xmlns="" w="9525">
                   <a:solidFill>
                     <a:srgbClr val="000000"/>
                   </a:solidFill>
@@ -1851,7 +1851,7 @@
             </a:ln>
             <a:extLst>
               <a:ext uri="{91240B29-F687-4f45-9708-019B960494DF}">
-                <a14:hiddenLine xmlns="" xmlns:a14="http://schemas.microsoft.com/office/drawing/2010/main" w="9525">
+                <a14:hiddenLine xmlns:a14="http://schemas.microsoft.com/office/drawing/2010/main" xmlns="" w="9525">
                   <a:solidFill>
                     <a:srgbClr val="000000"/>
                   </a:solidFill>
@@ -1907,7 +1907,7 @@
             </a:ln>
             <a:extLst>
               <a:ext uri="{91240B29-F687-4f45-9708-019B960494DF}">
-                <a14:hiddenLine xmlns="" xmlns:a14="http://schemas.microsoft.com/office/drawing/2010/main" w="9525">
+                <a14:hiddenLine xmlns:a14="http://schemas.microsoft.com/office/drawing/2010/main" xmlns="" w="9525">
                   <a:solidFill>
                     <a:srgbClr val="000000"/>
                   </a:solidFill>
@@ -1997,7 +1997,7 @@
             </a:ln>
             <a:extLst>
               <a:ext uri="{91240B29-F687-4f45-9708-019B960494DF}">
-                <a14:hiddenLine xmlns="" xmlns:a14="http://schemas.microsoft.com/office/drawing/2010/main" w="9525">
+                <a14:hiddenLine xmlns:a14="http://schemas.microsoft.com/office/drawing/2010/main" xmlns="" w="9525">
                   <a:solidFill>
                     <a:srgbClr val="000000"/>
                   </a:solidFill>
@@ -2065,7 +2065,7 @@
             </a:ln>
             <a:extLst>
               <a:ext uri="{91240B29-F687-4f45-9708-019B960494DF}">
-                <a14:hiddenLine xmlns="" xmlns:a14="http://schemas.microsoft.com/office/drawing/2010/main" w="9525">
+                <a14:hiddenLine xmlns:a14="http://schemas.microsoft.com/office/drawing/2010/main" xmlns="" w="9525">
                   <a:solidFill>
                     <a:srgbClr val="000000"/>
                   </a:solidFill>
@@ -2155,7 +2155,7 @@
             </a:ln>
             <a:extLst>
               <a:ext uri="{91240B29-F687-4f45-9708-019B960494DF}">
-                <a14:hiddenLine xmlns="" xmlns:a14="http://schemas.microsoft.com/office/drawing/2010/main" w="9525">
+                <a14:hiddenLine xmlns:a14="http://schemas.microsoft.com/office/drawing/2010/main" xmlns="" w="9525">
                   <a:solidFill>
                     <a:srgbClr val="000000"/>
                   </a:solidFill>
@@ -2223,7 +2223,7 @@
             </a:ln>
             <a:extLst>
               <a:ext uri="{91240B29-F687-4f45-9708-019B960494DF}">
-                <a14:hiddenLine xmlns="" xmlns:a14="http://schemas.microsoft.com/office/drawing/2010/main" w="9525">
+                <a14:hiddenLine xmlns:a14="http://schemas.microsoft.com/office/drawing/2010/main" xmlns="" w="9525">
                   <a:solidFill>
                     <a:srgbClr val="000000"/>
                   </a:solidFill>
@@ -2313,7 +2313,7 @@
             </a:ln>
             <a:extLst>
               <a:ext uri="{91240B29-F687-4f45-9708-019B960494DF}">
-                <a14:hiddenLine xmlns="" xmlns:a14="http://schemas.microsoft.com/office/drawing/2010/main" w="9525">
+                <a14:hiddenLine xmlns:a14="http://schemas.microsoft.com/office/drawing/2010/main" xmlns="" w="9525">
                   <a:solidFill>
                     <a:srgbClr val="000000"/>
                   </a:solidFill>
@@ -2347,7 +2347,7 @@
             </a:ln>
             <a:extLst>
               <a:ext uri="{91240B29-F687-4f45-9708-019B960494DF}">
-                <a14:hiddenLine xmlns="" xmlns:a14="http://schemas.microsoft.com/office/drawing/2010/main" w="9525">
+                <a14:hiddenLine xmlns:a14="http://schemas.microsoft.com/office/drawing/2010/main" xmlns="" w="9525">
                   <a:solidFill>
                     <a:srgbClr val="000000"/>
                   </a:solidFill>
@@ -2437,7 +2437,7 @@
             </a:ln>
             <a:extLst>
               <a:ext uri="{91240B29-F687-4f45-9708-019B960494DF}">
-                <a14:hiddenLine xmlns="" xmlns:a14="http://schemas.microsoft.com/office/drawing/2010/main" w="9525">
+                <a14:hiddenLine xmlns:a14="http://schemas.microsoft.com/office/drawing/2010/main" xmlns="" w="9525">
                   <a:solidFill>
                     <a:srgbClr val="000000"/>
                   </a:solidFill>
@@ -2499,7 +2499,7 @@
             </a:ln>
             <a:extLst>
               <a:ext uri="{91240B29-F687-4f45-9708-019B960494DF}">
-                <a14:hiddenLine xmlns="" xmlns:a14="http://schemas.microsoft.com/office/drawing/2010/main" w="9525">
+                <a14:hiddenLine xmlns:a14="http://schemas.microsoft.com/office/drawing/2010/main" xmlns="" w="9525">
                   <a:solidFill>
                     <a:srgbClr val="000000"/>
                   </a:solidFill>
@@ -2561,7 +2561,7 @@
             </a:ln>
             <a:extLst>
               <a:ext uri="{91240B29-F687-4f45-9708-019B960494DF}">
-                <a14:hiddenLine xmlns="" xmlns:a14="http://schemas.microsoft.com/office/drawing/2010/main" w="9525">
+                <a14:hiddenLine xmlns:a14="http://schemas.microsoft.com/office/drawing/2010/main" xmlns="" w="9525">
                   <a:solidFill>
                     <a:srgbClr val="000000"/>
                   </a:solidFill>
@@ -2651,7 +2651,7 @@
             </a:ln>
             <a:extLst>
               <a:ext uri="{91240B29-F687-4f45-9708-019B960494DF}">
-                <a14:hiddenLine xmlns="" xmlns:a14="http://schemas.microsoft.com/office/drawing/2010/main" w="9525">
+                <a14:hiddenLine xmlns:a14="http://schemas.microsoft.com/office/drawing/2010/main" xmlns="" w="9525">
                   <a:solidFill>
                     <a:srgbClr val="000000"/>
                   </a:solidFill>
@@ -2719,7 +2719,7 @@
             </a:ln>
             <a:extLst>
               <a:ext uri="{91240B29-F687-4f45-9708-019B960494DF}">
-                <a14:hiddenLine xmlns="" xmlns:a14="http://schemas.microsoft.com/office/drawing/2010/main" w="9525">
+                <a14:hiddenLine xmlns:a14="http://schemas.microsoft.com/office/drawing/2010/main" xmlns="" w="9525">
                   <a:solidFill>
                     <a:srgbClr val="000000"/>
                   </a:solidFill>
@@ -2781,7 +2781,7 @@
             </a:ln>
             <a:extLst>
               <a:ext uri="{91240B29-F687-4f45-9708-019B960494DF}">
-                <a14:hiddenLine xmlns="" xmlns:a14="http://schemas.microsoft.com/office/drawing/2010/main" w="9525">
+                <a14:hiddenLine xmlns:a14="http://schemas.microsoft.com/office/drawing/2010/main" xmlns="" w="9525">
                   <a:solidFill>
                     <a:srgbClr val="000000"/>
                   </a:solidFill>
@@ -2871,7 +2871,7 @@
             </a:ln>
             <a:extLst>
               <a:ext uri="{91240B29-F687-4f45-9708-019B960494DF}">
-                <a14:hiddenLine xmlns="" xmlns:a14="http://schemas.microsoft.com/office/drawing/2010/main" w="9525">
+                <a14:hiddenLine xmlns:a14="http://schemas.microsoft.com/office/drawing/2010/main" xmlns="" w="9525">
                   <a:solidFill>
                     <a:srgbClr val="000000"/>
                   </a:solidFill>
@@ -2933,7 +2933,7 @@
             </a:ln>
             <a:extLst>
               <a:ext uri="{91240B29-F687-4f45-9708-019B960494DF}">
-                <a14:hiddenLine xmlns="" xmlns:a14="http://schemas.microsoft.com/office/drawing/2010/main" w="9525">
+                <a14:hiddenLine xmlns:a14="http://schemas.microsoft.com/office/drawing/2010/main" xmlns="" w="9525">
                   <a:solidFill>
                     <a:srgbClr val="000000"/>
                   </a:solidFill>
@@ -3023,7 +3023,7 @@
             </a:ln>
             <a:extLst>
               <a:ext uri="{91240B29-F687-4f45-9708-019B960494DF}">
-                <a14:hiddenLine xmlns="" xmlns:a14="http://schemas.microsoft.com/office/drawing/2010/main" w="9525">
+                <a14:hiddenLine xmlns:a14="http://schemas.microsoft.com/office/drawing/2010/main" xmlns="" w="9525">
                   <a:solidFill>
                     <a:srgbClr val="000000"/>
                   </a:solidFill>
@@ -3085,7 +3085,7 @@
             </a:ln>
             <a:extLst>
               <a:ext uri="{91240B29-F687-4f45-9708-019B960494DF}">
-                <a14:hiddenLine xmlns="" xmlns:a14="http://schemas.microsoft.com/office/drawing/2010/main" w="9525">
+                <a14:hiddenLine xmlns:a14="http://schemas.microsoft.com/office/drawing/2010/main" xmlns="" w="9525">
                   <a:solidFill>
                     <a:srgbClr val="000000"/>
                   </a:solidFill>
@@ -3175,7 +3175,7 @@
             </a:ln>
             <a:extLst>
               <a:ext uri="{91240B29-F687-4f45-9708-019B960494DF}">
-                <a14:hiddenLine xmlns="" xmlns:a14="http://schemas.microsoft.com/office/drawing/2010/main" w="9525">
+                <a14:hiddenLine xmlns:a14="http://schemas.microsoft.com/office/drawing/2010/main" xmlns="" w="9525">
                   <a:solidFill>
                     <a:srgbClr val="000000"/>
                   </a:solidFill>
@@ -3209,7 +3209,7 @@
             </a:ln>
             <a:extLst>
               <a:ext uri="{91240B29-F687-4f45-9708-019B960494DF}">
-                <a14:hiddenLine xmlns="" xmlns:a14="http://schemas.microsoft.com/office/drawing/2010/main" w="9525">
+                <a14:hiddenLine xmlns:a14="http://schemas.microsoft.com/office/drawing/2010/main" xmlns="" w="9525">
                   <a:solidFill>
                     <a:srgbClr val="000000"/>
                   </a:solidFill>
@@ -3274,7 +3274,7 @@
             </a:ln>
             <a:extLst>
               <a:ext uri="{91240B29-F687-4f45-9708-019B960494DF}">
-                <a14:hiddenLine xmlns="" xmlns:a14="http://schemas.microsoft.com/office/drawing/2010/main" w="9525">
+                <a14:hiddenLine xmlns:a14="http://schemas.microsoft.com/office/drawing/2010/main" xmlns="" w="9525">
                   <a:solidFill>
                     <a:srgbClr val="000000"/>
                   </a:solidFill>
@@ -3364,7 +3364,7 @@
             </a:ln>
             <a:extLst>
               <a:ext uri="{91240B29-F687-4f45-9708-019B960494DF}">
-                <a14:hiddenLine xmlns="" xmlns:a14="http://schemas.microsoft.com/office/drawing/2010/main" w="9525">
+                <a14:hiddenLine xmlns:a14="http://schemas.microsoft.com/office/drawing/2010/main" xmlns="" w="9525">
                   <a:solidFill>
                     <a:srgbClr val="000000"/>
                   </a:solidFill>
@@ -3426,7 +3426,7 @@
             </a:ln>
             <a:extLst>
               <a:ext uri="{91240B29-F687-4f45-9708-019B960494DF}">
-                <a14:hiddenLine xmlns="" xmlns:a14="http://schemas.microsoft.com/office/drawing/2010/main" w="9525">
+                <a14:hiddenLine xmlns:a14="http://schemas.microsoft.com/office/drawing/2010/main" xmlns="" w="9525">
                   <a:solidFill>
                     <a:srgbClr val="000000"/>
                   </a:solidFill>
@@ -3516,7 +3516,7 @@
             </a:ln>
             <a:extLst>
               <a:ext uri="{91240B29-F687-4f45-9708-019B960494DF}">
-                <a14:hiddenLine xmlns="" xmlns:a14="http://schemas.microsoft.com/office/drawing/2010/main" w="9525">
+                <a14:hiddenLine xmlns:a14="http://schemas.microsoft.com/office/drawing/2010/main" xmlns="" w="9525">
                   <a:solidFill>
                     <a:srgbClr val="000000"/>
                   </a:solidFill>
@@ -3606,7 +3606,7 @@
             </a:ln>
             <a:extLst>
               <a:ext uri="{91240B29-F687-4f45-9708-019B960494DF}">
-                <a14:hiddenLine xmlns="" xmlns:a14="http://schemas.microsoft.com/office/drawing/2010/main" w="9525">
+                <a14:hiddenLine xmlns:a14="http://schemas.microsoft.com/office/drawing/2010/main" xmlns="" w="9525">
                   <a:solidFill>
                     <a:srgbClr val="000000"/>
                   </a:solidFill>
@@ -3671,7 +3671,7 @@
             </a:ln>
             <a:extLst>
               <a:ext uri="{91240B29-F687-4f45-9708-019B960494DF}">
-                <a14:hiddenLine xmlns="" xmlns:a14="http://schemas.microsoft.com/office/drawing/2010/main" w="9525">
+                <a14:hiddenLine xmlns:a14="http://schemas.microsoft.com/office/drawing/2010/main" xmlns="" w="9525">
                   <a:solidFill>
                     <a:srgbClr val="000000"/>
                   </a:solidFill>
@@ -3733,7 +3733,7 @@
             </a:ln>
             <a:extLst>
               <a:ext uri="{91240B29-F687-4f45-9708-019B960494DF}">
-                <a14:hiddenLine xmlns="" xmlns:a14="http://schemas.microsoft.com/office/drawing/2010/main" w="9525">
+                <a14:hiddenLine xmlns:a14="http://schemas.microsoft.com/office/drawing/2010/main" xmlns="" w="9525">
                   <a:solidFill>
                     <a:srgbClr val="000000"/>
                   </a:solidFill>
@@ -3823,7 +3823,7 @@
             </a:ln>
             <a:extLst>
               <a:ext uri="{91240B29-F687-4f45-9708-019B960494DF}">
-                <a14:hiddenLine xmlns="" xmlns:a14="http://schemas.microsoft.com/office/drawing/2010/main" w="9525">
+                <a14:hiddenLine xmlns:a14="http://schemas.microsoft.com/office/drawing/2010/main" xmlns="" w="9525">
                   <a:solidFill>
                     <a:srgbClr val="000000"/>
                   </a:solidFill>
@@ -3913,7 +3913,7 @@
             </a:ln>
             <a:extLst>
               <a:ext uri="{91240B29-F687-4f45-9708-019B960494DF}">
-                <a14:hiddenLine xmlns="" xmlns:a14="http://schemas.microsoft.com/office/drawing/2010/main" w="9525">
+                <a14:hiddenLine xmlns:a14="http://schemas.microsoft.com/office/drawing/2010/main" xmlns="" w="9525">
                   <a:solidFill>
                     <a:srgbClr val="000000"/>
                   </a:solidFill>
@@ -3975,7 +3975,7 @@
             </a:ln>
             <a:extLst>
               <a:ext uri="{91240B29-F687-4f45-9708-019B960494DF}">
-                <a14:hiddenLine xmlns="" xmlns:a14="http://schemas.microsoft.com/office/drawing/2010/main" w="9525">
+                <a14:hiddenLine xmlns:a14="http://schemas.microsoft.com/office/drawing/2010/main" xmlns="" w="9525">
                   <a:solidFill>
                     <a:srgbClr val="000000"/>
                   </a:solidFill>
@@ -4095,7 +4095,7 @@
             </a:ln>
             <a:extLst>
               <a:ext uri="{91240B29-F687-4f45-9708-019B960494DF}">
-                <a14:hiddenLine xmlns="" xmlns:a14="http://schemas.microsoft.com/office/drawing/2010/main" w="9525">
+                <a14:hiddenLine xmlns:a14="http://schemas.microsoft.com/office/drawing/2010/main" xmlns="" w="9525">
                   <a:solidFill>
                     <a:srgbClr val="000000"/>
                   </a:solidFill>
@@ -4163,7 +4163,7 @@
             </a:ln>
             <a:extLst>
               <a:ext uri="{91240B29-F687-4f45-9708-019B960494DF}">
-                <a14:hiddenLine xmlns="" xmlns:a14="http://schemas.microsoft.com/office/drawing/2010/main" w="9525">
+                <a14:hiddenLine xmlns:a14="http://schemas.microsoft.com/office/drawing/2010/main" xmlns="" w="9525">
                   <a:solidFill>
                     <a:srgbClr val="000000"/>
                   </a:solidFill>
@@ -4253,7 +4253,7 @@
             </a:ln>
             <a:extLst>
               <a:ext uri="{91240B29-F687-4f45-9708-019B960494DF}">
-                <a14:hiddenLine xmlns="" xmlns:a14="http://schemas.microsoft.com/office/drawing/2010/main" w="9525">
+                <a14:hiddenLine xmlns:a14="http://schemas.microsoft.com/office/drawing/2010/main" xmlns="" w="9525">
                   <a:solidFill>
                     <a:srgbClr val="000000"/>
                   </a:solidFill>
@@ -8989,7 +8989,7 @@
             <a:alphaModFix amt="30000"/>
             <a:extLst>
               <a:ext uri="{28A0092B-C50C-407E-A947-70E740481C1C}">
-                <a14:useLocalDpi xmlns:a14="http://schemas.microsoft.com/office/drawing/2010/main" xmlns="" val="0"/>
+                <a14:useLocalDpi xmlns="" xmlns:a14="http://schemas.microsoft.com/office/drawing/2010/main" val="0"/>
               </a:ext>
             </a:extLst>
           </a:blip>
@@ -9009,7 +9009,7 @@
           <a:noFill/>
           <a:extLst>
             <a:ext uri="{909E8E84-426E-40dd-AFC4-6F175D3DCCD1}">
-              <a14:hiddenFill xmlns="" xmlns:a14="http://schemas.microsoft.com/office/drawing/2010/main">
+              <a14:hiddenFill xmlns:a14="http://schemas.microsoft.com/office/drawing/2010/main" xmlns="">
                 <a:solidFill>
                   <a:srgbClr val="FFFFFF"/>
                 </a:solidFill>
@@ -9083,7 +9083,7 @@
               </a:ln>
               <a:extLst>
                 <a:ext uri="{91240B29-F687-4f45-9708-019B960494DF}">
-                  <a14:hiddenLine xmlns="" xmlns:a14="http://schemas.microsoft.com/office/drawing/2010/main" w="9525">
+                  <a14:hiddenLine xmlns:a14="http://schemas.microsoft.com/office/drawing/2010/main" xmlns="" w="9525">
                     <a:solidFill>
                       <a:srgbClr val="000000"/>
                     </a:solidFill>
@@ -9173,7 +9173,7 @@
               </a:ln>
               <a:extLst>
                 <a:ext uri="{91240B29-F687-4f45-9708-019B960494DF}">
-                  <a14:hiddenLine xmlns="" xmlns:a14="http://schemas.microsoft.com/office/drawing/2010/main" w="9525">
+                  <a14:hiddenLine xmlns:a14="http://schemas.microsoft.com/office/drawing/2010/main" xmlns="" w="9525">
                     <a:solidFill>
                       <a:srgbClr val="000000"/>
                     </a:solidFill>
@@ -9263,7 +9263,7 @@
               </a:ln>
               <a:extLst>
                 <a:ext uri="{91240B29-F687-4f45-9708-019B960494DF}">
-                  <a14:hiddenLine xmlns="" xmlns:a14="http://schemas.microsoft.com/office/drawing/2010/main" w="9525">
+                  <a14:hiddenLine xmlns:a14="http://schemas.microsoft.com/office/drawing/2010/main" xmlns="" w="9525">
                     <a:solidFill>
                       <a:srgbClr val="000000"/>
                     </a:solidFill>
@@ -9325,7 +9325,7 @@
               </a:ln>
               <a:extLst>
                 <a:ext uri="{91240B29-F687-4f45-9708-019B960494DF}">
-                  <a14:hiddenLine xmlns="" xmlns:a14="http://schemas.microsoft.com/office/drawing/2010/main" w="9525">
+                  <a14:hiddenLine xmlns:a14="http://schemas.microsoft.com/office/drawing/2010/main" xmlns="" w="9525">
                     <a:solidFill>
                       <a:srgbClr val="000000"/>
                     </a:solidFill>
@@ -9415,7 +9415,7 @@
               </a:ln>
               <a:extLst>
                 <a:ext uri="{91240B29-F687-4f45-9708-019B960494DF}">
-                  <a14:hiddenLine xmlns="" xmlns:a14="http://schemas.microsoft.com/office/drawing/2010/main" w="9525">
+                  <a14:hiddenLine xmlns:a14="http://schemas.microsoft.com/office/drawing/2010/main" xmlns="" w="9525">
                     <a:solidFill>
                       <a:srgbClr val="000000"/>
                     </a:solidFill>
@@ -9477,7 +9477,7 @@
               </a:ln>
               <a:extLst>
                 <a:ext uri="{91240B29-F687-4f45-9708-019B960494DF}">
-                  <a14:hiddenLine xmlns="" xmlns:a14="http://schemas.microsoft.com/office/drawing/2010/main" w="9525">
+                  <a14:hiddenLine xmlns:a14="http://schemas.microsoft.com/office/drawing/2010/main" xmlns="" w="9525">
                     <a:solidFill>
                       <a:srgbClr val="000000"/>
                     </a:solidFill>
@@ -9539,7 +9539,7 @@
               </a:ln>
               <a:extLst>
                 <a:ext uri="{91240B29-F687-4f45-9708-019B960494DF}">
-                  <a14:hiddenLine xmlns="" xmlns:a14="http://schemas.microsoft.com/office/drawing/2010/main" w="9525">
+                  <a14:hiddenLine xmlns:a14="http://schemas.microsoft.com/office/drawing/2010/main" xmlns="" w="9525">
                     <a:solidFill>
                       <a:srgbClr val="000000"/>
                     </a:solidFill>
@@ -9629,7 +9629,7 @@
               </a:ln>
               <a:extLst>
                 <a:ext uri="{91240B29-F687-4f45-9708-019B960494DF}">
-                  <a14:hiddenLine xmlns="" xmlns:a14="http://schemas.microsoft.com/office/drawing/2010/main" w="9525">
+                  <a14:hiddenLine xmlns:a14="http://schemas.microsoft.com/office/drawing/2010/main" xmlns="" w="9525">
                     <a:solidFill>
                       <a:srgbClr val="000000"/>
                     </a:solidFill>
@@ -9719,7 +9719,7 @@
               </a:ln>
               <a:extLst>
                 <a:ext uri="{91240B29-F687-4f45-9708-019B960494DF}">
-                  <a14:hiddenLine xmlns="" xmlns:a14="http://schemas.microsoft.com/office/drawing/2010/main" w="9525">
+                  <a14:hiddenLine xmlns:a14="http://schemas.microsoft.com/office/drawing/2010/main" xmlns="" w="9525">
                     <a:solidFill>
                       <a:srgbClr val="000000"/>
                     </a:solidFill>
@@ -9781,7 +9781,7 @@
               </a:ln>
               <a:extLst>
                 <a:ext uri="{91240B29-F687-4f45-9708-019B960494DF}">
-                  <a14:hiddenLine xmlns="" xmlns:a14="http://schemas.microsoft.com/office/drawing/2010/main" w="9525">
+                  <a14:hiddenLine xmlns:a14="http://schemas.microsoft.com/office/drawing/2010/main" xmlns="" w="9525">
                     <a:solidFill>
                       <a:srgbClr val="000000"/>
                     </a:solidFill>
@@ -9891,7 +9891,7 @@
               </a:ln>
               <a:extLst>
                 <a:ext uri="{91240B29-F687-4f45-9708-019B960494DF}">
-                  <a14:hiddenLine xmlns="" xmlns:a14="http://schemas.microsoft.com/office/drawing/2010/main" w="9525">
+                  <a14:hiddenLine xmlns:a14="http://schemas.microsoft.com/office/drawing/2010/main" xmlns="" w="9525">
                     <a:solidFill>
                       <a:srgbClr val="000000"/>
                     </a:solidFill>
@@ -9975,7 +9975,7 @@
               </a:ln>
               <a:extLst>
                 <a:ext uri="{91240B29-F687-4f45-9708-019B960494DF}">
-                  <a14:hiddenLine xmlns="" xmlns:a14="http://schemas.microsoft.com/office/drawing/2010/main" w="9525">
+                  <a14:hiddenLine xmlns:a14="http://schemas.microsoft.com/office/drawing/2010/main" xmlns="" w="9525">
                     <a:solidFill>
                       <a:srgbClr val="000000"/>
                     </a:solidFill>
@@ -10037,7 +10037,7 @@
               </a:ln>
               <a:extLst>
                 <a:ext uri="{91240B29-F687-4f45-9708-019B960494DF}">
-                  <a14:hiddenLine xmlns="" xmlns:a14="http://schemas.microsoft.com/office/drawing/2010/main" w="9525">
+                  <a14:hiddenLine xmlns:a14="http://schemas.microsoft.com/office/drawing/2010/main" xmlns="" w="9525">
                     <a:solidFill>
                       <a:srgbClr val="000000"/>
                     </a:solidFill>
@@ -10099,7 +10099,7 @@
               </a:ln>
               <a:extLst>
                 <a:ext uri="{91240B29-F687-4f45-9708-019B960494DF}">
-                  <a14:hiddenLine xmlns="" xmlns:a14="http://schemas.microsoft.com/office/drawing/2010/main" w="9525">
+                  <a14:hiddenLine xmlns:a14="http://schemas.microsoft.com/office/drawing/2010/main" xmlns="" w="9525">
                     <a:solidFill>
                       <a:srgbClr val="000000"/>
                     </a:solidFill>
@@ -10189,7 +10189,7 @@
               </a:ln>
               <a:extLst>
                 <a:ext uri="{91240B29-F687-4f45-9708-019B960494DF}">
-                  <a14:hiddenLine xmlns="" xmlns:a14="http://schemas.microsoft.com/office/drawing/2010/main" w="9525">
+                  <a14:hiddenLine xmlns:a14="http://schemas.microsoft.com/office/drawing/2010/main" xmlns="" w="9525">
                     <a:solidFill>
                       <a:srgbClr val="000000"/>
                     </a:solidFill>
@@ -10223,7 +10223,7 @@
               </a:ln>
               <a:extLst>
                 <a:ext uri="{91240B29-F687-4f45-9708-019B960494DF}">
-                  <a14:hiddenLine xmlns="" xmlns:a14="http://schemas.microsoft.com/office/drawing/2010/main" w="9525">
+                  <a14:hiddenLine xmlns:a14="http://schemas.microsoft.com/office/drawing/2010/main" xmlns="" w="9525">
                     <a:solidFill>
                       <a:srgbClr val="000000"/>
                     </a:solidFill>
@@ -10288,7 +10288,7 @@
               </a:ln>
               <a:extLst>
                 <a:ext uri="{91240B29-F687-4f45-9708-019B960494DF}">
-                  <a14:hiddenLine xmlns="" xmlns:a14="http://schemas.microsoft.com/office/drawing/2010/main" w="9525">
+                  <a14:hiddenLine xmlns:a14="http://schemas.microsoft.com/office/drawing/2010/main" xmlns="" w="9525">
                     <a:solidFill>
                       <a:srgbClr val="000000"/>
                     </a:solidFill>
@@ -10378,7 +10378,7 @@
               </a:ln>
               <a:extLst>
                 <a:ext uri="{91240B29-F687-4f45-9708-019B960494DF}">
-                  <a14:hiddenLine xmlns="" xmlns:a14="http://schemas.microsoft.com/office/drawing/2010/main" w="9525">
+                  <a14:hiddenLine xmlns:a14="http://schemas.microsoft.com/office/drawing/2010/main" xmlns="" w="9525">
                     <a:solidFill>
                       <a:srgbClr val="000000"/>
                     </a:solidFill>
@@ -10440,7 +10440,7 @@
               </a:ln>
               <a:extLst>
                 <a:ext uri="{91240B29-F687-4f45-9708-019B960494DF}">
-                  <a14:hiddenLine xmlns="" xmlns:a14="http://schemas.microsoft.com/office/drawing/2010/main" w="9525">
+                  <a14:hiddenLine xmlns:a14="http://schemas.microsoft.com/office/drawing/2010/main" xmlns="" w="9525">
                     <a:solidFill>
                       <a:srgbClr val="000000"/>
                     </a:solidFill>
@@ -10530,7 +10530,7 @@
               </a:ln>
               <a:extLst>
                 <a:ext uri="{91240B29-F687-4f45-9708-019B960494DF}">
-                  <a14:hiddenLine xmlns="" xmlns:a14="http://schemas.microsoft.com/office/drawing/2010/main" w="9525">
+                  <a14:hiddenLine xmlns:a14="http://schemas.microsoft.com/office/drawing/2010/main" xmlns="" w="9525">
                     <a:solidFill>
                       <a:srgbClr val="000000"/>
                     </a:solidFill>
@@ -10595,7 +10595,7 @@
               </a:ln>
               <a:extLst>
                 <a:ext uri="{91240B29-F687-4f45-9708-019B960494DF}">
-                  <a14:hiddenLine xmlns="" xmlns:a14="http://schemas.microsoft.com/office/drawing/2010/main" w="9525">
+                  <a14:hiddenLine xmlns:a14="http://schemas.microsoft.com/office/drawing/2010/main" xmlns="" w="9525">
                     <a:solidFill>
                       <a:srgbClr val="000000"/>
                     </a:solidFill>
@@ -10657,7 +10657,7 @@
               </a:ln>
               <a:extLst>
                 <a:ext uri="{91240B29-F687-4f45-9708-019B960494DF}">
-                  <a14:hiddenLine xmlns="" xmlns:a14="http://schemas.microsoft.com/office/drawing/2010/main" w="9525">
+                  <a14:hiddenLine xmlns:a14="http://schemas.microsoft.com/office/drawing/2010/main" xmlns="" w="9525">
                     <a:solidFill>
                       <a:srgbClr val="000000"/>
                     </a:solidFill>
@@ -10747,7 +10747,7 @@
               </a:ln>
               <a:extLst>
                 <a:ext uri="{91240B29-F687-4f45-9708-019B960494DF}">
-                  <a14:hiddenLine xmlns="" xmlns:a14="http://schemas.microsoft.com/office/drawing/2010/main" w="9525">
+                  <a14:hiddenLine xmlns:a14="http://schemas.microsoft.com/office/drawing/2010/main" xmlns="" w="9525">
                     <a:solidFill>
                       <a:srgbClr val="000000"/>
                     </a:solidFill>
@@ -10837,7 +10837,7 @@
               </a:ln>
               <a:extLst>
                 <a:ext uri="{91240B29-F687-4f45-9708-019B960494DF}">
-                  <a14:hiddenLine xmlns="" xmlns:a14="http://schemas.microsoft.com/office/drawing/2010/main" w="9525">
+                  <a14:hiddenLine xmlns:a14="http://schemas.microsoft.com/office/drawing/2010/main" xmlns="" w="9525">
                     <a:solidFill>
                       <a:srgbClr val="000000"/>
                     </a:solidFill>
@@ -10902,7 +10902,7 @@
               </a:ln>
               <a:extLst>
                 <a:ext uri="{91240B29-F687-4f45-9708-019B960494DF}">
-                  <a14:hiddenLine xmlns="" xmlns:a14="http://schemas.microsoft.com/office/drawing/2010/main" w="9525">
+                  <a14:hiddenLine xmlns:a14="http://schemas.microsoft.com/office/drawing/2010/main" xmlns="" w="9525">
                     <a:solidFill>
                       <a:srgbClr val="000000"/>
                     </a:solidFill>
@@ -11022,7 +11022,7 @@
               </a:ln>
               <a:extLst>
                 <a:ext uri="{91240B29-F687-4f45-9708-019B960494DF}">
-                  <a14:hiddenLine xmlns="" xmlns:a14="http://schemas.microsoft.com/office/drawing/2010/main" w="9525">
+                  <a14:hiddenLine xmlns:a14="http://schemas.microsoft.com/office/drawing/2010/main" xmlns="" w="9525">
                     <a:solidFill>
                       <a:srgbClr val="000000"/>
                     </a:solidFill>
@@ -11120,7 +11120,7 @@
               </a:ln>
               <a:extLst>
                 <a:ext uri="{91240B29-F687-4f45-9708-019B960494DF}">
-                  <a14:hiddenLine xmlns="" xmlns:a14="http://schemas.microsoft.com/office/drawing/2010/main" w="9525">
+                  <a14:hiddenLine xmlns:a14="http://schemas.microsoft.com/office/drawing/2010/main" xmlns="" w="9525">
                     <a:solidFill>
                       <a:srgbClr val="000000"/>
                     </a:solidFill>
@@ -11235,7 +11235,7 @@
               </a:ln>
               <a:extLst>
                 <a:ext uri="{91240B29-F687-4f45-9708-019B960494DF}">
-                  <a14:hiddenLine xmlns="" xmlns:a14="http://schemas.microsoft.com/office/drawing/2010/main" w="9525">
+                  <a14:hiddenLine xmlns:a14="http://schemas.microsoft.com/office/drawing/2010/main" xmlns="" w="9525">
                     <a:solidFill>
                       <a:srgbClr val="000000"/>
                     </a:solidFill>
@@ -11325,7 +11325,7 @@
               </a:ln>
               <a:extLst>
                 <a:ext uri="{91240B29-F687-4f45-9708-019B960494DF}">
-                  <a14:hiddenLine xmlns="" xmlns:a14="http://schemas.microsoft.com/office/drawing/2010/main" w="9525">
+                  <a14:hiddenLine xmlns:a14="http://schemas.microsoft.com/office/drawing/2010/main" xmlns="" w="9525">
                     <a:solidFill>
                       <a:srgbClr val="000000"/>
                     </a:solidFill>
@@ -11390,7 +11390,7 @@
               </a:ln>
               <a:extLst>
                 <a:ext uri="{91240B29-F687-4f45-9708-019B960494DF}">
-                  <a14:hiddenLine xmlns="" xmlns:a14="http://schemas.microsoft.com/office/drawing/2010/main" w="9525">
+                  <a14:hiddenLine xmlns:a14="http://schemas.microsoft.com/office/drawing/2010/main" xmlns="" w="9525">
                     <a:solidFill>
                       <a:srgbClr val="000000"/>
                     </a:solidFill>
@@ -11480,7 +11480,7 @@
               </a:ln>
               <a:extLst>
                 <a:ext uri="{91240B29-F687-4f45-9708-019B960494DF}">
-                  <a14:hiddenLine xmlns="" xmlns:a14="http://schemas.microsoft.com/office/drawing/2010/main" w="9525">
+                  <a14:hiddenLine xmlns:a14="http://schemas.microsoft.com/office/drawing/2010/main" xmlns="" w="9525">
                     <a:solidFill>
                       <a:srgbClr val="000000"/>
                     </a:solidFill>
@@ -11548,7 +11548,7 @@
               </a:ln>
               <a:extLst>
                 <a:ext uri="{91240B29-F687-4f45-9708-019B960494DF}">
-                  <a14:hiddenLine xmlns="" xmlns:a14="http://schemas.microsoft.com/office/drawing/2010/main" w="9525">
+                  <a14:hiddenLine xmlns:a14="http://schemas.microsoft.com/office/drawing/2010/main" xmlns="" w="9525">
                     <a:solidFill>
                       <a:srgbClr val="000000"/>
                     </a:solidFill>
@@ -11638,7 +11638,7 @@
               </a:ln>
               <a:extLst>
                 <a:ext uri="{91240B29-F687-4f45-9708-019B960494DF}">
-                  <a14:hiddenLine xmlns="" xmlns:a14="http://schemas.microsoft.com/office/drawing/2010/main" w="9525">
+                  <a14:hiddenLine xmlns:a14="http://schemas.microsoft.com/office/drawing/2010/main" xmlns="" w="9525">
                     <a:solidFill>
                       <a:srgbClr val="000000"/>
                     </a:solidFill>
@@ -11706,7 +11706,7 @@
               </a:ln>
               <a:extLst>
                 <a:ext uri="{91240B29-F687-4f45-9708-019B960494DF}">
-                  <a14:hiddenLine xmlns="" xmlns:a14="http://schemas.microsoft.com/office/drawing/2010/main" w="9525">
+                  <a14:hiddenLine xmlns:a14="http://schemas.microsoft.com/office/drawing/2010/main" xmlns="" w="9525">
                     <a:solidFill>
                       <a:srgbClr val="000000"/>
                     </a:solidFill>
@@ -11796,7 +11796,7 @@
               </a:ln>
               <a:extLst>
                 <a:ext uri="{91240B29-F687-4f45-9708-019B960494DF}">
-                  <a14:hiddenLine xmlns="" xmlns:a14="http://schemas.microsoft.com/office/drawing/2010/main" w="9525">
+                  <a14:hiddenLine xmlns:a14="http://schemas.microsoft.com/office/drawing/2010/main" xmlns="" w="9525">
                     <a:solidFill>
                       <a:srgbClr val="000000"/>
                     </a:solidFill>
@@ -11830,7 +11830,7 @@
               </a:ln>
               <a:extLst>
                 <a:ext uri="{91240B29-F687-4f45-9708-019B960494DF}">
-                  <a14:hiddenLine xmlns="" xmlns:a14="http://schemas.microsoft.com/office/drawing/2010/main" w="9525">
+                  <a14:hiddenLine xmlns:a14="http://schemas.microsoft.com/office/drawing/2010/main" xmlns="" w="9525">
                     <a:solidFill>
                       <a:srgbClr val="000000"/>
                     </a:solidFill>
@@ -12442,7 +12442,7 @@
     </p:spTree>
     <p:extLst>
       <p:ext uri="{BB962C8B-B14F-4D97-AF65-F5344CB8AC3E}">
-        <p14:creationId xmlns:p14="http://schemas.microsoft.com/office/powerpoint/2010/main" xmlns="" val="4209821317"/>
+        <p14:creationId xmlns="" xmlns:p14="http://schemas.microsoft.com/office/powerpoint/2010/main" val="4209821317"/>
       </p:ext>
     </p:extLst>
   </p:cSld>
@@ -12624,7 +12624,7 @@
     </p:spTree>
     <p:extLst>
       <p:ext uri="{BB962C8B-B14F-4D97-AF65-F5344CB8AC3E}">
-        <p14:creationId xmlns:p14="http://schemas.microsoft.com/office/powerpoint/2010/main" xmlns="" val="3205406010"/>
+        <p14:creationId xmlns="" xmlns:p14="http://schemas.microsoft.com/office/powerpoint/2010/main" val="3205406010"/>
       </p:ext>
     </p:extLst>
   </p:cSld>
@@ -12668,11 +12668,7 @@
           <a:p>
             <a:r>
               <a:rPr lang="en-US" dirty="0" smtClean="0"/>
-              <a:t>General </a:t>
-            </a:r>
-            <a:r>
-              <a:rPr lang="en-US" dirty="0" smtClean="0"/>
-              <a:t>Overview</a:t>
+              <a:t>General Overview</a:t>
             </a:r>
             <a:endParaRPr lang="en-US" dirty="0"/>
           </a:p>
@@ -12699,29 +12695,66 @@
             </a:r>
           </a:p>
           <a:p>
-            <a:pPr lvl="1"/>
+            <a:pPr marL="685800" lvl="2">
+              <a:spcBef>
+                <a:spcPts val="1000"/>
+              </a:spcBef>
+            </a:pPr>
             <a:r>
               <a:rPr lang="en-US" dirty="0" smtClean="0"/>
-              <a:t>The launcher will be a separate screen that is the graphical user interface between the user and accessing the server.</a:t>
-            </a:r>
-          </a:p>
-          <a:p>
-            <a:pPr lvl="1"/>
+              <a:t>The launcher will be a separate screen that is the graphical user interface between the user and accessing the server</a:t>
+            </a:r>
             <a:r>
               <a:rPr lang="en-US" dirty="0" smtClean="0"/>
-              <a:t>(I need Montana to help me add to the specification, design, and </a:t>
-            </a:r>
-            <a:r>
-              <a:rPr lang="en-US" dirty="0" err="1" smtClean="0"/>
-              <a:t>powerpoint</a:t>
-            </a:r>
+              <a:t>.</a:t>
+            </a:r>
+            <a:endParaRPr lang="en-US" dirty="0" smtClean="0"/>
+          </a:p>
+          <a:p>
+            <a:pPr marL="228600" lvl="1">
+              <a:spcBef>
+                <a:spcPts val="1000"/>
+              </a:spcBef>
+            </a:pPr>
+            <a:endParaRPr lang="en-US" dirty="0" smtClean="0"/>
+          </a:p>
+          <a:p>
+            <a:pPr marL="228600" lvl="1">
+              <a:spcBef>
+                <a:spcPts val="1000"/>
+              </a:spcBef>
+            </a:pPr>
+            <a:endParaRPr lang="en-US" dirty="0" smtClean="0"/>
+          </a:p>
+          <a:p>
+            <a:pPr marL="228600" lvl="1">
+              <a:spcBef>
+                <a:spcPts val="1000"/>
+              </a:spcBef>
+            </a:pPr>
+            <a:endParaRPr lang="en-US" dirty="0" smtClean="0"/>
+          </a:p>
+          <a:p>
+            <a:pPr marL="228600" lvl="1">
+              <a:spcBef>
+                <a:spcPts val="1000"/>
+              </a:spcBef>
+            </a:pPr>
             <a:r>
               <a:rPr lang="en-US" dirty="0" smtClean="0"/>
-              <a:t> with details about the launcher)</a:t>
-            </a:r>
-          </a:p>
-          <a:p>
-            <a:pPr lvl="1"/>
+              <a:t>The Game</a:t>
+            </a:r>
+          </a:p>
+          <a:p>
+            <a:pPr marL="685800" lvl="2">
+              <a:spcBef>
+                <a:spcPts val="1000"/>
+              </a:spcBef>
+            </a:pPr>
+            <a:r>
+              <a:rPr lang="en-US" dirty="0" smtClean="0"/>
+              <a:t>Gate of Gabethulu: A top-down 2D adventure looter that traverses a chaotically good world with a unsympathetically evil hero.</a:t>
+            </a:r>
             <a:endParaRPr lang="en-US" dirty="0" smtClean="0"/>
           </a:p>
         </p:txBody>
@@ -12729,7 +12762,7 @@
     </p:spTree>
     <p:extLst>
       <p:ext uri="{BB962C8B-B14F-4D97-AF65-F5344CB8AC3E}">
-        <p14:creationId xmlns:p14="http://schemas.microsoft.com/office/powerpoint/2010/main" xmlns="" val="459454196"/>
+        <p14:creationId xmlns="" xmlns:p14="http://schemas.microsoft.com/office/powerpoint/2010/main" val="459454196"/>
       </p:ext>
     </p:extLst>
   </p:cSld>
@@ -12771,10 +12804,6 @@
           <a:bodyPr/>
           <a:lstStyle/>
           <a:p>
-            <a:r>
-              <a:rPr lang="en-US" dirty="0" smtClean="0"/>
-              <a:t>**General Overview</a:t>
-            </a:r>
             <a:endParaRPr lang="en-US" dirty="0"/>
           </a:p>
         </p:txBody>
@@ -12794,26 +12823,6 @@
           <a:bodyPr numCol="2"/>
           <a:lstStyle/>
           <a:p>
-            <a:r>
-              <a:rPr lang="en-US" dirty="0" smtClean="0"/>
-              <a:t>Game</a:t>
-            </a:r>
-          </a:p>
-          <a:p>
-            <a:pPr lvl="1"/>
-            <a:r>
-              <a:rPr lang="en-US" dirty="0" smtClean="0"/>
-              <a:t>Plot:</a:t>
-            </a:r>
-          </a:p>
-          <a:p>
-            <a:pPr lvl="2"/>
-            <a:r>
-              <a:rPr lang="en-US" dirty="0" smtClean="0"/>
-              <a:t>Portal (The gate of our game) is opened by a chaotically good professor…. Continue later.</a:t>
-            </a:r>
-          </a:p>
-          <a:p>
             <a:pPr marL="914400" lvl="2" indent="0">
               <a:buNone/>
             </a:pPr>
@@ -12828,7 +12837,7 @@
     </p:spTree>
     <p:extLst>
       <p:ext uri="{BB962C8B-B14F-4D97-AF65-F5344CB8AC3E}">
-        <p14:creationId xmlns:p14="http://schemas.microsoft.com/office/powerpoint/2010/main" xmlns="" val="1934116844"/>
+        <p14:creationId xmlns="" xmlns:p14="http://schemas.microsoft.com/office/powerpoint/2010/main" val="1934116844"/>
       </p:ext>
     </p:extLst>
   </p:cSld>
@@ -12872,7 +12881,7 @@
           <a:p>
             <a:r>
               <a:rPr lang="en-US" dirty="0" smtClean="0"/>
-              <a:t>**Specification</a:t>
+              <a:t>Specification</a:t>
             </a:r>
             <a:endParaRPr lang="en-US" dirty="0"/>
           </a:p>
@@ -12904,7 +12913,11 @@
             <a:pPr lvl="1"/>
             <a:r>
               <a:rPr lang="en-US" dirty="0" smtClean="0"/>
-              <a:t>*Inventory management - 5 slot inventory system displayed vertically along the right border and it will be displayed on the right side of the screen. The user will be able to cycle through it. There will be a GUI overlay and there will be the ability to switch using 1 -5 for the different weapons.</a:t>
+              <a:t>Inventory </a:t>
+            </a:r>
+            <a:r>
+              <a:rPr lang="en-US" dirty="0" smtClean="0"/>
+              <a:t>management - 5 slot inventory system displayed vertically along the right border and it will be displayed on the right side of the screen. The user will be able to cycle through it. There will be a GUI overlay and there will be the ability to switch using 1 -5 for the different weapons.</a:t>
             </a:r>
           </a:p>
           <a:p>
@@ -12936,7 +12949,7 @@
     </p:spTree>
     <p:extLst>
       <p:ext uri="{BB962C8B-B14F-4D97-AF65-F5344CB8AC3E}">
-        <p14:creationId xmlns:p14="http://schemas.microsoft.com/office/powerpoint/2010/main" xmlns="" val="3092251181"/>
+        <p14:creationId xmlns="" xmlns:p14="http://schemas.microsoft.com/office/powerpoint/2010/main" val="3092251181"/>
       </p:ext>
     </p:extLst>
   </p:cSld>
@@ -12980,7 +12993,11 @@
           <a:p>
             <a:r>
               <a:rPr lang="en-US" dirty="0" smtClean="0"/>
-              <a:t>*Software design chosen</a:t>
+              <a:t>Software </a:t>
+            </a:r>
+            <a:r>
+              <a:rPr lang="en-US" dirty="0" smtClean="0"/>
+              <a:t>design chosen</a:t>
             </a:r>
             <a:endParaRPr lang="en-US" dirty="0"/>
           </a:p>
@@ -13081,7 +13098,7 @@
     </p:spTree>
     <p:extLst>
       <p:ext uri="{BB962C8B-B14F-4D97-AF65-F5344CB8AC3E}">
-        <p14:creationId xmlns:p14="http://schemas.microsoft.com/office/powerpoint/2010/main" xmlns="" val="1067613684"/>
+        <p14:creationId xmlns="" xmlns:p14="http://schemas.microsoft.com/office/powerpoint/2010/main" val="1067613684"/>
       </p:ext>
     </p:extLst>
   </p:cSld>
@@ -13227,7 +13244,7 @@
     </p:spTree>
     <p:extLst>
       <p:ext uri="{BB962C8B-B14F-4D97-AF65-F5344CB8AC3E}">
-        <p14:creationId xmlns:p14="http://schemas.microsoft.com/office/powerpoint/2010/main" xmlns="" val="3028125000"/>
+        <p14:creationId xmlns="" xmlns:p14="http://schemas.microsoft.com/office/powerpoint/2010/main" val="3028125000"/>
       </p:ext>
     </p:extLst>
   </p:cSld>
@@ -13387,7 +13404,7 @@
     </p:spTree>
     <p:extLst>
       <p:ext uri="{BB962C8B-B14F-4D97-AF65-F5344CB8AC3E}">
-        <p14:creationId xmlns:p14="http://schemas.microsoft.com/office/powerpoint/2010/main" xmlns="" val="3028125000"/>
+        <p14:creationId xmlns="" xmlns:p14="http://schemas.microsoft.com/office/powerpoint/2010/main" val="3028125000"/>
       </p:ext>
     </p:extLst>
   </p:cSld>
@@ -13583,7 +13600,7 @@
     </p:spTree>
     <p:extLst>
       <p:ext uri="{BB962C8B-B14F-4D97-AF65-F5344CB8AC3E}">
-        <p14:creationId xmlns:p14="http://schemas.microsoft.com/office/powerpoint/2010/main" xmlns="" val="3999698565"/>
+        <p14:creationId xmlns="" xmlns:p14="http://schemas.microsoft.com/office/powerpoint/2010/main" val="3999698565"/>
       </p:ext>
     </p:extLst>
   </p:cSld>
@@ -13845,7 +13862,7 @@
   <a:extraClrSchemeLst/>
   <a:extLst>
     <a:ext uri="{05A4C25C-085E-4340-85A3-A5531E510DB2}">
-      <thm15:themeFamily xmlns:thm15="http://schemas.microsoft.com/office/thememl/2012/main" xmlns="" name="Circuit" id="{0AC2F7E7-15F5-431C-B2A2-456FE929F56C}" vid="{0911B802-464C-4241-8DD9-B60FF88E379F}"/>
+      <thm15:themeFamily xmlns="" xmlns:thm15="http://schemas.microsoft.com/office/thememl/2012/main" name="Circuit" id="{0AC2F7E7-15F5-431C-B2A2-456FE929F56C}" vid="{0911B802-464C-4241-8DD9-B60FF88E379F}"/>
     </a:ext>
   </a:extLst>
 </a:theme>

--- a/Gate of GAbethulu.pptx
+++ b/Gate of GAbethulu.pptx
@@ -4394,7 +4394,7 @@
             <a:fld id="{48A87A34-81AB-432B-8DAE-1953F412C126}" type="datetimeFigureOut">
               <a:rPr lang="en-US" dirty="0"/>
               <a:pPr/>
-              <a:t>4/26/2014</a:t>
+              <a:t>4/27/2014</a:t>
             </a:fld>
             <a:endParaRPr lang="en-US" dirty="0"/>
           </a:p>
@@ -4658,7 +4658,7 @@
             <a:fld id="{48A87A34-81AB-432B-8DAE-1953F412C126}" type="datetimeFigureOut">
               <a:rPr lang="en-US" dirty="0"/>
               <a:pPr/>
-              <a:t>4/26/2014</a:t>
+              <a:t>4/27/2014</a:t>
             </a:fld>
             <a:endParaRPr lang="en-US" dirty="0"/>
           </a:p>
@@ -4851,7 +4851,7 @@
             <a:fld id="{48A87A34-81AB-432B-8DAE-1953F412C126}" type="datetimeFigureOut">
               <a:rPr lang="en-US" dirty="0"/>
               <a:pPr/>
-              <a:t>4/26/2014</a:t>
+              <a:t>4/27/2014</a:t>
             </a:fld>
             <a:endParaRPr lang="en-US" dirty="0"/>
           </a:p>
@@ -5111,7 +5111,7 @@
             <a:fld id="{48A87A34-81AB-432B-8DAE-1953F412C126}" type="datetimeFigureOut">
               <a:rPr lang="en-US" dirty="0"/>
               <a:pPr/>
-              <a:t>4/26/2014</a:t>
+              <a:t>4/27/2014</a:t>
             </a:fld>
             <a:endParaRPr lang="en-US" dirty="0"/>
           </a:p>
@@ -5542,7 +5542,7 @@
             <a:fld id="{48A87A34-81AB-432B-8DAE-1953F412C126}" type="datetimeFigureOut">
               <a:rPr lang="en-US" dirty="0"/>
               <a:pPr/>
-              <a:t>4/26/2014</a:t>
+              <a:t>4/27/2014</a:t>
             </a:fld>
             <a:endParaRPr lang="en-US" dirty="0"/>
           </a:p>
@@ -6085,7 +6085,7 @@
             <a:fld id="{48A87A34-81AB-432B-8DAE-1953F412C126}" type="datetimeFigureOut">
               <a:rPr lang="en-US" dirty="0"/>
               <a:pPr/>
-              <a:t>4/26/2014</a:t>
+              <a:t>4/27/2014</a:t>
             </a:fld>
             <a:endParaRPr lang="en-US" dirty="0"/>
           </a:p>
@@ -6802,7 +6802,7 @@
             <a:fld id="{48A87A34-81AB-432B-8DAE-1953F412C126}" type="datetimeFigureOut">
               <a:rPr lang="en-US" dirty="0"/>
               <a:pPr/>
-              <a:t>4/26/2014</a:t>
+              <a:t>4/27/2014</a:t>
             </a:fld>
             <a:endParaRPr lang="en-US" dirty="0"/>
           </a:p>
@@ -6969,7 +6969,7 @@
             <a:fld id="{48A87A34-81AB-432B-8DAE-1953F412C126}" type="datetimeFigureOut">
               <a:rPr lang="en-US" dirty="0"/>
               <a:pPr/>
-              <a:t>4/26/2014</a:t>
+              <a:t>4/27/2014</a:t>
             </a:fld>
             <a:endParaRPr lang="en-US" dirty="0"/>
           </a:p>
@@ -7146,7 +7146,7 @@
             <a:fld id="{48A87A34-81AB-432B-8DAE-1953F412C126}" type="datetimeFigureOut">
               <a:rPr lang="en-US" dirty="0"/>
               <a:pPr/>
-              <a:t>4/26/2014</a:t>
+              <a:t>4/27/2014</a:t>
             </a:fld>
             <a:endParaRPr lang="en-US" dirty="0"/>
           </a:p>
@@ -7313,7 +7313,7 @@
             <a:fld id="{48A87A34-81AB-432B-8DAE-1953F412C126}" type="datetimeFigureOut">
               <a:rPr lang="en-US" dirty="0"/>
               <a:pPr/>
-              <a:t>4/26/2014</a:t>
+              <a:t>4/27/2014</a:t>
             </a:fld>
             <a:endParaRPr lang="en-US" dirty="0"/>
           </a:p>
@@ -7560,7 +7560,7 @@
             <a:fld id="{48A87A34-81AB-432B-8DAE-1953F412C126}" type="datetimeFigureOut">
               <a:rPr lang="en-US" dirty="0"/>
               <a:pPr/>
-              <a:t>4/26/2014</a:t>
+              <a:t>4/27/2014</a:t>
             </a:fld>
             <a:endParaRPr lang="en-US" dirty="0"/>
           </a:p>
@@ -7789,7 +7789,7 @@
             <a:fld id="{48A87A34-81AB-432B-8DAE-1953F412C126}" type="datetimeFigureOut">
               <a:rPr lang="en-US" dirty="0"/>
               <a:pPr/>
-              <a:t>4/26/2014</a:t>
+              <a:t>4/27/2014</a:t>
             </a:fld>
             <a:endParaRPr lang="en-US" dirty="0"/>
           </a:p>
@@ -8167,7 +8167,7 @@
             <a:fld id="{48A87A34-81AB-432B-8DAE-1953F412C126}" type="datetimeFigureOut">
               <a:rPr lang="en-US" dirty="0"/>
               <a:pPr/>
-              <a:t>4/26/2014</a:t>
+              <a:t>4/27/2014</a:t>
             </a:fld>
             <a:endParaRPr lang="en-US" dirty="0"/>
           </a:p>
@@ -8282,7 +8282,7 @@
             <a:fld id="{48A87A34-81AB-432B-8DAE-1953F412C126}" type="datetimeFigureOut">
               <a:rPr lang="en-US" dirty="0"/>
               <a:pPr/>
-              <a:t>4/26/2014</a:t>
+              <a:t>4/27/2014</a:t>
             </a:fld>
             <a:endParaRPr lang="en-US" dirty="0"/>
           </a:p>
@@ -8374,7 +8374,7 @@
             <a:fld id="{48A87A34-81AB-432B-8DAE-1953F412C126}" type="datetimeFigureOut">
               <a:rPr lang="en-US" dirty="0"/>
               <a:pPr/>
-              <a:t>4/26/2014</a:t>
+              <a:t>4/27/2014</a:t>
             </a:fld>
             <a:endParaRPr lang="en-US" dirty="0"/>
           </a:p>
@@ -8620,7 +8620,7 @@
             <a:fld id="{48A87A34-81AB-432B-8DAE-1953F412C126}" type="datetimeFigureOut">
               <a:rPr lang="en-US" dirty="0"/>
               <a:pPr/>
-              <a:t>4/26/2014</a:t>
+              <a:t>4/27/2014</a:t>
             </a:fld>
             <a:endParaRPr lang="en-US" dirty="0"/>
           </a:p>
@@ -8897,7 +8897,7 @@
             <a:fld id="{48A87A34-81AB-432B-8DAE-1953F412C126}" type="datetimeFigureOut">
               <a:rPr lang="en-US" dirty="0"/>
               <a:pPr/>
-              <a:t>4/26/2014</a:t>
+              <a:t>4/27/2014</a:t>
             </a:fld>
             <a:endParaRPr lang="en-US" dirty="0"/>
           </a:p>
@@ -11971,7 +11971,7 @@
             <a:fld id="{48A87A34-81AB-432B-8DAE-1953F412C126}" type="datetimeFigureOut">
               <a:rPr lang="en-US" dirty="0"/>
               <a:pPr/>
-              <a:t>4/26/2014</a:t>
+              <a:t>4/27/2014</a:t>
             </a:fld>
             <a:endParaRPr lang="en-US" dirty="0"/>
           </a:p>
@@ -12505,7 +12505,7 @@
         <p:spPr/>
         <p:txBody>
           <a:bodyPr>
-            <a:normAutofit lnSpcReduction="10000"/>
+            <a:normAutofit fontScale="92500" lnSpcReduction="20000"/>
           </a:bodyPr>
           <a:lstStyle/>
           <a:p>
@@ -12535,7 +12535,25 @@
           <a:p>
             <a:r>
               <a:rPr lang="en-US" dirty="0" smtClean="0"/>
-              <a:t>Play game and produce no change in output and push to the launcher.</a:t>
+              <a:t>Play game and produce no change in output and push to the launcher</a:t>
+            </a:r>
+            <a:r>
+              <a:rPr lang="en-US" dirty="0" smtClean="0"/>
+              <a:t>.</a:t>
+            </a:r>
+          </a:p>
+          <a:p>
+            <a:r>
+              <a:rPr lang="en-US" dirty="0" smtClean="0"/>
+              <a:t>Test all walls and barriers in the game, all methods to cause death and </a:t>
+            </a:r>
+            <a:r>
+              <a:rPr lang="en-US" smtClean="0"/>
+              <a:t>subsequent re-spawns</a:t>
+            </a:r>
+            <a:r>
+              <a:rPr lang="en-US" dirty="0" smtClean="0"/>
+              <a:t>.</a:t>
             </a:r>
             <a:endParaRPr lang="en-US" dirty="0"/>
           </a:p>
@@ -12702,13 +12720,8 @@
             </a:pPr>
             <a:r>
               <a:rPr lang="en-US" dirty="0" smtClean="0"/>
-              <a:t>The launcher will be a separate screen that is the graphical user interface between the user and accessing the server</a:t>
-            </a:r>
-            <a:r>
-              <a:rPr lang="en-US" dirty="0" smtClean="0"/>
-              <a:t>.</a:t>
-            </a:r>
-            <a:endParaRPr lang="en-US" dirty="0" smtClean="0"/>
+              <a:t>The launcher will be a separate screen that is the graphical user interface between the user and accessing the server.</a:t>
+            </a:r>
           </a:p>
           <a:p>
             <a:pPr marL="228600" lvl="1">
@@ -12755,7 +12768,6 @@
               <a:rPr lang="en-US" dirty="0" smtClean="0"/>
               <a:t>Gate of Gabethulu: A top-down 2D adventure looter that traverses a chaotically good world with a unsympathetically evil hero.</a:t>
             </a:r>
-            <a:endParaRPr lang="en-US" dirty="0" smtClean="0"/>
           </a:p>
         </p:txBody>
       </p:sp>
@@ -12804,6 +12816,10 @@
           <a:bodyPr/>
           <a:lstStyle/>
           <a:p>
+            <a:r>
+              <a:rPr lang="en-US" dirty="0" smtClean="0"/>
+              <a:t>A Short Prezi on our project</a:t>
+            </a:r>
             <a:endParaRPr lang="en-US" dirty="0"/>
           </a:p>
         </p:txBody>
@@ -12913,11 +12929,7 @@
             <a:pPr lvl="1"/>
             <a:r>
               <a:rPr lang="en-US" dirty="0" smtClean="0"/>
-              <a:t>Inventory </a:t>
-            </a:r>
-            <a:r>
-              <a:rPr lang="en-US" dirty="0" smtClean="0"/>
-              <a:t>management - 5 slot inventory system displayed vertically along the right border and it will be displayed on the right side of the screen. The user will be able to cycle through it. There will be a GUI overlay and there will be the ability to switch using 1 -5 for the different weapons.</a:t>
+              <a:t>Inventory management - 5 slot inventory system displayed vertically along the right border and it will be displayed on the right side of the screen. The user will be able to cycle through it. There will be a GUI overlay and there will be the ability to switch using 1 -5 for the different weapons.</a:t>
             </a:r>
           </a:p>
           <a:p>
@@ -12993,11 +13005,7 @@
           <a:p>
             <a:r>
               <a:rPr lang="en-US" dirty="0" smtClean="0"/>
-              <a:t>Software </a:t>
-            </a:r>
-            <a:r>
-              <a:rPr lang="en-US" dirty="0" smtClean="0"/>
-              <a:t>design chosen</a:t>
+              <a:t>Software design chosen</a:t>
             </a:r>
             <a:endParaRPr lang="en-US" dirty="0"/>
           </a:p>

--- a/Gate of GAbethulu.pptx
+++ b/Gate of GAbethulu.pptx
@@ -12535,11 +12535,7 @@
           <a:p>
             <a:r>
               <a:rPr lang="en-US" dirty="0" smtClean="0"/>
-              <a:t>Play game and produce no change in output and push to the launcher</a:t>
-            </a:r>
-            <a:r>
-              <a:rPr lang="en-US" dirty="0" smtClean="0"/>
-              <a:t>.</a:t>
+              <a:t>Play game and produce no change in output and push to the launcher.</a:t>
             </a:r>
           </a:p>
           <a:p>
@@ -12630,6 +12626,50 @@
               <a:rPr lang="en-US" dirty="0" smtClean="0"/>
               <a:t>Dr. David Burris, for keeping the fear alive.</a:t>
             </a:r>
+          </a:p>
+          <a:p>
+            <a:pPr algn="ctr">
+              <a:buNone/>
+            </a:pPr>
+            <a:r>
+              <a:rPr lang="en-US" dirty="0" err="1" smtClean="0"/>
+              <a:t>GitHub</a:t>
+            </a:r>
+            <a:r>
+              <a:rPr lang="en-US" dirty="0" smtClean="0"/>
+              <a:t>, even though it created a few conflicts.</a:t>
+            </a:r>
+          </a:p>
+          <a:p>
+            <a:pPr algn="ctr">
+              <a:buNone/>
+            </a:pPr>
+            <a:r>
+              <a:rPr lang="en-US" dirty="0" smtClean="0"/>
+              <a:t>Prezi, for an awesome presentation creator.</a:t>
+            </a:r>
+          </a:p>
+          <a:p>
+            <a:pPr algn="ctr">
+              <a:buNone/>
+            </a:pPr>
+            <a:r>
+              <a:rPr lang="en-US" dirty="0" smtClean="0"/>
+              <a:t>Unity, for a </a:t>
+            </a:r>
+            <a:r>
+              <a:rPr lang="en-US" dirty="0" err="1" smtClean="0"/>
+              <a:t>suedo</a:t>
+            </a:r>
+            <a:r>
+              <a:rPr lang="en-US" dirty="0" smtClean="0"/>
+              <a:t>-user-friendly </a:t>
+            </a:r>
+            <a:r>
+              <a:rPr lang="en-US" smtClean="0"/>
+              <a:t>game engine.</a:t>
+            </a:r>
+            <a:endParaRPr lang="en-US" dirty="0" smtClean="0"/>
           </a:p>
           <a:p>
             <a:pPr>
@@ -12720,7 +12760,7 @@
             </a:pPr>
             <a:r>
               <a:rPr lang="en-US" dirty="0" smtClean="0"/>
-              <a:t>The launcher will be a separate screen that is the graphical user interface between the user and accessing the server.</a:t>
+              <a:t>The launcher for “Gate of Gabethulu” is responsible for securely authenticating registered users as well as providing facilities for new customers to register to play the game.  The Dashboard screen shows a player’s current character stats and allows the player to enter the main game inside Unity.</a:t>
             </a:r>
           </a:p>
           <a:p>
@@ -12737,24 +12777,8 @@
                 <a:spcPts val="1000"/>
               </a:spcBef>
             </a:pPr>
-            <a:endParaRPr lang="en-US" dirty="0" smtClean="0"/>
-          </a:p>
-          <a:p>
-            <a:pPr marL="228600" lvl="1">
-              <a:spcBef>
-                <a:spcPts val="1000"/>
-              </a:spcBef>
-            </a:pPr>
-            <a:endParaRPr lang="en-US" dirty="0" smtClean="0"/>
-          </a:p>
-          <a:p>
-            <a:pPr marL="228600" lvl="1">
-              <a:spcBef>
-                <a:spcPts val="1000"/>
-              </a:spcBef>
-            </a:pPr>
-            <a:r>
-              <a:rPr lang="en-US" dirty="0" smtClean="0"/>
+            <a:r>
+              <a:rPr lang="en-US" sz="2400" dirty="0" smtClean="0"/>
               <a:t>The Game</a:t>
             </a:r>
           </a:p>
@@ -12766,7 +12790,7 @@
             </a:pPr>
             <a:r>
               <a:rPr lang="en-US" dirty="0" smtClean="0"/>
-              <a:t>Gate of Gabethulu: A top-down 2D adventure looter that traverses a chaotically good world with a unsympathetically evil hero.</a:t>
+              <a:t>The game itself is executed inside the Unity game engine.  “Gate of Gabethulu” is a 2D, top-down adventure game featuring loot, mad scientists, monsters, and a very chillax, hipster demon named Gabethulu (Gabethulu in progress). </a:t>
             </a:r>
           </a:p>
         </p:txBody>
@@ -12913,47 +12937,204 @@
             <p:ph idx="1"/>
           </p:nvPr>
         </p:nvSpPr>
-        <p:spPr/>
+        <p:spPr>
+          <a:xfrm>
+            <a:off x="938254" y="1693628"/>
+            <a:ext cx="10109157" cy="4508389"/>
+          </a:xfrm>
+        </p:spPr>
         <p:txBody>
           <a:bodyPr>
-            <a:normAutofit fontScale="92500" lnSpcReduction="10000"/>
+            <a:normAutofit fontScale="25000" lnSpcReduction="20000"/>
           </a:bodyPr>
           <a:lstStyle/>
           <a:p>
             <a:r>
-              <a:rPr lang="en-US" dirty="0" smtClean="0"/>
+              <a:rPr lang="en-US" sz="4800" dirty="0" smtClean="0"/>
               <a:t>Specification features that are noticeable in Design and Implementation:</a:t>
             </a:r>
           </a:p>
           <a:p>
             <a:pPr lvl="1"/>
             <a:r>
-              <a:rPr lang="en-US" dirty="0" smtClean="0"/>
-              <a:t>Inventory management - 5 slot inventory system displayed vertically along the right border and it will be displayed on the right side of the screen. The user will be able to cycle through it. There will be a GUI overlay and there will be the ability to switch using 1 -5 for the different weapons.</a:t>
+              <a:rPr lang="en-US" sz="4800" dirty="0" smtClean="0"/>
+              <a:t>Inventory management - 5 slot inventory system displayed vertically along the right border and it will be displayed on the right side of the screen. The user will be able to cycle through it. There will be a GUI overlay and there will be the ability to switch using 1 -5 for the different weapons. Also, inventory is being held in the database via information pushed to the launcher from when the game closes.</a:t>
             </a:r>
           </a:p>
           <a:p>
             <a:pPr lvl="1"/>
             <a:r>
-              <a:rPr lang="en-US" dirty="0" smtClean="0"/>
+              <a:rPr lang="en-US" sz="4800" dirty="0" smtClean="0"/>
               <a:t>The general plot</a:t>
             </a:r>
           </a:p>
           <a:p>
             <a:r>
-              <a:rPr lang="en-US" dirty="0" smtClean="0"/>
+              <a:rPr lang="en-US" sz="4800" dirty="0" smtClean="0"/>
               <a:t>Key points:</a:t>
             </a:r>
+          </a:p>
+          <a:p>
+            <a:pPr lvl="1"/>
+            <a:r>
+              <a:rPr lang="en-US" sz="4800" dirty="0" smtClean="0"/>
+              <a:t>Weapon to damage/speed/distance efficiency</a:t>
+            </a:r>
+          </a:p>
+          <a:p>
+            <a:pPr lvl="1"/>
+            <a:r>
+              <a:rPr lang="en-US" sz="4800" dirty="0" smtClean="0"/>
+              <a:t>Launcher functionality as  described and modularized in the specification – with a few points added after we </a:t>
+            </a:r>
+            <a:r>
+              <a:rPr lang="en-US" sz="4800" dirty="0" err="1" smtClean="0"/>
+              <a:t>relized</a:t>
+            </a:r>
+            <a:r>
+              <a:rPr lang="en-US" sz="4800" dirty="0" smtClean="0"/>
+              <a:t> we needed additional features. This was previously described in our Prezi video</a:t>
+            </a:r>
+            <a:r>
+              <a:rPr lang="en-US" sz="4800" dirty="0" smtClean="0"/>
+              <a:t>.</a:t>
+            </a:r>
+            <a:endParaRPr lang="en-US" sz="4800" dirty="0" smtClean="0"/>
+          </a:p>
+          <a:p>
+            <a:pPr lvl="1"/>
+            <a:r>
+              <a:rPr lang="en-US" sz="4800" dirty="0" smtClean="0"/>
+              <a:t>-</a:t>
+            </a:r>
+            <a:r>
+              <a:rPr lang="en-US" sz="4800" u="sng" dirty="0" smtClean="0"/>
+              <a:t>Networking: </a:t>
+            </a:r>
+            <a:r>
+              <a:rPr lang="en-US" sz="4800" dirty="0" smtClean="0"/>
+              <a:t>	</a:t>
+            </a:r>
+            <a:r>
+              <a:rPr lang="en-US" sz="4800" dirty="0" smtClean="0"/>
+              <a:t/>
+            </a:r>
             <a:br>
-              <a:rPr lang="en-US" dirty="0" smtClean="0"/>
+              <a:rPr lang="en-US" sz="4800" dirty="0" smtClean="0"/>
             </a:br>
-            <a:endParaRPr lang="en-US" dirty="0" smtClean="0"/>
-          </a:p>
-          <a:p>
-            <a:r>
-              <a:rPr lang="en-US" dirty="0" smtClean="0"/>
-              <a:t>Aesthetics:</a:t>
-            </a:r>
+            <a:r>
+              <a:rPr lang="en-US" sz="4800" dirty="0" smtClean="0"/>
+              <a:t>Client/Server model</a:t>
+            </a:r>
+          </a:p>
+          <a:p>
+            <a:pPr lvl="1">
+              <a:buNone/>
+            </a:pPr>
+            <a:r>
+              <a:rPr lang="en-US" sz="4800" dirty="0" smtClean="0"/>
+              <a:t>	</a:t>
+            </a:r>
+            <a:r>
+              <a:rPr lang="en-US" sz="4800" dirty="0" smtClean="0"/>
+              <a:t>Encryption </a:t>
+            </a:r>
+            <a:r>
+              <a:rPr lang="en-US" sz="4800" dirty="0" smtClean="0"/>
+              <a:t>will need to be </a:t>
+            </a:r>
+            <a:r>
+              <a:rPr lang="en-US" sz="4800" dirty="0" smtClean="0"/>
+              <a:t>utilized.</a:t>
+            </a:r>
+            <a:endParaRPr lang="en-US" sz="4800" dirty="0" smtClean="0"/>
+          </a:p>
+          <a:p>
+            <a:pPr lvl="1">
+              <a:buNone/>
+            </a:pPr>
+            <a:r>
+              <a:rPr lang="en-US" sz="4800" dirty="0" smtClean="0"/>
+              <a:t>	</a:t>
+            </a:r>
+            <a:r>
+              <a:rPr lang="en-US" sz="4800" dirty="0" smtClean="0"/>
+              <a:t>Game </a:t>
+            </a:r>
+            <a:r>
+              <a:rPr lang="en-US" sz="4800" dirty="0" smtClean="0"/>
+              <a:t>server will host the monsters and weapon information along with leaderboard stats. </a:t>
+            </a:r>
+            <a:r>
+              <a:rPr lang="en-US" sz="4800" dirty="0" smtClean="0"/>
+              <a:t/>
+            </a:r>
+            <a:br>
+              <a:rPr lang="en-US" sz="4800" dirty="0" smtClean="0"/>
+            </a:br>
+            <a:endParaRPr lang="en-US" sz="4800" dirty="0" smtClean="0"/>
+          </a:p>
+          <a:p>
+            <a:r>
+              <a:rPr lang="en-US" sz="4800" dirty="0" smtClean="0"/>
+              <a:t>Aesthetics: The correct implementation of the setting as according to the specification:</a:t>
+            </a:r>
+          </a:p>
+          <a:p>
+            <a:pPr>
+              <a:buNone/>
+            </a:pPr>
+            <a:r>
+              <a:rPr lang="en-US" sz="4800" dirty="0" smtClean="0"/>
+              <a:t>		-</a:t>
+            </a:r>
+            <a:r>
+              <a:rPr lang="en-US" sz="4800" u="sng" dirty="0" smtClean="0"/>
+              <a:t>4-Areas of exploration:</a:t>
+            </a:r>
+            <a:r>
+              <a:rPr lang="en-US" sz="4800" dirty="0" smtClean="0"/>
+              <a:t> There needs to be multiple areas that the user traverses through. They can be divided as follows: </a:t>
+            </a:r>
+          </a:p>
+          <a:p>
+            <a:pPr>
+              <a:buNone/>
+            </a:pPr>
+            <a:r>
+              <a:rPr lang="en-US" sz="4800" dirty="0" smtClean="0"/>
+              <a:t>			Stage 0: Tutorial.</a:t>
+            </a:r>
+          </a:p>
+          <a:p>
+            <a:pPr>
+              <a:buNone/>
+            </a:pPr>
+            <a:r>
+              <a:rPr lang="en-US" sz="4800" dirty="0" smtClean="0"/>
+              <a:t>			Stage 1: Traversal to main dungeon.</a:t>
+            </a:r>
+          </a:p>
+          <a:p>
+            <a:pPr>
+              <a:buNone/>
+            </a:pPr>
+            <a:r>
+              <a:rPr lang="en-US" sz="4800" dirty="0" smtClean="0"/>
+              <a:t>			Stage 2: The main dungeon.</a:t>
+            </a:r>
+          </a:p>
+          <a:p>
+            <a:pPr>
+              <a:buNone/>
+            </a:pPr>
+            <a:r>
+              <a:rPr lang="en-US" sz="4800" dirty="0" smtClean="0"/>
+              <a:t>			Stage 3: Final stage </a:t>
+            </a:r>
+          </a:p>
+          <a:p>
+            <a:pPr lvl="1"/>
             <a:endParaRPr lang="en-US" dirty="0"/>
           </a:p>
         </p:txBody>
@@ -13312,7 +13493,12 @@
             <p:ph idx="1"/>
           </p:nvPr>
         </p:nvSpPr>
-        <p:spPr/>
+        <p:spPr>
+          <a:xfrm>
+            <a:off x="1141412" y="1907581"/>
+            <a:ext cx="9905999" cy="3541714"/>
+          </a:xfrm>
+        </p:spPr>
         <p:txBody>
           <a:bodyPr>
             <a:normAutofit fontScale="25000" lnSpcReduction="20000"/>
@@ -13376,7 +13562,7 @@
             </a:r>
             <a:r>
               <a:rPr lang="en-US" sz="5600" dirty="0" smtClean="0"/>
-              <a:t>.  Secondly, all user input during login or account creation will be tested using input validation prior to performing any database insertions.  This will help prevent attackers from compromising customer data stored in the database.  Finally, user passwords during login or account creation were be hashed using the Secure Hash Algorithm-512 (SHA-512) with salt added to prevent dictionary attacks on user passwords.</a:t>
+              <a:t>.  Secondly, all user input during login or account creation will be tested using input validation prior to performing any database insertions.  This will help prevent attackers from compromising customer data stored in the database.  Finally, user passwords during login or account creation were to be hashed using the Secure Hash Algorithm-512 (SHA-512) with salt added to prevent dictionary attacks on user passwords, but we ran out of time and were unable to implement the salt portion of it.</a:t>
             </a:r>
           </a:p>
           <a:p>

--- a/Gate of GAbethulu.pptx
+++ b/Gate of GAbethulu.pptx
@@ -12805,6 +12805,13 @@
   <p:clrMapOvr>
     <a:masterClrMapping/>
   </p:clrMapOvr>
+  <p:timing>
+    <p:tnLst>
+      <p:par>
+        <p:cTn id="1" dur="indefinite" restart="never" nodeType="tmRoot"/>
+      </p:par>
+    </p:tnLst>
+  </p:timing>
 </p:sld>
 </file>
 
@@ -12874,6 +12881,69 @@
           </a:p>
         </p:txBody>
       </p:sp>
+      <p:sp>
+        <p:nvSpPr>
+          <p:cNvPr id="6" name="TextBox 5"/>
+          <p:cNvSpPr txBox="1"/>
+          <p:nvPr/>
+        </p:nvSpPr>
+        <p:spPr>
+          <a:xfrm>
+            <a:off x="1937982" y="1978925"/>
+            <a:ext cx="6591869" cy="369332"/>
+          </a:xfrm>
+          <a:prstGeom prst="rect">
+            <a:avLst/>
+          </a:prstGeom>
+          <a:noFill/>
+        </p:spPr>
+        <p:txBody>
+          <a:bodyPr wrap="square" rtlCol="0">
+            <a:spAutoFit/>
+          </a:bodyPr>
+          <a:lstStyle/>
+          <a:p>
+            <a:endParaRPr lang="en-US" dirty="0"/>
+          </a:p>
+        </p:txBody>
+      </p:sp>
+      <p:sp>
+        <p:nvSpPr>
+          <p:cNvPr id="7" name="Rectangle 6"/>
+          <p:cNvSpPr/>
+          <p:nvPr/>
+        </p:nvSpPr>
+        <p:spPr>
+          <a:xfrm>
+            <a:off x="3425588" y="3244334"/>
+            <a:ext cx="6311024" cy="369332"/>
+          </a:xfrm>
+          <a:prstGeom prst="rect">
+            <a:avLst/>
+          </a:prstGeom>
+        </p:spPr>
+        <p:txBody>
+          <a:bodyPr wrap="square">
+            <a:spAutoFit/>
+          </a:bodyPr>
+          <a:lstStyle/>
+          <a:p>
+            <a:r>
+              <a:rPr lang="en-US" dirty="0" smtClean="0">
+                <a:hlinkClick r:id="rId2" action="ppaction://hlinkfile"/>
+              </a:rPr>
+              <a:t>C:\</a:t>
+            </a:r>
+            <a:r>
+              <a:rPr lang="en-US" dirty="0" smtClean="0">
+                <a:hlinkClick r:id="rId2" action="ppaction://hlinkfile"/>
+              </a:rPr>
+              <a:t>Users\Bailey\Documents\GitHub\Asset-Development\Prezi.exe</a:t>
+            </a:r>
+            <a:endParaRPr lang="en-US" dirty="0" smtClean="0"/>
+          </a:p>
+        </p:txBody>
+      </p:sp>
     </p:spTree>
     <p:extLst>
       <p:ext uri="{BB962C8B-B14F-4D97-AF65-F5344CB8AC3E}">
@@ -12884,6 +12954,13 @@
   <p:clrMapOvr>
     <a:masterClrMapping/>
   </p:clrMapOvr>
+  <p:timing>
+    <p:tnLst>
+      <p:par>
+        <p:cTn id="1" dur="indefinite" restart="never" nodeType="tmRoot"/>
+      </p:par>
+    </p:tnLst>
+  </p:timing>
 </p:sld>
 </file>
 
@@ -12993,13 +13070,8 @@
             </a:r>
             <a:r>
               <a:rPr lang="en-US" sz="4800" dirty="0" smtClean="0"/>
-              <a:t> we needed additional features. This was previously described in our Prezi video</a:t>
-            </a:r>
-            <a:r>
-              <a:rPr lang="en-US" sz="4800" dirty="0" smtClean="0"/>
-              <a:t>.</a:t>
-            </a:r>
-            <a:endParaRPr lang="en-US" sz="4800" dirty="0" smtClean="0"/>
+              <a:t> we needed additional features. This was previously described in our Prezi video.</a:t>
+            </a:r>
           </a:p>
           <a:p>
             <a:pPr lvl="1"/>
@@ -13014,10 +13086,6 @@
             <a:r>
               <a:rPr lang="en-US" sz="4800" dirty="0" smtClean="0"/>
               <a:t>	</a:t>
-            </a:r>
-            <a:r>
-              <a:rPr lang="en-US" sz="4800" dirty="0" smtClean="0"/>
-              <a:t/>
             </a:r>
             <a:br>
               <a:rPr lang="en-US" sz="4800" dirty="0" smtClean="0"/>
@@ -13033,41 +13101,16 @@
             </a:pPr>
             <a:r>
               <a:rPr lang="en-US" sz="4800" dirty="0" smtClean="0"/>
-              <a:t>	</a:t>
-            </a:r>
+              <a:t>	Encryption will need to be utilized.</a:t>
+            </a:r>
+          </a:p>
+          <a:p>
+            <a:pPr lvl="1">
+              <a:buNone/>
+            </a:pPr>
             <a:r>
               <a:rPr lang="en-US" sz="4800" dirty="0" smtClean="0"/>
-              <a:t>Encryption </a:t>
-            </a:r>
-            <a:r>
-              <a:rPr lang="en-US" sz="4800" dirty="0" smtClean="0"/>
-              <a:t>will need to be </a:t>
-            </a:r>
-            <a:r>
-              <a:rPr lang="en-US" sz="4800" dirty="0" smtClean="0"/>
-              <a:t>utilized.</a:t>
-            </a:r>
-            <a:endParaRPr lang="en-US" sz="4800" dirty="0" smtClean="0"/>
-          </a:p>
-          <a:p>
-            <a:pPr lvl="1">
-              <a:buNone/>
-            </a:pPr>
-            <a:r>
-              <a:rPr lang="en-US" sz="4800" dirty="0" smtClean="0"/>
-              <a:t>	</a:t>
-            </a:r>
-            <a:r>
-              <a:rPr lang="en-US" sz="4800" dirty="0" smtClean="0"/>
-              <a:t>Game </a:t>
-            </a:r>
-            <a:r>
-              <a:rPr lang="en-US" sz="4800" dirty="0" smtClean="0"/>
-              <a:t>server will host the monsters and weapon information along with leaderboard stats. </a:t>
-            </a:r>
-            <a:r>
-              <a:rPr lang="en-US" sz="4800" dirty="0" smtClean="0"/>
-              <a:t/>
+              <a:t>	Game server will host the monsters and weapon information along with leaderboard stats. </a:t>
             </a:r>
             <a:br>
               <a:rPr lang="en-US" sz="4800" dirty="0" smtClean="0"/>
@@ -13149,6 +13192,13 @@
   <p:clrMapOvr>
     <a:masterClrMapping/>
   </p:clrMapOvr>
+  <p:timing>
+    <p:tnLst>
+      <p:par>
+        <p:cTn id="1" dur="indefinite" restart="never" nodeType="tmRoot"/>
+      </p:par>
+    </p:tnLst>
+  </p:timing>
 </p:sld>
 </file>
 
@@ -13294,6 +13344,13 @@
   <p:clrMapOvr>
     <a:masterClrMapping/>
   </p:clrMapOvr>
+  <p:timing>
+    <p:tnLst>
+      <p:par>
+        <p:cTn id="1" dur="indefinite" restart="never" nodeType="tmRoot"/>
+      </p:par>
+    </p:tnLst>
+  </p:timing>
 </p:sld>
 </file>
 

--- a/Gate of GAbethulu.pptx
+++ b/Gate of GAbethulu.pptx
@@ -147,7 +147,7 @@
             <a:alphaModFix amt="30000"/>
             <a:extLst>
               <a:ext uri="{28A0092B-C50C-407E-A947-70E740481C1C}">
-                <a14:useLocalDpi xmlns="" xmlns:a14="http://schemas.microsoft.com/office/drawing/2010/main" val="0"/>
+                <a14:useLocalDpi xmlns:a14="http://schemas.microsoft.com/office/drawing/2010/main" xmlns="" val="0"/>
               </a:ext>
             </a:extLst>
           </a:blip>
@@ -167,7 +167,7 @@
           <a:noFill/>
           <a:extLst>
             <a:ext uri="{909E8E84-426E-40dd-AFC4-6F175D3DCCD1}">
-              <a14:hiddenFill xmlns:a14="http://schemas.microsoft.com/office/drawing/2010/main" xmlns="">
+              <a14:hiddenFill xmlns="" xmlns:a14="http://schemas.microsoft.com/office/drawing/2010/main">
                 <a:solidFill>
                   <a:srgbClr val="FFFFFF"/>
                 </a:solidFill>
@@ -227,7 +227,7 @@
             </a:ln>
             <a:extLst>
               <a:ext uri="{91240B29-F687-4f45-9708-019B960494DF}">
-                <a14:hiddenLine xmlns:a14="http://schemas.microsoft.com/office/drawing/2010/main" xmlns="" w="9525">
+                <a14:hiddenLine xmlns="" xmlns:a14="http://schemas.microsoft.com/office/drawing/2010/main" w="9525">
                   <a:solidFill>
                     <a:srgbClr val="000000"/>
                   </a:solidFill>
@@ -317,7 +317,7 @@
             </a:ln>
             <a:extLst>
               <a:ext uri="{91240B29-F687-4f45-9708-019B960494DF}">
-                <a14:hiddenLine xmlns:a14="http://schemas.microsoft.com/office/drawing/2010/main" xmlns="" w="9525">
+                <a14:hiddenLine xmlns="" xmlns:a14="http://schemas.microsoft.com/office/drawing/2010/main" w="9525">
                   <a:solidFill>
                     <a:srgbClr val="000000"/>
                   </a:solidFill>
@@ -407,7 +407,7 @@
             </a:ln>
             <a:extLst>
               <a:ext uri="{91240B29-F687-4f45-9708-019B960494DF}">
-                <a14:hiddenLine xmlns:a14="http://schemas.microsoft.com/office/drawing/2010/main" xmlns="" w="9525">
+                <a14:hiddenLine xmlns="" xmlns:a14="http://schemas.microsoft.com/office/drawing/2010/main" w="9525">
                   <a:solidFill>
                     <a:srgbClr val="000000"/>
                   </a:solidFill>
@@ -441,7 +441,7 @@
             </a:ln>
             <a:extLst>
               <a:ext uri="{91240B29-F687-4f45-9708-019B960494DF}">
-                <a14:hiddenLine xmlns:a14="http://schemas.microsoft.com/office/drawing/2010/main" xmlns="" w="9525">
+                <a14:hiddenLine xmlns="" xmlns:a14="http://schemas.microsoft.com/office/drawing/2010/main" w="9525">
                   <a:solidFill>
                     <a:srgbClr val="000000"/>
                   </a:solidFill>
@@ -531,7 +531,7 @@
             </a:ln>
             <a:extLst>
               <a:ext uri="{91240B29-F687-4f45-9708-019B960494DF}">
-                <a14:hiddenLine xmlns:a14="http://schemas.microsoft.com/office/drawing/2010/main" xmlns="" w="9525">
+                <a14:hiddenLine xmlns="" xmlns:a14="http://schemas.microsoft.com/office/drawing/2010/main" w="9525">
                   <a:solidFill>
                     <a:srgbClr val="000000"/>
                   </a:solidFill>
@@ -593,7 +593,7 @@
             </a:ln>
             <a:extLst>
               <a:ext uri="{91240B29-F687-4f45-9708-019B960494DF}">
-                <a14:hiddenLine xmlns:a14="http://schemas.microsoft.com/office/drawing/2010/main" xmlns="" w="9525">
+                <a14:hiddenLine xmlns="" xmlns:a14="http://schemas.microsoft.com/office/drawing/2010/main" w="9525">
                   <a:solidFill>
                     <a:srgbClr val="000000"/>
                   </a:solidFill>
@@ -655,7 +655,7 @@
             </a:ln>
             <a:extLst>
               <a:ext uri="{91240B29-F687-4f45-9708-019B960494DF}">
-                <a14:hiddenLine xmlns:a14="http://schemas.microsoft.com/office/drawing/2010/main" xmlns="" w="9525">
+                <a14:hiddenLine xmlns="" xmlns:a14="http://schemas.microsoft.com/office/drawing/2010/main" w="9525">
                   <a:solidFill>
                     <a:srgbClr val="000000"/>
                   </a:solidFill>
@@ -745,7 +745,7 @@
             </a:ln>
             <a:extLst>
               <a:ext uri="{91240B29-F687-4f45-9708-019B960494DF}">
-                <a14:hiddenLine xmlns:a14="http://schemas.microsoft.com/office/drawing/2010/main" xmlns="" w="9525">
+                <a14:hiddenLine xmlns="" xmlns:a14="http://schemas.microsoft.com/office/drawing/2010/main" w="9525">
                   <a:solidFill>
                     <a:srgbClr val="000000"/>
                   </a:solidFill>
@@ -807,7 +807,7 @@
             </a:ln>
             <a:extLst>
               <a:ext uri="{91240B29-F687-4f45-9708-019B960494DF}">
-                <a14:hiddenLine xmlns:a14="http://schemas.microsoft.com/office/drawing/2010/main" xmlns="" w="9525">
+                <a14:hiddenLine xmlns="" xmlns:a14="http://schemas.microsoft.com/office/drawing/2010/main" w="9525">
                   <a:solidFill>
                     <a:srgbClr val="000000"/>
                   </a:solidFill>
@@ -869,7 +869,7 @@
             </a:ln>
             <a:extLst>
               <a:ext uri="{91240B29-F687-4f45-9708-019B960494DF}">
-                <a14:hiddenLine xmlns:a14="http://schemas.microsoft.com/office/drawing/2010/main" xmlns="" w="9525">
+                <a14:hiddenLine xmlns="" xmlns:a14="http://schemas.microsoft.com/office/drawing/2010/main" w="9525">
                   <a:solidFill>
                     <a:srgbClr val="000000"/>
                   </a:solidFill>
@@ -959,7 +959,7 @@
             </a:ln>
             <a:extLst>
               <a:ext uri="{91240B29-F687-4f45-9708-019B960494DF}">
-                <a14:hiddenLine xmlns:a14="http://schemas.microsoft.com/office/drawing/2010/main" xmlns="" w="9525">
+                <a14:hiddenLine xmlns="" xmlns:a14="http://schemas.microsoft.com/office/drawing/2010/main" w="9525">
                   <a:solidFill>
                     <a:srgbClr val="000000"/>
                   </a:solidFill>
@@ -1049,7 +1049,7 @@
             </a:ln>
             <a:extLst>
               <a:ext uri="{91240B29-F687-4f45-9708-019B960494DF}">
-                <a14:hiddenLine xmlns:a14="http://schemas.microsoft.com/office/drawing/2010/main" xmlns="" w="9525">
+                <a14:hiddenLine xmlns="" xmlns:a14="http://schemas.microsoft.com/office/drawing/2010/main" w="9525">
                   <a:solidFill>
                     <a:srgbClr val="000000"/>
                   </a:solidFill>
@@ -1111,7 +1111,7 @@
             </a:ln>
             <a:extLst>
               <a:ext uri="{91240B29-F687-4f45-9708-019B960494DF}">
-                <a14:hiddenLine xmlns:a14="http://schemas.microsoft.com/office/drawing/2010/main" xmlns="" w="9525">
+                <a14:hiddenLine xmlns="" xmlns:a14="http://schemas.microsoft.com/office/drawing/2010/main" w="9525">
                   <a:solidFill>
                     <a:srgbClr val="000000"/>
                   </a:solidFill>
@@ -1221,7 +1221,7 @@
             </a:ln>
             <a:extLst>
               <a:ext uri="{91240B29-F687-4f45-9708-019B960494DF}">
-                <a14:hiddenLine xmlns:a14="http://schemas.microsoft.com/office/drawing/2010/main" xmlns="" w="9525">
+                <a14:hiddenLine xmlns="" xmlns:a14="http://schemas.microsoft.com/office/drawing/2010/main" w="9525">
                   <a:solidFill>
                     <a:srgbClr val="000000"/>
                   </a:solidFill>
@@ -1283,7 +1283,7 @@
             </a:ln>
             <a:extLst>
               <a:ext uri="{91240B29-F687-4f45-9708-019B960494DF}">
-                <a14:hiddenLine xmlns:a14="http://schemas.microsoft.com/office/drawing/2010/main" xmlns="" w="9525">
+                <a14:hiddenLine xmlns="" xmlns:a14="http://schemas.microsoft.com/office/drawing/2010/main" w="9525">
                   <a:solidFill>
                     <a:srgbClr val="000000"/>
                   </a:solidFill>
@@ -1373,7 +1373,7 @@
             </a:ln>
             <a:extLst>
               <a:ext uri="{91240B29-F687-4f45-9708-019B960494DF}">
-                <a14:hiddenLine xmlns:a14="http://schemas.microsoft.com/office/drawing/2010/main" xmlns="" w="9525">
+                <a14:hiddenLine xmlns="" xmlns:a14="http://schemas.microsoft.com/office/drawing/2010/main" w="9525">
                   <a:solidFill>
                     <a:srgbClr val="000000"/>
                   </a:solidFill>
@@ -1463,7 +1463,7 @@
             </a:ln>
             <a:extLst>
               <a:ext uri="{91240B29-F687-4f45-9708-019B960494DF}">
-                <a14:hiddenLine xmlns:a14="http://schemas.microsoft.com/office/drawing/2010/main" xmlns="" w="9525">
+                <a14:hiddenLine xmlns="" xmlns:a14="http://schemas.microsoft.com/office/drawing/2010/main" w="9525">
                   <a:solidFill>
                     <a:srgbClr val="000000"/>
                   </a:solidFill>
@@ -1525,7 +1525,7 @@
             </a:ln>
             <a:extLst>
               <a:ext uri="{91240B29-F687-4f45-9708-019B960494DF}">
-                <a14:hiddenLine xmlns:a14="http://schemas.microsoft.com/office/drawing/2010/main" xmlns="" w="9525">
+                <a14:hiddenLine xmlns="" xmlns:a14="http://schemas.microsoft.com/office/drawing/2010/main" w="9525">
                   <a:solidFill>
                     <a:srgbClr val="000000"/>
                   </a:solidFill>
@@ -1615,7 +1615,7 @@
             </a:ln>
             <a:extLst>
               <a:ext uri="{91240B29-F687-4f45-9708-019B960494DF}">
-                <a14:hiddenLine xmlns:a14="http://schemas.microsoft.com/office/drawing/2010/main" xmlns="" w="9525">
+                <a14:hiddenLine xmlns="" xmlns:a14="http://schemas.microsoft.com/office/drawing/2010/main" w="9525">
                   <a:solidFill>
                     <a:srgbClr val="000000"/>
                   </a:solidFill>
@@ -1705,7 +1705,7 @@
             </a:ln>
             <a:extLst>
               <a:ext uri="{91240B29-F687-4f45-9708-019B960494DF}">
-                <a14:hiddenLine xmlns:a14="http://schemas.microsoft.com/office/drawing/2010/main" xmlns="" w="9525">
+                <a14:hiddenLine xmlns="" xmlns:a14="http://schemas.microsoft.com/office/drawing/2010/main" w="9525">
                   <a:solidFill>
                     <a:srgbClr val="000000"/>
                   </a:solidFill>
@@ -1761,7 +1761,7 @@
             </a:ln>
             <a:extLst>
               <a:ext uri="{91240B29-F687-4f45-9708-019B960494DF}">
-                <a14:hiddenLine xmlns:a14="http://schemas.microsoft.com/office/drawing/2010/main" xmlns="" w="9525">
+                <a14:hiddenLine xmlns="" xmlns:a14="http://schemas.microsoft.com/office/drawing/2010/main" w="9525">
                   <a:solidFill>
                     <a:srgbClr val="000000"/>
                   </a:solidFill>
@@ -1851,7 +1851,7 @@
             </a:ln>
             <a:extLst>
               <a:ext uri="{91240B29-F687-4f45-9708-019B960494DF}">
-                <a14:hiddenLine xmlns:a14="http://schemas.microsoft.com/office/drawing/2010/main" xmlns="" w="9525">
+                <a14:hiddenLine xmlns="" xmlns:a14="http://schemas.microsoft.com/office/drawing/2010/main" w="9525">
                   <a:solidFill>
                     <a:srgbClr val="000000"/>
                   </a:solidFill>
@@ -1907,7 +1907,7 @@
             </a:ln>
             <a:extLst>
               <a:ext uri="{91240B29-F687-4f45-9708-019B960494DF}">
-                <a14:hiddenLine xmlns:a14="http://schemas.microsoft.com/office/drawing/2010/main" xmlns="" w="9525">
+                <a14:hiddenLine xmlns="" xmlns:a14="http://schemas.microsoft.com/office/drawing/2010/main" w="9525">
                   <a:solidFill>
                     <a:srgbClr val="000000"/>
                   </a:solidFill>
@@ -1997,7 +1997,7 @@
             </a:ln>
             <a:extLst>
               <a:ext uri="{91240B29-F687-4f45-9708-019B960494DF}">
-                <a14:hiddenLine xmlns:a14="http://schemas.microsoft.com/office/drawing/2010/main" xmlns="" w="9525">
+                <a14:hiddenLine xmlns="" xmlns:a14="http://schemas.microsoft.com/office/drawing/2010/main" w="9525">
                   <a:solidFill>
                     <a:srgbClr val="000000"/>
                   </a:solidFill>
@@ -2065,7 +2065,7 @@
             </a:ln>
             <a:extLst>
               <a:ext uri="{91240B29-F687-4f45-9708-019B960494DF}">
-                <a14:hiddenLine xmlns:a14="http://schemas.microsoft.com/office/drawing/2010/main" xmlns="" w="9525">
+                <a14:hiddenLine xmlns="" xmlns:a14="http://schemas.microsoft.com/office/drawing/2010/main" w="9525">
                   <a:solidFill>
                     <a:srgbClr val="000000"/>
                   </a:solidFill>
@@ -2155,7 +2155,7 @@
             </a:ln>
             <a:extLst>
               <a:ext uri="{91240B29-F687-4f45-9708-019B960494DF}">
-                <a14:hiddenLine xmlns:a14="http://schemas.microsoft.com/office/drawing/2010/main" xmlns="" w="9525">
+                <a14:hiddenLine xmlns="" xmlns:a14="http://schemas.microsoft.com/office/drawing/2010/main" w="9525">
                   <a:solidFill>
                     <a:srgbClr val="000000"/>
                   </a:solidFill>
@@ -2223,7 +2223,7 @@
             </a:ln>
             <a:extLst>
               <a:ext uri="{91240B29-F687-4f45-9708-019B960494DF}">
-                <a14:hiddenLine xmlns:a14="http://schemas.microsoft.com/office/drawing/2010/main" xmlns="" w="9525">
+                <a14:hiddenLine xmlns="" xmlns:a14="http://schemas.microsoft.com/office/drawing/2010/main" w="9525">
                   <a:solidFill>
                     <a:srgbClr val="000000"/>
                   </a:solidFill>
@@ -2313,7 +2313,7 @@
             </a:ln>
             <a:extLst>
               <a:ext uri="{91240B29-F687-4f45-9708-019B960494DF}">
-                <a14:hiddenLine xmlns:a14="http://schemas.microsoft.com/office/drawing/2010/main" xmlns="" w="9525">
+                <a14:hiddenLine xmlns="" xmlns:a14="http://schemas.microsoft.com/office/drawing/2010/main" w="9525">
                   <a:solidFill>
                     <a:srgbClr val="000000"/>
                   </a:solidFill>
@@ -2347,7 +2347,7 @@
             </a:ln>
             <a:extLst>
               <a:ext uri="{91240B29-F687-4f45-9708-019B960494DF}">
-                <a14:hiddenLine xmlns:a14="http://schemas.microsoft.com/office/drawing/2010/main" xmlns="" w="9525">
+                <a14:hiddenLine xmlns="" xmlns:a14="http://schemas.microsoft.com/office/drawing/2010/main" w="9525">
                   <a:solidFill>
                     <a:srgbClr val="000000"/>
                   </a:solidFill>
@@ -2437,7 +2437,7 @@
             </a:ln>
             <a:extLst>
               <a:ext uri="{91240B29-F687-4f45-9708-019B960494DF}">
-                <a14:hiddenLine xmlns:a14="http://schemas.microsoft.com/office/drawing/2010/main" xmlns="" w="9525">
+                <a14:hiddenLine xmlns="" xmlns:a14="http://schemas.microsoft.com/office/drawing/2010/main" w="9525">
                   <a:solidFill>
                     <a:srgbClr val="000000"/>
                   </a:solidFill>
@@ -2499,7 +2499,7 @@
             </a:ln>
             <a:extLst>
               <a:ext uri="{91240B29-F687-4f45-9708-019B960494DF}">
-                <a14:hiddenLine xmlns:a14="http://schemas.microsoft.com/office/drawing/2010/main" xmlns="" w="9525">
+                <a14:hiddenLine xmlns="" xmlns:a14="http://schemas.microsoft.com/office/drawing/2010/main" w="9525">
                   <a:solidFill>
                     <a:srgbClr val="000000"/>
                   </a:solidFill>
@@ -2561,7 +2561,7 @@
             </a:ln>
             <a:extLst>
               <a:ext uri="{91240B29-F687-4f45-9708-019B960494DF}">
-                <a14:hiddenLine xmlns:a14="http://schemas.microsoft.com/office/drawing/2010/main" xmlns="" w="9525">
+                <a14:hiddenLine xmlns="" xmlns:a14="http://schemas.microsoft.com/office/drawing/2010/main" w="9525">
                   <a:solidFill>
                     <a:srgbClr val="000000"/>
                   </a:solidFill>
@@ -2651,7 +2651,7 @@
             </a:ln>
             <a:extLst>
               <a:ext uri="{91240B29-F687-4f45-9708-019B960494DF}">
-                <a14:hiddenLine xmlns:a14="http://schemas.microsoft.com/office/drawing/2010/main" xmlns="" w="9525">
+                <a14:hiddenLine xmlns="" xmlns:a14="http://schemas.microsoft.com/office/drawing/2010/main" w="9525">
                   <a:solidFill>
                     <a:srgbClr val="000000"/>
                   </a:solidFill>
@@ -2719,7 +2719,7 @@
             </a:ln>
             <a:extLst>
               <a:ext uri="{91240B29-F687-4f45-9708-019B960494DF}">
-                <a14:hiddenLine xmlns:a14="http://schemas.microsoft.com/office/drawing/2010/main" xmlns="" w="9525">
+                <a14:hiddenLine xmlns="" xmlns:a14="http://schemas.microsoft.com/office/drawing/2010/main" w="9525">
                   <a:solidFill>
                     <a:srgbClr val="000000"/>
                   </a:solidFill>
@@ -2781,7 +2781,7 @@
             </a:ln>
             <a:extLst>
               <a:ext uri="{91240B29-F687-4f45-9708-019B960494DF}">
-                <a14:hiddenLine xmlns:a14="http://schemas.microsoft.com/office/drawing/2010/main" xmlns="" w="9525">
+                <a14:hiddenLine xmlns="" xmlns:a14="http://schemas.microsoft.com/office/drawing/2010/main" w="9525">
                   <a:solidFill>
                     <a:srgbClr val="000000"/>
                   </a:solidFill>
@@ -2871,7 +2871,7 @@
             </a:ln>
             <a:extLst>
               <a:ext uri="{91240B29-F687-4f45-9708-019B960494DF}">
-                <a14:hiddenLine xmlns:a14="http://schemas.microsoft.com/office/drawing/2010/main" xmlns="" w="9525">
+                <a14:hiddenLine xmlns="" xmlns:a14="http://schemas.microsoft.com/office/drawing/2010/main" w="9525">
                   <a:solidFill>
                     <a:srgbClr val="000000"/>
                   </a:solidFill>
@@ -2933,7 +2933,7 @@
             </a:ln>
             <a:extLst>
               <a:ext uri="{91240B29-F687-4f45-9708-019B960494DF}">
-                <a14:hiddenLine xmlns:a14="http://schemas.microsoft.com/office/drawing/2010/main" xmlns="" w="9525">
+                <a14:hiddenLine xmlns="" xmlns:a14="http://schemas.microsoft.com/office/drawing/2010/main" w="9525">
                   <a:solidFill>
                     <a:srgbClr val="000000"/>
                   </a:solidFill>
@@ -3023,7 +3023,7 @@
             </a:ln>
             <a:extLst>
               <a:ext uri="{91240B29-F687-4f45-9708-019B960494DF}">
-                <a14:hiddenLine xmlns:a14="http://schemas.microsoft.com/office/drawing/2010/main" xmlns="" w="9525">
+                <a14:hiddenLine xmlns="" xmlns:a14="http://schemas.microsoft.com/office/drawing/2010/main" w="9525">
                   <a:solidFill>
                     <a:srgbClr val="000000"/>
                   </a:solidFill>
@@ -3085,7 +3085,7 @@
             </a:ln>
             <a:extLst>
               <a:ext uri="{91240B29-F687-4f45-9708-019B960494DF}">
-                <a14:hiddenLine xmlns:a14="http://schemas.microsoft.com/office/drawing/2010/main" xmlns="" w="9525">
+                <a14:hiddenLine xmlns="" xmlns:a14="http://schemas.microsoft.com/office/drawing/2010/main" w="9525">
                   <a:solidFill>
                     <a:srgbClr val="000000"/>
                   </a:solidFill>
@@ -3175,7 +3175,7 @@
             </a:ln>
             <a:extLst>
               <a:ext uri="{91240B29-F687-4f45-9708-019B960494DF}">
-                <a14:hiddenLine xmlns:a14="http://schemas.microsoft.com/office/drawing/2010/main" xmlns="" w="9525">
+                <a14:hiddenLine xmlns="" xmlns:a14="http://schemas.microsoft.com/office/drawing/2010/main" w="9525">
                   <a:solidFill>
                     <a:srgbClr val="000000"/>
                   </a:solidFill>
@@ -3209,7 +3209,7 @@
             </a:ln>
             <a:extLst>
               <a:ext uri="{91240B29-F687-4f45-9708-019B960494DF}">
-                <a14:hiddenLine xmlns:a14="http://schemas.microsoft.com/office/drawing/2010/main" xmlns="" w="9525">
+                <a14:hiddenLine xmlns="" xmlns:a14="http://schemas.microsoft.com/office/drawing/2010/main" w="9525">
                   <a:solidFill>
                     <a:srgbClr val="000000"/>
                   </a:solidFill>
@@ -3274,7 +3274,7 @@
             </a:ln>
             <a:extLst>
               <a:ext uri="{91240B29-F687-4f45-9708-019B960494DF}">
-                <a14:hiddenLine xmlns:a14="http://schemas.microsoft.com/office/drawing/2010/main" xmlns="" w="9525">
+                <a14:hiddenLine xmlns="" xmlns:a14="http://schemas.microsoft.com/office/drawing/2010/main" w="9525">
                   <a:solidFill>
                     <a:srgbClr val="000000"/>
                   </a:solidFill>
@@ -3364,7 +3364,7 @@
             </a:ln>
             <a:extLst>
               <a:ext uri="{91240B29-F687-4f45-9708-019B960494DF}">
-                <a14:hiddenLine xmlns:a14="http://schemas.microsoft.com/office/drawing/2010/main" xmlns="" w="9525">
+                <a14:hiddenLine xmlns="" xmlns:a14="http://schemas.microsoft.com/office/drawing/2010/main" w="9525">
                   <a:solidFill>
                     <a:srgbClr val="000000"/>
                   </a:solidFill>
@@ -3426,7 +3426,7 @@
             </a:ln>
             <a:extLst>
               <a:ext uri="{91240B29-F687-4f45-9708-019B960494DF}">
-                <a14:hiddenLine xmlns:a14="http://schemas.microsoft.com/office/drawing/2010/main" xmlns="" w="9525">
+                <a14:hiddenLine xmlns="" xmlns:a14="http://schemas.microsoft.com/office/drawing/2010/main" w="9525">
                   <a:solidFill>
                     <a:srgbClr val="000000"/>
                   </a:solidFill>
@@ -3516,7 +3516,7 @@
             </a:ln>
             <a:extLst>
               <a:ext uri="{91240B29-F687-4f45-9708-019B960494DF}">
-                <a14:hiddenLine xmlns:a14="http://schemas.microsoft.com/office/drawing/2010/main" xmlns="" w="9525">
+                <a14:hiddenLine xmlns="" xmlns:a14="http://schemas.microsoft.com/office/drawing/2010/main" w="9525">
                   <a:solidFill>
                     <a:srgbClr val="000000"/>
                   </a:solidFill>
@@ -3606,7 +3606,7 @@
             </a:ln>
             <a:extLst>
               <a:ext uri="{91240B29-F687-4f45-9708-019B960494DF}">
-                <a14:hiddenLine xmlns:a14="http://schemas.microsoft.com/office/drawing/2010/main" xmlns="" w="9525">
+                <a14:hiddenLine xmlns="" xmlns:a14="http://schemas.microsoft.com/office/drawing/2010/main" w="9525">
                   <a:solidFill>
                     <a:srgbClr val="000000"/>
                   </a:solidFill>
@@ -3671,7 +3671,7 @@
             </a:ln>
             <a:extLst>
               <a:ext uri="{91240B29-F687-4f45-9708-019B960494DF}">
-                <a14:hiddenLine xmlns:a14="http://schemas.microsoft.com/office/drawing/2010/main" xmlns="" w="9525">
+                <a14:hiddenLine xmlns="" xmlns:a14="http://schemas.microsoft.com/office/drawing/2010/main" w="9525">
                   <a:solidFill>
                     <a:srgbClr val="000000"/>
                   </a:solidFill>
@@ -3733,7 +3733,7 @@
             </a:ln>
             <a:extLst>
               <a:ext uri="{91240B29-F687-4f45-9708-019B960494DF}">
-                <a14:hiddenLine xmlns:a14="http://schemas.microsoft.com/office/drawing/2010/main" xmlns="" w="9525">
+                <a14:hiddenLine xmlns="" xmlns:a14="http://schemas.microsoft.com/office/drawing/2010/main" w="9525">
                   <a:solidFill>
                     <a:srgbClr val="000000"/>
                   </a:solidFill>
@@ -3823,7 +3823,7 @@
             </a:ln>
             <a:extLst>
               <a:ext uri="{91240B29-F687-4f45-9708-019B960494DF}">
-                <a14:hiddenLine xmlns:a14="http://schemas.microsoft.com/office/drawing/2010/main" xmlns="" w="9525">
+                <a14:hiddenLine xmlns="" xmlns:a14="http://schemas.microsoft.com/office/drawing/2010/main" w="9525">
                   <a:solidFill>
                     <a:srgbClr val="000000"/>
                   </a:solidFill>
@@ -3913,7 +3913,7 @@
             </a:ln>
             <a:extLst>
               <a:ext uri="{91240B29-F687-4f45-9708-019B960494DF}">
-                <a14:hiddenLine xmlns:a14="http://schemas.microsoft.com/office/drawing/2010/main" xmlns="" w="9525">
+                <a14:hiddenLine xmlns="" xmlns:a14="http://schemas.microsoft.com/office/drawing/2010/main" w="9525">
                   <a:solidFill>
                     <a:srgbClr val="000000"/>
                   </a:solidFill>
@@ -3975,7 +3975,7 @@
             </a:ln>
             <a:extLst>
               <a:ext uri="{91240B29-F687-4f45-9708-019B960494DF}">
-                <a14:hiddenLine xmlns:a14="http://schemas.microsoft.com/office/drawing/2010/main" xmlns="" w="9525">
+                <a14:hiddenLine xmlns="" xmlns:a14="http://schemas.microsoft.com/office/drawing/2010/main" w="9525">
                   <a:solidFill>
                     <a:srgbClr val="000000"/>
                   </a:solidFill>
@@ -4095,7 +4095,7 @@
             </a:ln>
             <a:extLst>
               <a:ext uri="{91240B29-F687-4f45-9708-019B960494DF}">
-                <a14:hiddenLine xmlns:a14="http://schemas.microsoft.com/office/drawing/2010/main" xmlns="" w="9525">
+                <a14:hiddenLine xmlns="" xmlns:a14="http://schemas.microsoft.com/office/drawing/2010/main" w="9525">
                   <a:solidFill>
                     <a:srgbClr val="000000"/>
                   </a:solidFill>
@@ -4163,7 +4163,7 @@
             </a:ln>
             <a:extLst>
               <a:ext uri="{91240B29-F687-4f45-9708-019B960494DF}">
-                <a14:hiddenLine xmlns:a14="http://schemas.microsoft.com/office/drawing/2010/main" xmlns="" w="9525">
+                <a14:hiddenLine xmlns="" xmlns:a14="http://schemas.microsoft.com/office/drawing/2010/main" w="9525">
                   <a:solidFill>
                     <a:srgbClr val="000000"/>
                   </a:solidFill>
@@ -4253,7 +4253,7 @@
             </a:ln>
             <a:extLst>
               <a:ext uri="{91240B29-F687-4f45-9708-019B960494DF}">
-                <a14:hiddenLine xmlns:a14="http://schemas.microsoft.com/office/drawing/2010/main" xmlns="" w="9525">
+                <a14:hiddenLine xmlns="" xmlns:a14="http://schemas.microsoft.com/office/drawing/2010/main" w="9525">
                   <a:solidFill>
                     <a:srgbClr val="000000"/>
                   </a:solidFill>
@@ -8989,7 +8989,7 @@
             <a:alphaModFix amt="30000"/>
             <a:extLst>
               <a:ext uri="{28A0092B-C50C-407E-A947-70E740481C1C}">
-                <a14:useLocalDpi xmlns="" xmlns:a14="http://schemas.microsoft.com/office/drawing/2010/main" val="0"/>
+                <a14:useLocalDpi xmlns:a14="http://schemas.microsoft.com/office/drawing/2010/main" xmlns="" val="0"/>
               </a:ext>
             </a:extLst>
           </a:blip>
@@ -9009,7 +9009,7 @@
           <a:noFill/>
           <a:extLst>
             <a:ext uri="{909E8E84-426E-40dd-AFC4-6F175D3DCCD1}">
-              <a14:hiddenFill xmlns:a14="http://schemas.microsoft.com/office/drawing/2010/main" xmlns="">
+              <a14:hiddenFill xmlns="" xmlns:a14="http://schemas.microsoft.com/office/drawing/2010/main">
                 <a:solidFill>
                   <a:srgbClr val="FFFFFF"/>
                 </a:solidFill>
@@ -9083,7 +9083,7 @@
               </a:ln>
               <a:extLst>
                 <a:ext uri="{91240B29-F687-4f45-9708-019B960494DF}">
-                  <a14:hiddenLine xmlns:a14="http://schemas.microsoft.com/office/drawing/2010/main" xmlns="" w="9525">
+                  <a14:hiddenLine xmlns="" xmlns:a14="http://schemas.microsoft.com/office/drawing/2010/main" w="9525">
                     <a:solidFill>
                       <a:srgbClr val="000000"/>
                     </a:solidFill>
@@ -9173,7 +9173,7 @@
               </a:ln>
               <a:extLst>
                 <a:ext uri="{91240B29-F687-4f45-9708-019B960494DF}">
-                  <a14:hiddenLine xmlns:a14="http://schemas.microsoft.com/office/drawing/2010/main" xmlns="" w="9525">
+                  <a14:hiddenLine xmlns="" xmlns:a14="http://schemas.microsoft.com/office/drawing/2010/main" w="9525">
                     <a:solidFill>
                       <a:srgbClr val="000000"/>
                     </a:solidFill>
@@ -9263,7 +9263,7 @@
               </a:ln>
               <a:extLst>
                 <a:ext uri="{91240B29-F687-4f45-9708-019B960494DF}">
-                  <a14:hiddenLine xmlns:a14="http://schemas.microsoft.com/office/drawing/2010/main" xmlns="" w="9525">
+                  <a14:hiddenLine xmlns="" xmlns:a14="http://schemas.microsoft.com/office/drawing/2010/main" w="9525">
                     <a:solidFill>
                       <a:srgbClr val="000000"/>
                     </a:solidFill>
@@ -9325,7 +9325,7 @@
               </a:ln>
               <a:extLst>
                 <a:ext uri="{91240B29-F687-4f45-9708-019B960494DF}">
-                  <a14:hiddenLine xmlns:a14="http://schemas.microsoft.com/office/drawing/2010/main" xmlns="" w="9525">
+                  <a14:hiddenLine xmlns="" xmlns:a14="http://schemas.microsoft.com/office/drawing/2010/main" w="9525">
                     <a:solidFill>
                       <a:srgbClr val="000000"/>
                     </a:solidFill>
@@ -9415,7 +9415,7 @@
               </a:ln>
               <a:extLst>
                 <a:ext uri="{91240B29-F687-4f45-9708-019B960494DF}">
-                  <a14:hiddenLine xmlns:a14="http://schemas.microsoft.com/office/drawing/2010/main" xmlns="" w="9525">
+                  <a14:hiddenLine xmlns="" xmlns:a14="http://schemas.microsoft.com/office/drawing/2010/main" w="9525">
                     <a:solidFill>
                       <a:srgbClr val="000000"/>
                     </a:solidFill>
@@ -9477,7 +9477,7 @@
               </a:ln>
               <a:extLst>
                 <a:ext uri="{91240B29-F687-4f45-9708-019B960494DF}">
-                  <a14:hiddenLine xmlns:a14="http://schemas.microsoft.com/office/drawing/2010/main" xmlns="" w="9525">
+                  <a14:hiddenLine xmlns="" xmlns:a14="http://schemas.microsoft.com/office/drawing/2010/main" w="9525">
                     <a:solidFill>
                       <a:srgbClr val="000000"/>
                     </a:solidFill>
@@ -9539,7 +9539,7 @@
               </a:ln>
               <a:extLst>
                 <a:ext uri="{91240B29-F687-4f45-9708-019B960494DF}">
-                  <a14:hiddenLine xmlns:a14="http://schemas.microsoft.com/office/drawing/2010/main" xmlns="" w="9525">
+                  <a14:hiddenLine xmlns="" xmlns:a14="http://schemas.microsoft.com/office/drawing/2010/main" w="9525">
                     <a:solidFill>
                       <a:srgbClr val="000000"/>
                     </a:solidFill>
@@ -9629,7 +9629,7 @@
               </a:ln>
               <a:extLst>
                 <a:ext uri="{91240B29-F687-4f45-9708-019B960494DF}">
-                  <a14:hiddenLine xmlns:a14="http://schemas.microsoft.com/office/drawing/2010/main" xmlns="" w="9525">
+                  <a14:hiddenLine xmlns="" xmlns:a14="http://schemas.microsoft.com/office/drawing/2010/main" w="9525">
                     <a:solidFill>
                       <a:srgbClr val="000000"/>
                     </a:solidFill>
@@ -9719,7 +9719,7 @@
               </a:ln>
               <a:extLst>
                 <a:ext uri="{91240B29-F687-4f45-9708-019B960494DF}">
-                  <a14:hiddenLine xmlns:a14="http://schemas.microsoft.com/office/drawing/2010/main" xmlns="" w="9525">
+                  <a14:hiddenLine xmlns="" xmlns:a14="http://schemas.microsoft.com/office/drawing/2010/main" w="9525">
                     <a:solidFill>
                       <a:srgbClr val="000000"/>
                     </a:solidFill>
@@ -9781,7 +9781,7 @@
               </a:ln>
               <a:extLst>
                 <a:ext uri="{91240B29-F687-4f45-9708-019B960494DF}">
-                  <a14:hiddenLine xmlns:a14="http://schemas.microsoft.com/office/drawing/2010/main" xmlns="" w="9525">
+                  <a14:hiddenLine xmlns="" xmlns:a14="http://schemas.microsoft.com/office/drawing/2010/main" w="9525">
                     <a:solidFill>
                       <a:srgbClr val="000000"/>
                     </a:solidFill>
@@ -9891,7 +9891,7 @@
               </a:ln>
               <a:extLst>
                 <a:ext uri="{91240B29-F687-4f45-9708-019B960494DF}">
-                  <a14:hiddenLine xmlns:a14="http://schemas.microsoft.com/office/drawing/2010/main" xmlns="" w="9525">
+                  <a14:hiddenLine xmlns="" xmlns:a14="http://schemas.microsoft.com/office/drawing/2010/main" w="9525">
                     <a:solidFill>
                       <a:srgbClr val="000000"/>
                     </a:solidFill>
@@ -9975,7 +9975,7 @@
               </a:ln>
               <a:extLst>
                 <a:ext uri="{91240B29-F687-4f45-9708-019B960494DF}">
-                  <a14:hiddenLine xmlns:a14="http://schemas.microsoft.com/office/drawing/2010/main" xmlns="" w="9525">
+                  <a14:hiddenLine xmlns="" xmlns:a14="http://schemas.microsoft.com/office/drawing/2010/main" w="9525">
                     <a:solidFill>
                       <a:srgbClr val="000000"/>
                     </a:solidFill>
@@ -10037,7 +10037,7 @@
               </a:ln>
               <a:extLst>
                 <a:ext uri="{91240B29-F687-4f45-9708-019B960494DF}">
-                  <a14:hiddenLine xmlns:a14="http://schemas.microsoft.com/office/drawing/2010/main" xmlns="" w="9525">
+                  <a14:hiddenLine xmlns="" xmlns:a14="http://schemas.microsoft.com/office/drawing/2010/main" w="9525">
                     <a:solidFill>
                       <a:srgbClr val="000000"/>
                     </a:solidFill>
@@ -10099,7 +10099,7 @@
               </a:ln>
               <a:extLst>
                 <a:ext uri="{91240B29-F687-4f45-9708-019B960494DF}">
-                  <a14:hiddenLine xmlns:a14="http://schemas.microsoft.com/office/drawing/2010/main" xmlns="" w="9525">
+                  <a14:hiddenLine xmlns="" xmlns:a14="http://schemas.microsoft.com/office/drawing/2010/main" w="9525">
                     <a:solidFill>
                       <a:srgbClr val="000000"/>
                     </a:solidFill>
@@ -10189,7 +10189,7 @@
               </a:ln>
               <a:extLst>
                 <a:ext uri="{91240B29-F687-4f45-9708-019B960494DF}">
-                  <a14:hiddenLine xmlns:a14="http://schemas.microsoft.com/office/drawing/2010/main" xmlns="" w="9525">
+                  <a14:hiddenLine xmlns="" xmlns:a14="http://schemas.microsoft.com/office/drawing/2010/main" w="9525">
                     <a:solidFill>
                       <a:srgbClr val="000000"/>
                     </a:solidFill>
@@ -10223,7 +10223,7 @@
               </a:ln>
               <a:extLst>
                 <a:ext uri="{91240B29-F687-4f45-9708-019B960494DF}">
-                  <a14:hiddenLine xmlns:a14="http://schemas.microsoft.com/office/drawing/2010/main" xmlns="" w="9525">
+                  <a14:hiddenLine xmlns="" xmlns:a14="http://schemas.microsoft.com/office/drawing/2010/main" w="9525">
                     <a:solidFill>
                       <a:srgbClr val="000000"/>
                     </a:solidFill>
@@ -10288,7 +10288,7 @@
               </a:ln>
               <a:extLst>
                 <a:ext uri="{91240B29-F687-4f45-9708-019B960494DF}">
-                  <a14:hiddenLine xmlns:a14="http://schemas.microsoft.com/office/drawing/2010/main" xmlns="" w="9525">
+                  <a14:hiddenLine xmlns="" xmlns:a14="http://schemas.microsoft.com/office/drawing/2010/main" w="9525">
                     <a:solidFill>
                       <a:srgbClr val="000000"/>
                     </a:solidFill>
@@ -10378,7 +10378,7 @@
               </a:ln>
               <a:extLst>
                 <a:ext uri="{91240B29-F687-4f45-9708-019B960494DF}">
-                  <a14:hiddenLine xmlns:a14="http://schemas.microsoft.com/office/drawing/2010/main" xmlns="" w="9525">
+                  <a14:hiddenLine xmlns="" xmlns:a14="http://schemas.microsoft.com/office/drawing/2010/main" w="9525">
                     <a:solidFill>
                       <a:srgbClr val="000000"/>
                     </a:solidFill>
@@ -10440,7 +10440,7 @@
               </a:ln>
               <a:extLst>
                 <a:ext uri="{91240B29-F687-4f45-9708-019B960494DF}">
-                  <a14:hiddenLine xmlns:a14="http://schemas.microsoft.com/office/drawing/2010/main" xmlns="" w="9525">
+                  <a14:hiddenLine xmlns="" xmlns:a14="http://schemas.microsoft.com/office/drawing/2010/main" w="9525">
                     <a:solidFill>
                       <a:srgbClr val="000000"/>
                     </a:solidFill>
@@ -10530,7 +10530,7 @@
               </a:ln>
               <a:extLst>
                 <a:ext uri="{91240B29-F687-4f45-9708-019B960494DF}">
-                  <a14:hiddenLine xmlns:a14="http://schemas.microsoft.com/office/drawing/2010/main" xmlns="" w="9525">
+                  <a14:hiddenLine xmlns="" xmlns:a14="http://schemas.microsoft.com/office/drawing/2010/main" w="9525">
                     <a:solidFill>
                       <a:srgbClr val="000000"/>
                     </a:solidFill>
@@ -10595,7 +10595,7 @@
               </a:ln>
               <a:extLst>
                 <a:ext uri="{91240B29-F687-4f45-9708-019B960494DF}">
-                  <a14:hiddenLine xmlns:a14="http://schemas.microsoft.com/office/drawing/2010/main" xmlns="" w="9525">
+                  <a14:hiddenLine xmlns="" xmlns:a14="http://schemas.microsoft.com/office/drawing/2010/main" w="9525">
                     <a:solidFill>
                       <a:srgbClr val="000000"/>
                     </a:solidFill>
@@ -10657,7 +10657,7 @@
               </a:ln>
               <a:extLst>
                 <a:ext uri="{91240B29-F687-4f45-9708-019B960494DF}">
-                  <a14:hiddenLine xmlns:a14="http://schemas.microsoft.com/office/drawing/2010/main" xmlns="" w="9525">
+                  <a14:hiddenLine xmlns="" xmlns:a14="http://schemas.microsoft.com/office/drawing/2010/main" w="9525">
                     <a:solidFill>
                       <a:srgbClr val="000000"/>
                     </a:solidFill>
@@ -10747,7 +10747,7 @@
               </a:ln>
               <a:extLst>
                 <a:ext uri="{91240B29-F687-4f45-9708-019B960494DF}">
-                  <a14:hiddenLine xmlns:a14="http://schemas.microsoft.com/office/drawing/2010/main" xmlns="" w="9525">
+                  <a14:hiddenLine xmlns="" xmlns:a14="http://schemas.microsoft.com/office/drawing/2010/main" w="9525">
                     <a:solidFill>
                       <a:srgbClr val="000000"/>
                     </a:solidFill>
@@ -10837,7 +10837,7 @@
               </a:ln>
               <a:extLst>
                 <a:ext uri="{91240B29-F687-4f45-9708-019B960494DF}">
-                  <a14:hiddenLine xmlns:a14="http://schemas.microsoft.com/office/drawing/2010/main" xmlns="" w="9525">
+                  <a14:hiddenLine xmlns="" xmlns:a14="http://schemas.microsoft.com/office/drawing/2010/main" w="9525">
                     <a:solidFill>
                       <a:srgbClr val="000000"/>
                     </a:solidFill>
@@ -10902,7 +10902,7 @@
               </a:ln>
               <a:extLst>
                 <a:ext uri="{91240B29-F687-4f45-9708-019B960494DF}">
-                  <a14:hiddenLine xmlns:a14="http://schemas.microsoft.com/office/drawing/2010/main" xmlns="" w="9525">
+                  <a14:hiddenLine xmlns="" xmlns:a14="http://schemas.microsoft.com/office/drawing/2010/main" w="9525">
                     <a:solidFill>
                       <a:srgbClr val="000000"/>
                     </a:solidFill>
@@ -11022,7 +11022,7 @@
               </a:ln>
               <a:extLst>
                 <a:ext uri="{91240B29-F687-4f45-9708-019B960494DF}">
-                  <a14:hiddenLine xmlns:a14="http://schemas.microsoft.com/office/drawing/2010/main" xmlns="" w="9525">
+                  <a14:hiddenLine xmlns="" xmlns:a14="http://schemas.microsoft.com/office/drawing/2010/main" w="9525">
                     <a:solidFill>
                       <a:srgbClr val="000000"/>
                     </a:solidFill>
@@ -11120,7 +11120,7 @@
               </a:ln>
               <a:extLst>
                 <a:ext uri="{91240B29-F687-4f45-9708-019B960494DF}">
-                  <a14:hiddenLine xmlns:a14="http://schemas.microsoft.com/office/drawing/2010/main" xmlns="" w="9525">
+                  <a14:hiddenLine xmlns="" xmlns:a14="http://schemas.microsoft.com/office/drawing/2010/main" w="9525">
                     <a:solidFill>
                       <a:srgbClr val="000000"/>
                     </a:solidFill>
@@ -11235,7 +11235,7 @@
               </a:ln>
               <a:extLst>
                 <a:ext uri="{91240B29-F687-4f45-9708-019B960494DF}">
-                  <a14:hiddenLine xmlns:a14="http://schemas.microsoft.com/office/drawing/2010/main" xmlns="" w="9525">
+                  <a14:hiddenLine xmlns="" xmlns:a14="http://schemas.microsoft.com/office/drawing/2010/main" w="9525">
                     <a:solidFill>
                       <a:srgbClr val="000000"/>
                     </a:solidFill>
@@ -11325,7 +11325,7 @@
               </a:ln>
               <a:extLst>
                 <a:ext uri="{91240B29-F687-4f45-9708-019B960494DF}">
-                  <a14:hiddenLine xmlns:a14="http://schemas.microsoft.com/office/drawing/2010/main" xmlns="" w="9525">
+                  <a14:hiddenLine xmlns="" xmlns:a14="http://schemas.microsoft.com/office/drawing/2010/main" w="9525">
                     <a:solidFill>
                       <a:srgbClr val="000000"/>
                     </a:solidFill>
@@ -11390,7 +11390,7 @@
               </a:ln>
               <a:extLst>
                 <a:ext uri="{91240B29-F687-4f45-9708-019B960494DF}">
-                  <a14:hiddenLine xmlns:a14="http://schemas.microsoft.com/office/drawing/2010/main" xmlns="" w="9525">
+                  <a14:hiddenLine xmlns="" xmlns:a14="http://schemas.microsoft.com/office/drawing/2010/main" w="9525">
                     <a:solidFill>
                       <a:srgbClr val="000000"/>
                     </a:solidFill>
@@ -11480,7 +11480,7 @@
               </a:ln>
               <a:extLst>
                 <a:ext uri="{91240B29-F687-4f45-9708-019B960494DF}">
-                  <a14:hiddenLine xmlns:a14="http://schemas.microsoft.com/office/drawing/2010/main" xmlns="" w="9525">
+                  <a14:hiddenLine xmlns="" xmlns:a14="http://schemas.microsoft.com/office/drawing/2010/main" w="9525">
                     <a:solidFill>
                       <a:srgbClr val="000000"/>
                     </a:solidFill>
@@ -11548,7 +11548,7 @@
               </a:ln>
               <a:extLst>
                 <a:ext uri="{91240B29-F687-4f45-9708-019B960494DF}">
-                  <a14:hiddenLine xmlns:a14="http://schemas.microsoft.com/office/drawing/2010/main" xmlns="" w="9525">
+                  <a14:hiddenLine xmlns="" xmlns:a14="http://schemas.microsoft.com/office/drawing/2010/main" w="9525">
                     <a:solidFill>
                       <a:srgbClr val="000000"/>
                     </a:solidFill>
@@ -11638,7 +11638,7 @@
               </a:ln>
               <a:extLst>
                 <a:ext uri="{91240B29-F687-4f45-9708-019B960494DF}">
-                  <a14:hiddenLine xmlns:a14="http://schemas.microsoft.com/office/drawing/2010/main" xmlns="" w="9525">
+                  <a14:hiddenLine xmlns="" xmlns:a14="http://schemas.microsoft.com/office/drawing/2010/main" w="9525">
                     <a:solidFill>
                       <a:srgbClr val="000000"/>
                     </a:solidFill>
@@ -11706,7 +11706,7 @@
               </a:ln>
               <a:extLst>
                 <a:ext uri="{91240B29-F687-4f45-9708-019B960494DF}">
-                  <a14:hiddenLine xmlns:a14="http://schemas.microsoft.com/office/drawing/2010/main" xmlns="" w="9525">
+                  <a14:hiddenLine xmlns="" xmlns:a14="http://schemas.microsoft.com/office/drawing/2010/main" w="9525">
                     <a:solidFill>
                       <a:srgbClr val="000000"/>
                     </a:solidFill>
@@ -11796,7 +11796,7 @@
               </a:ln>
               <a:extLst>
                 <a:ext uri="{91240B29-F687-4f45-9708-019B960494DF}">
-                  <a14:hiddenLine xmlns:a14="http://schemas.microsoft.com/office/drawing/2010/main" xmlns="" w="9525">
+                  <a14:hiddenLine xmlns="" xmlns:a14="http://schemas.microsoft.com/office/drawing/2010/main" w="9525">
                     <a:solidFill>
                       <a:srgbClr val="000000"/>
                     </a:solidFill>
@@ -11830,7 +11830,7 @@
               </a:ln>
               <a:extLst>
                 <a:ext uri="{91240B29-F687-4f45-9708-019B960494DF}">
-                  <a14:hiddenLine xmlns:a14="http://schemas.microsoft.com/office/drawing/2010/main" xmlns="" w="9525">
+                  <a14:hiddenLine xmlns="" xmlns:a14="http://schemas.microsoft.com/office/drawing/2010/main" w="9525">
                     <a:solidFill>
                       <a:srgbClr val="000000"/>
                     </a:solidFill>
@@ -12442,7 +12442,7 @@
     </p:spTree>
     <p:extLst>
       <p:ext uri="{BB962C8B-B14F-4D97-AF65-F5344CB8AC3E}">
-        <p14:creationId xmlns="" xmlns:p14="http://schemas.microsoft.com/office/powerpoint/2010/main" val="4209821317"/>
+        <p14:creationId xmlns:p14="http://schemas.microsoft.com/office/powerpoint/2010/main" xmlns="" val="4209821317"/>
       </p:ext>
     </p:extLst>
   </p:cSld>
@@ -12682,7 +12682,7 @@
     </p:spTree>
     <p:extLst>
       <p:ext uri="{BB962C8B-B14F-4D97-AF65-F5344CB8AC3E}">
-        <p14:creationId xmlns="" xmlns:p14="http://schemas.microsoft.com/office/powerpoint/2010/main" val="3205406010"/>
+        <p14:creationId xmlns:p14="http://schemas.microsoft.com/office/powerpoint/2010/main" xmlns="" val="3205406010"/>
       </p:ext>
     </p:extLst>
   </p:cSld>
@@ -12798,7 +12798,7 @@
     </p:spTree>
     <p:extLst>
       <p:ext uri="{BB962C8B-B14F-4D97-AF65-F5344CB8AC3E}">
-        <p14:creationId xmlns="" xmlns:p14="http://schemas.microsoft.com/office/powerpoint/2010/main" val="459454196"/>
+        <p14:creationId xmlns:p14="http://schemas.microsoft.com/office/powerpoint/2010/main" xmlns="" val="459454196"/>
       </p:ext>
     </p:extLst>
   </p:cSld>
@@ -12916,7 +12916,7 @@
         <p:spPr>
           <a:xfrm>
             <a:off x="3425588" y="3244334"/>
-            <a:ext cx="6311024" cy="369332"/>
+            <a:ext cx="6311024" cy="646331"/>
           </a:xfrm>
           <a:prstGeom prst="rect">
             <a:avLst/>
@@ -12929,16 +12929,10 @@
           <a:lstStyle/>
           <a:p>
             <a:r>
-              <a:rPr lang="en-US" dirty="0" smtClean="0">
+              <a:rPr lang="en-US" smtClean="0">
                 <a:hlinkClick r:id="rId2" action="ppaction://hlinkfile"/>
               </a:rPr>
-              <a:t>C:\</a:t>
-            </a:r>
-            <a:r>
-              <a:rPr lang="en-US" dirty="0" smtClean="0">
-                <a:hlinkClick r:id="rId2" action="ppaction://hlinkfile"/>
-              </a:rPr>
-              <a:t>Users\Bailey\Documents\GitHub\Asset-Development\Prezi.exe</a:t>
+              <a:t>C:\Users\Bailey\Documents\GitHub\Asset-Development\gate-of-gabethu535d797e\content</a:t>
             </a:r>
             <a:endParaRPr lang="en-US" dirty="0" smtClean="0"/>
           </a:p>
@@ -12947,7 +12941,7 @@
     </p:spTree>
     <p:extLst>
       <p:ext uri="{BB962C8B-B14F-4D97-AF65-F5344CB8AC3E}">
-        <p14:creationId xmlns="" xmlns:p14="http://schemas.microsoft.com/office/powerpoint/2010/main" val="1934116844"/>
+        <p14:creationId xmlns:p14="http://schemas.microsoft.com/office/powerpoint/2010/main" xmlns="" val="1934116844"/>
       </p:ext>
     </p:extLst>
   </p:cSld>
@@ -13185,7 +13179,7 @@
     </p:spTree>
     <p:extLst>
       <p:ext uri="{BB962C8B-B14F-4D97-AF65-F5344CB8AC3E}">
-        <p14:creationId xmlns="" xmlns:p14="http://schemas.microsoft.com/office/powerpoint/2010/main" val="3092251181"/>
+        <p14:creationId xmlns:p14="http://schemas.microsoft.com/office/powerpoint/2010/main" xmlns="" val="3092251181"/>
       </p:ext>
     </p:extLst>
   </p:cSld>
@@ -13337,7 +13331,7 @@
     </p:spTree>
     <p:extLst>
       <p:ext uri="{BB962C8B-B14F-4D97-AF65-F5344CB8AC3E}">
-        <p14:creationId xmlns="" xmlns:p14="http://schemas.microsoft.com/office/powerpoint/2010/main" val="1067613684"/>
+        <p14:creationId xmlns:p14="http://schemas.microsoft.com/office/powerpoint/2010/main" xmlns="" val="1067613684"/>
       </p:ext>
     </p:extLst>
   </p:cSld>
@@ -13490,7 +13484,7 @@
     </p:spTree>
     <p:extLst>
       <p:ext uri="{BB962C8B-B14F-4D97-AF65-F5344CB8AC3E}">
-        <p14:creationId xmlns="" xmlns:p14="http://schemas.microsoft.com/office/powerpoint/2010/main" val="3028125000"/>
+        <p14:creationId xmlns:p14="http://schemas.microsoft.com/office/powerpoint/2010/main" xmlns="" val="3028125000"/>
       </p:ext>
     </p:extLst>
   </p:cSld>
@@ -13655,7 +13649,7 @@
     </p:spTree>
     <p:extLst>
       <p:ext uri="{BB962C8B-B14F-4D97-AF65-F5344CB8AC3E}">
-        <p14:creationId xmlns="" xmlns:p14="http://schemas.microsoft.com/office/powerpoint/2010/main" val="3028125000"/>
+        <p14:creationId xmlns:p14="http://schemas.microsoft.com/office/powerpoint/2010/main" xmlns="" val="3028125000"/>
       </p:ext>
     </p:extLst>
   </p:cSld>
@@ -13851,7 +13845,7 @@
     </p:spTree>
     <p:extLst>
       <p:ext uri="{BB962C8B-B14F-4D97-AF65-F5344CB8AC3E}">
-        <p14:creationId xmlns="" xmlns:p14="http://schemas.microsoft.com/office/powerpoint/2010/main" val="3999698565"/>
+        <p14:creationId xmlns:p14="http://schemas.microsoft.com/office/powerpoint/2010/main" xmlns="" val="3999698565"/>
       </p:ext>
     </p:extLst>
   </p:cSld>
@@ -14113,7 +14107,7 @@
   <a:extraClrSchemeLst/>
   <a:extLst>
     <a:ext uri="{05A4C25C-085E-4340-85A3-A5531E510DB2}">
-      <thm15:themeFamily xmlns="" xmlns:thm15="http://schemas.microsoft.com/office/thememl/2012/main" name="Circuit" id="{0AC2F7E7-15F5-431C-B2A2-456FE929F56C}" vid="{0911B802-464C-4241-8DD9-B60FF88E379F}"/>
+      <thm15:themeFamily xmlns:thm15="http://schemas.microsoft.com/office/thememl/2012/main" xmlns="" name="Circuit" id="{0AC2F7E7-15F5-431C-B2A2-456FE929F56C}" vid="{0911B802-464C-4241-8DD9-B60FF88E379F}"/>
     </a:ext>
   </a:extLst>
 </a:theme>

--- a/Gate of GAbethulu.pptx
+++ b/Gate of GAbethulu.pptx
@@ -9,13 +9,15 @@
     <p:sldId id="257" r:id="rId3"/>
     <p:sldId id="263" r:id="rId4"/>
     <p:sldId id="262" r:id="rId5"/>
-    <p:sldId id="261" r:id="rId6"/>
-    <p:sldId id="260" r:id="rId7"/>
-    <p:sldId id="264" r:id="rId8"/>
-    <p:sldId id="265" r:id="rId9"/>
-    <p:sldId id="259" r:id="rId10"/>
-    <p:sldId id="266" r:id="rId11"/>
-    <p:sldId id="258" r:id="rId12"/>
+    <p:sldId id="267" r:id="rId6"/>
+    <p:sldId id="261" r:id="rId7"/>
+    <p:sldId id="268" r:id="rId8"/>
+    <p:sldId id="260" r:id="rId9"/>
+    <p:sldId id="264" r:id="rId10"/>
+    <p:sldId id="265" r:id="rId11"/>
+    <p:sldId id="266" r:id="rId12"/>
+    <p:sldId id="259" r:id="rId13"/>
+    <p:sldId id="258" r:id="rId14"/>
   </p:sldIdLst>
   <p:sldSz cx="12192000" cy="6858000"/>
   <p:notesSz cx="6858000" cy="9144000"/>
@@ -147,7 +149,7 @@
             <a:alphaModFix amt="30000"/>
             <a:extLst>
               <a:ext uri="{28A0092B-C50C-407E-A947-70E740481C1C}">
-                <a14:useLocalDpi xmlns:a14="http://schemas.microsoft.com/office/drawing/2010/main" xmlns="" val="0"/>
+                <a14:useLocalDpi xmlns="" xmlns:a14="http://schemas.microsoft.com/office/drawing/2010/main" val="0"/>
               </a:ext>
             </a:extLst>
           </a:blip>
@@ -167,7 +169,7 @@
           <a:noFill/>
           <a:extLst>
             <a:ext uri="{909E8E84-426E-40dd-AFC4-6F175D3DCCD1}">
-              <a14:hiddenFill xmlns="" xmlns:a14="http://schemas.microsoft.com/office/drawing/2010/main">
+              <a14:hiddenFill xmlns:a14="http://schemas.microsoft.com/office/drawing/2010/main" xmlns="">
                 <a:solidFill>
                   <a:srgbClr val="FFFFFF"/>
                 </a:solidFill>
@@ -227,7 +229,7 @@
             </a:ln>
             <a:extLst>
               <a:ext uri="{91240B29-F687-4f45-9708-019B960494DF}">
-                <a14:hiddenLine xmlns="" xmlns:a14="http://schemas.microsoft.com/office/drawing/2010/main" w="9525">
+                <a14:hiddenLine xmlns:a14="http://schemas.microsoft.com/office/drawing/2010/main" xmlns="" w="9525">
                   <a:solidFill>
                     <a:srgbClr val="000000"/>
                   </a:solidFill>
@@ -317,7 +319,7 @@
             </a:ln>
             <a:extLst>
               <a:ext uri="{91240B29-F687-4f45-9708-019B960494DF}">
-                <a14:hiddenLine xmlns="" xmlns:a14="http://schemas.microsoft.com/office/drawing/2010/main" w="9525">
+                <a14:hiddenLine xmlns:a14="http://schemas.microsoft.com/office/drawing/2010/main" xmlns="" w="9525">
                   <a:solidFill>
                     <a:srgbClr val="000000"/>
                   </a:solidFill>
@@ -407,7 +409,7 @@
             </a:ln>
             <a:extLst>
               <a:ext uri="{91240B29-F687-4f45-9708-019B960494DF}">
-                <a14:hiddenLine xmlns="" xmlns:a14="http://schemas.microsoft.com/office/drawing/2010/main" w="9525">
+                <a14:hiddenLine xmlns:a14="http://schemas.microsoft.com/office/drawing/2010/main" xmlns="" w="9525">
                   <a:solidFill>
                     <a:srgbClr val="000000"/>
                   </a:solidFill>
@@ -441,7 +443,7 @@
             </a:ln>
             <a:extLst>
               <a:ext uri="{91240B29-F687-4f45-9708-019B960494DF}">
-                <a14:hiddenLine xmlns="" xmlns:a14="http://schemas.microsoft.com/office/drawing/2010/main" w="9525">
+                <a14:hiddenLine xmlns:a14="http://schemas.microsoft.com/office/drawing/2010/main" xmlns="" w="9525">
                   <a:solidFill>
                     <a:srgbClr val="000000"/>
                   </a:solidFill>
@@ -531,7 +533,7 @@
             </a:ln>
             <a:extLst>
               <a:ext uri="{91240B29-F687-4f45-9708-019B960494DF}">
-                <a14:hiddenLine xmlns="" xmlns:a14="http://schemas.microsoft.com/office/drawing/2010/main" w="9525">
+                <a14:hiddenLine xmlns:a14="http://schemas.microsoft.com/office/drawing/2010/main" xmlns="" w="9525">
                   <a:solidFill>
                     <a:srgbClr val="000000"/>
                   </a:solidFill>
@@ -593,7 +595,7 @@
             </a:ln>
             <a:extLst>
               <a:ext uri="{91240B29-F687-4f45-9708-019B960494DF}">
-                <a14:hiddenLine xmlns="" xmlns:a14="http://schemas.microsoft.com/office/drawing/2010/main" w="9525">
+                <a14:hiddenLine xmlns:a14="http://schemas.microsoft.com/office/drawing/2010/main" xmlns="" w="9525">
                   <a:solidFill>
                     <a:srgbClr val="000000"/>
                   </a:solidFill>
@@ -655,7 +657,7 @@
             </a:ln>
             <a:extLst>
               <a:ext uri="{91240B29-F687-4f45-9708-019B960494DF}">
-                <a14:hiddenLine xmlns="" xmlns:a14="http://schemas.microsoft.com/office/drawing/2010/main" w="9525">
+                <a14:hiddenLine xmlns:a14="http://schemas.microsoft.com/office/drawing/2010/main" xmlns="" w="9525">
                   <a:solidFill>
                     <a:srgbClr val="000000"/>
                   </a:solidFill>
@@ -745,7 +747,7 @@
             </a:ln>
             <a:extLst>
               <a:ext uri="{91240B29-F687-4f45-9708-019B960494DF}">
-                <a14:hiddenLine xmlns="" xmlns:a14="http://schemas.microsoft.com/office/drawing/2010/main" w="9525">
+                <a14:hiddenLine xmlns:a14="http://schemas.microsoft.com/office/drawing/2010/main" xmlns="" w="9525">
                   <a:solidFill>
                     <a:srgbClr val="000000"/>
                   </a:solidFill>
@@ -807,7 +809,7 @@
             </a:ln>
             <a:extLst>
               <a:ext uri="{91240B29-F687-4f45-9708-019B960494DF}">
-                <a14:hiddenLine xmlns="" xmlns:a14="http://schemas.microsoft.com/office/drawing/2010/main" w="9525">
+                <a14:hiddenLine xmlns:a14="http://schemas.microsoft.com/office/drawing/2010/main" xmlns="" w="9525">
                   <a:solidFill>
                     <a:srgbClr val="000000"/>
                   </a:solidFill>
@@ -869,7 +871,7 @@
             </a:ln>
             <a:extLst>
               <a:ext uri="{91240B29-F687-4f45-9708-019B960494DF}">
-                <a14:hiddenLine xmlns="" xmlns:a14="http://schemas.microsoft.com/office/drawing/2010/main" w="9525">
+                <a14:hiddenLine xmlns:a14="http://schemas.microsoft.com/office/drawing/2010/main" xmlns="" w="9525">
                   <a:solidFill>
                     <a:srgbClr val="000000"/>
                   </a:solidFill>
@@ -959,7 +961,7 @@
             </a:ln>
             <a:extLst>
               <a:ext uri="{91240B29-F687-4f45-9708-019B960494DF}">
-                <a14:hiddenLine xmlns="" xmlns:a14="http://schemas.microsoft.com/office/drawing/2010/main" w="9525">
+                <a14:hiddenLine xmlns:a14="http://schemas.microsoft.com/office/drawing/2010/main" xmlns="" w="9525">
                   <a:solidFill>
                     <a:srgbClr val="000000"/>
                   </a:solidFill>
@@ -1049,7 +1051,7 @@
             </a:ln>
             <a:extLst>
               <a:ext uri="{91240B29-F687-4f45-9708-019B960494DF}">
-                <a14:hiddenLine xmlns="" xmlns:a14="http://schemas.microsoft.com/office/drawing/2010/main" w="9525">
+                <a14:hiddenLine xmlns:a14="http://schemas.microsoft.com/office/drawing/2010/main" xmlns="" w="9525">
                   <a:solidFill>
                     <a:srgbClr val="000000"/>
                   </a:solidFill>
@@ -1111,7 +1113,7 @@
             </a:ln>
             <a:extLst>
               <a:ext uri="{91240B29-F687-4f45-9708-019B960494DF}">
-                <a14:hiddenLine xmlns="" xmlns:a14="http://schemas.microsoft.com/office/drawing/2010/main" w="9525">
+                <a14:hiddenLine xmlns:a14="http://schemas.microsoft.com/office/drawing/2010/main" xmlns="" w="9525">
                   <a:solidFill>
                     <a:srgbClr val="000000"/>
                   </a:solidFill>
@@ -1221,7 +1223,7 @@
             </a:ln>
             <a:extLst>
               <a:ext uri="{91240B29-F687-4f45-9708-019B960494DF}">
-                <a14:hiddenLine xmlns="" xmlns:a14="http://schemas.microsoft.com/office/drawing/2010/main" w="9525">
+                <a14:hiddenLine xmlns:a14="http://schemas.microsoft.com/office/drawing/2010/main" xmlns="" w="9525">
                   <a:solidFill>
                     <a:srgbClr val="000000"/>
                   </a:solidFill>
@@ -1283,7 +1285,7 @@
             </a:ln>
             <a:extLst>
               <a:ext uri="{91240B29-F687-4f45-9708-019B960494DF}">
-                <a14:hiddenLine xmlns="" xmlns:a14="http://schemas.microsoft.com/office/drawing/2010/main" w="9525">
+                <a14:hiddenLine xmlns:a14="http://schemas.microsoft.com/office/drawing/2010/main" xmlns="" w="9525">
                   <a:solidFill>
                     <a:srgbClr val="000000"/>
                   </a:solidFill>
@@ -1373,7 +1375,7 @@
             </a:ln>
             <a:extLst>
               <a:ext uri="{91240B29-F687-4f45-9708-019B960494DF}">
-                <a14:hiddenLine xmlns="" xmlns:a14="http://schemas.microsoft.com/office/drawing/2010/main" w="9525">
+                <a14:hiddenLine xmlns:a14="http://schemas.microsoft.com/office/drawing/2010/main" xmlns="" w="9525">
                   <a:solidFill>
                     <a:srgbClr val="000000"/>
                   </a:solidFill>
@@ -1463,7 +1465,7 @@
             </a:ln>
             <a:extLst>
               <a:ext uri="{91240B29-F687-4f45-9708-019B960494DF}">
-                <a14:hiddenLine xmlns="" xmlns:a14="http://schemas.microsoft.com/office/drawing/2010/main" w="9525">
+                <a14:hiddenLine xmlns:a14="http://schemas.microsoft.com/office/drawing/2010/main" xmlns="" w="9525">
                   <a:solidFill>
                     <a:srgbClr val="000000"/>
                   </a:solidFill>
@@ -1525,7 +1527,7 @@
             </a:ln>
             <a:extLst>
               <a:ext uri="{91240B29-F687-4f45-9708-019B960494DF}">
-                <a14:hiddenLine xmlns="" xmlns:a14="http://schemas.microsoft.com/office/drawing/2010/main" w="9525">
+                <a14:hiddenLine xmlns:a14="http://schemas.microsoft.com/office/drawing/2010/main" xmlns="" w="9525">
                   <a:solidFill>
                     <a:srgbClr val="000000"/>
                   </a:solidFill>
@@ -1615,7 +1617,7 @@
             </a:ln>
             <a:extLst>
               <a:ext uri="{91240B29-F687-4f45-9708-019B960494DF}">
-                <a14:hiddenLine xmlns="" xmlns:a14="http://schemas.microsoft.com/office/drawing/2010/main" w="9525">
+                <a14:hiddenLine xmlns:a14="http://schemas.microsoft.com/office/drawing/2010/main" xmlns="" w="9525">
                   <a:solidFill>
                     <a:srgbClr val="000000"/>
                   </a:solidFill>
@@ -1705,7 +1707,7 @@
             </a:ln>
             <a:extLst>
               <a:ext uri="{91240B29-F687-4f45-9708-019B960494DF}">
-                <a14:hiddenLine xmlns="" xmlns:a14="http://schemas.microsoft.com/office/drawing/2010/main" w="9525">
+                <a14:hiddenLine xmlns:a14="http://schemas.microsoft.com/office/drawing/2010/main" xmlns="" w="9525">
                   <a:solidFill>
                     <a:srgbClr val="000000"/>
                   </a:solidFill>
@@ -1761,7 +1763,7 @@
             </a:ln>
             <a:extLst>
               <a:ext uri="{91240B29-F687-4f45-9708-019B960494DF}">
-                <a14:hiddenLine xmlns="" xmlns:a14="http://schemas.microsoft.com/office/drawing/2010/main" w="9525">
+                <a14:hiddenLine xmlns:a14="http://schemas.microsoft.com/office/drawing/2010/main" xmlns="" w="9525">
                   <a:solidFill>
                     <a:srgbClr val="000000"/>
                   </a:solidFill>
@@ -1851,7 +1853,7 @@
             </a:ln>
             <a:extLst>
               <a:ext uri="{91240B29-F687-4f45-9708-019B960494DF}">
-                <a14:hiddenLine xmlns="" xmlns:a14="http://schemas.microsoft.com/office/drawing/2010/main" w="9525">
+                <a14:hiddenLine xmlns:a14="http://schemas.microsoft.com/office/drawing/2010/main" xmlns="" w="9525">
                   <a:solidFill>
                     <a:srgbClr val="000000"/>
                   </a:solidFill>
@@ -1907,7 +1909,7 @@
             </a:ln>
             <a:extLst>
               <a:ext uri="{91240B29-F687-4f45-9708-019B960494DF}">
-                <a14:hiddenLine xmlns="" xmlns:a14="http://schemas.microsoft.com/office/drawing/2010/main" w="9525">
+                <a14:hiddenLine xmlns:a14="http://schemas.microsoft.com/office/drawing/2010/main" xmlns="" w="9525">
                   <a:solidFill>
                     <a:srgbClr val="000000"/>
                   </a:solidFill>
@@ -1997,7 +1999,7 @@
             </a:ln>
             <a:extLst>
               <a:ext uri="{91240B29-F687-4f45-9708-019B960494DF}">
-                <a14:hiddenLine xmlns="" xmlns:a14="http://schemas.microsoft.com/office/drawing/2010/main" w="9525">
+                <a14:hiddenLine xmlns:a14="http://schemas.microsoft.com/office/drawing/2010/main" xmlns="" w="9525">
                   <a:solidFill>
                     <a:srgbClr val="000000"/>
                   </a:solidFill>
@@ -2065,7 +2067,7 @@
             </a:ln>
             <a:extLst>
               <a:ext uri="{91240B29-F687-4f45-9708-019B960494DF}">
-                <a14:hiddenLine xmlns="" xmlns:a14="http://schemas.microsoft.com/office/drawing/2010/main" w="9525">
+                <a14:hiddenLine xmlns:a14="http://schemas.microsoft.com/office/drawing/2010/main" xmlns="" w="9525">
                   <a:solidFill>
                     <a:srgbClr val="000000"/>
                   </a:solidFill>
@@ -2155,7 +2157,7 @@
             </a:ln>
             <a:extLst>
               <a:ext uri="{91240B29-F687-4f45-9708-019B960494DF}">
-                <a14:hiddenLine xmlns="" xmlns:a14="http://schemas.microsoft.com/office/drawing/2010/main" w="9525">
+                <a14:hiddenLine xmlns:a14="http://schemas.microsoft.com/office/drawing/2010/main" xmlns="" w="9525">
                   <a:solidFill>
                     <a:srgbClr val="000000"/>
                   </a:solidFill>
@@ -2223,7 +2225,7 @@
             </a:ln>
             <a:extLst>
               <a:ext uri="{91240B29-F687-4f45-9708-019B960494DF}">
-                <a14:hiddenLine xmlns="" xmlns:a14="http://schemas.microsoft.com/office/drawing/2010/main" w="9525">
+                <a14:hiddenLine xmlns:a14="http://schemas.microsoft.com/office/drawing/2010/main" xmlns="" w="9525">
                   <a:solidFill>
                     <a:srgbClr val="000000"/>
                   </a:solidFill>
@@ -2313,7 +2315,7 @@
             </a:ln>
             <a:extLst>
               <a:ext uri="{91240B29-F687-4f45-9708-019B960494DF}">
-                <a14:hiddenLine xmlns="" xmlns:a14="http://schemas.microsoft.com/office/drawing/2010/main" w="9525">
+                <a14:hiddenLine xmlns:a14="http://schemas.microsoft.com/office/drawing/2010/main" xmlns="" w="9525">
                   <a:solidFill>
                     <a:srgbClr val="000000"/>
                   </a:solidFill>
@@ -2347,7 +2349,7 @@
             </a:ln>
             <a:extLst>
               <a:ext uri="{91240B29-F687-4f45-9708-019B960494DF}">
-                <a14:hiddenLine xmlns="" xmlns:a14="http://schemas.microsoft.com/office/drawing/2010/main" w="9525">
+                <a14:hiddenLine xmlns:a14="http://schemas.microsoft.com/office/drawing/2010/main" xmlns="" w="9525">
                   <a:solidFill>
                     <a:srgbClr val="000000"/>
                   </a:solidFill>
@@ -2437,7 +2439,7 @@
             </a:ln>
             <a:extLst>
               <a:ext uri="{91240B29-F687-4f45-9708-019B960494DF}">
-                <a14:hiddenLine xmlns="" xmlns:a14="http://schemas.microsoft.com/office/drawing/2010/main" w="9525">
+                <a14:hiddenLine xmlns:a14="http://schemas.microsoft.com/office/drawing/2010/main" xmlns="" w="9525">
                   <a:solidFill>
                     <a:srgbClr val="000000"/>
                   </a:solidFill>
@@ -2499,7 +2501,7 @@
             </a:ln>
             <a:extLst>
               <a:ext uri="{91240B29-F687-4f45-9708-019B960494DF}">
-                <a14:hiddenLine xmlns="" xmlns:a14="http://schemas.microsoft.com/office/drawing/2010/main" w="9525">
+                <a14:hiddenLine xmlns:a14="http://schemas.microsoft.com/office/drawing/2010/main" xmlns="" w="9525">
                   <a:solidFill>
                     <a:srgbClr val="000000"/>
                   </a:solidFill>
@@ -2561,7 +2563,7 @@
             </a:ln>
             <a:extLst>
               <a:ext uri="{91240B29-F687-4f45-9708-019B960494DF}">
-                <a14:hiddenLine xmlns="" xmlns:a14="http://schemas.microsoft.com/office/drawing/2010/main" w="9525">
+                <a14:hiddenLine xmlns:a14="http://schemas.microsoft.com/office/drawing/2010/main" xmlns="" w="9525">
                   <a:solidFill>
                     <a:srgbClr val="000000"/>
                   </a:solidFill>
@@ -2651,7 +2653,7 @@
             </a:ln>
             <a:extLst>
               <a:ext uri="{91240B29-F687-4f45-9708-019B960494DF}">
-                <a14:hiddenLine xmlns="" xmlns:a14="http://schemas.microsoft.com/office/drawing/2010/main" w="9525">
+                <a14:hiddenLine xmlns:a14="http://schemas.microsoft.com/office/drawing/2010/main" xmlns="" w="9525">
                   <a:solidFill>
                     <a:srgbClr val="000000"/>
                   </a:solidFill>
@@ -2719,7 +2721,7 @@
             </a:ln>
             <a:extLst>
               <a:ext uri="{91240B29-F687-4f45-9708-019B960494DF}">
-                <a14:hiddenLine xmlns="" xmlns:a14="http://schemas.microsoft.com/office/drawing/2010/main" w="9525">
+                <a14:hiddenLine xmlns:a14="http://schemas.microsoft.com/office/drawing/2010/main" xmlns="" w="9525">
                   <a:solidFill>
                     <a:srgbClr val="000000"/>
                   </a:solidFill>
@@ -2781,7 +2783,7 @@
             </a:ln>
             <a:extLst>
               <a:ext uri="{91240B29-F687-4f45-9708-019B960494DF}">
-                <a14:hiddenLine xmlns="" xmlns:a14="http://schemas.microsoft.com/office/drawing/2010/main" w="9525">
+                <a14:hiddenLine xmlns:a14="http://schemas.microsoft.com/office/drawing/2010/main" xmlns="" w="9525">
                   <a:solidFill>
                     <a:srgbClr val="000000"/>
                   </a:solidFill>
@@ -2871,7 +2873,7 @@
             </a:ln>
             <a:extLst>
               <a:ext uri="{91240B29-F687-4f45-9708-019B960494DF}">
-                <a14:hiddenLine xmlns="" xmlns:a14="http://schemas.microsoft.com/office/drawing/2010/main" w="9525">
+                <a14:hiddenLine xmlns:a14="http://schemas.microsoft.com/office/drawing/2010/main" xmlns="" w="9525">
                   <a:solidFill>
                     <a:srgbClr val="000000"/>
                   </a:solidFill>
@@ -2933,7 +2935,7 @@
             </a:ln>
             <a:extLst>
               <a:ext uri="{91240B29-F687-4f45-9708-019B960494DF}">
-                <a14:hiddenLine xmlns="" xmlns:a14="http://schemas.microsoft.com/office/drawing/2010/main" w="9525">
+                <a14:hiddenLine xmlns:a14="http://schemas.microsoft.com/office/drawing/2010/main" xmlns="" w="9525">
                   <a:solidFill>
                     <a:srgbClr val="000000"/>
                   </a:solidFill>
@@ -3023,7 +3025,7 @@
             </a:ln>
             <a:extLst>
               <a:ext uri="{91240B29-F687-4f45-9708-019B960494DF}">
-                <a14:hiddenLine xmlns="" xmlns:a14="http://schemas.microsoft.com/office/drawing/2010/main" w="9525">
+                <a14:hiddenLine xmlns:a14="http://schemas.microsoft.com/office/drawing/2010/main" xmlns="" w="9525">
                   <a:solidFill>
                     <a:srgbClr val="000000"/>
                   </a:solidFill>
@@ -3085,7 +3087,7 @@
             </a:ln>
             <a:extLst>
               <a:ext uri="{91240B29-F687-4f45-9708-019B960494DF}">
-                <a14:hiddenLine xmlns="" xmlns:a14="http://schemas.microsoft.com/office/drawing/2010/main" w="9525">
+                <a14:hiddenLine xmlns:a14="http://schemas.microsoft.com/office/drawing/2010/main" xmlns="" w="9525">
                   <a:solidFill>
                     <a:srgbClr val="000000"/>
                   </a:solidFill>
@@ -3175,7 +3177,7 @@
             </a:ln>
             <a:extLst>
               <a:ext uri="{91240B29-F687-4f45-9708-019B960494DF}">
-                <a14:hiddenLine xmlns="" xmlns:a14="http://schemas.microsoft.com/office/drawing/2010/main" w="9525">
+                <a14:hiddenLine xmlns:a14="http://schemas.microsoft.com/office/drawing/2010/main" xmlns="" w="9525">
                   <a:solidFill>
                     <a:srgbClr val="000000"/>
                   </a:solidFill>
@@ -3209,7 +3211,7 @@
             </a:ln>
             <a:extLst>
               <a:ext uri="{91240B29-F687-4f45-9708-019B960494DF}">
-                <a14:hiddenLine xmlns="" xmlns:a14="http://schemas.microsoft.com/office/drawing/2010/main" w="9525">
+                <a14:hiddenLine xmlns:a14="http://schemas.microsoft.com/office/drawing/2010/main" xmlns="" w="9525">
                   <a:solidFill>
                     <a:srgbClr val="000000"/>
                   </a:solidFill>
@@ -3274,7 +3276,7 @@
             </a:ln>
             <a:extLst>
               <a:ext uri="{91240B29-F687-4f45-9708-019B960494DF}">
-                <a14:hiddenLine xmlns="" xmlns:a14="http://schemas.microsoft.com/office/drawing/2010/main" w="9525">
+                <a14:hiddenLine xmlns:a14="http://schemas.microsoft.com/office/drawing/2010/main" xmlns="" w="9525">
                   <a:solidFill>
                     <a:srgbClr val="000000"/>
                   </a:solidFill>
@@ -3364,7 +3366,7 @@
             </a:ln>
             <a:extLst>
               <a:ext uri="{91240B29-F687-4f45-9708-019B960494DF}">
-                <a14:hiddenLine xmlns="" xmlns:a14="http://schemas.microsoft.com/office/drawing/2010/main" w="9525">
+                <a14:hiddenLine xmlns:a14="http://schemas.microsoft.com/office/drawing/2010/main" xmlns="" w="9525">
                   <a:solidFill>
                     <a:srgbClr val="000000"/>
                   </a:solidFill>
@@ -3426,7 +3428,7 @@
             </a:ln>
             <a:extLst>
               <a:ext uri="{91240B29-F687-4f45-9708-019B960494DF}">
-                <a14:hiddenLine xmlns="" xmlns:a14="http://schemas.microsoft.com/office/drawing/2010/main" w="9525">
+                <a14:hiddenLine xmlns:a14="http://schemas.microsoft.com/office/drawing/2010/main" xmlns="" w="9525">
                   <a:solidFill>
                     <a:srgbClr val="000000"/>
                   </a:solidFill>
@@ -3516,7 +3518,7 @@
             </a:ln>
             <a:extLst>
               <a:ext uri="{91240B29-F687-4f45-9708-019B960494DF}">
-                <a14:hiddenLine xmlns="" xmlns:a14="http://schemas.microsoft.com/office/drawing/2010/main" w="9525">
+                <a14:hiddenLine xmlns:a14="http://schemas.microsoft.com/office/drawing/2010/main" xmlns="" w="9525">
                   <a:solidFill>
                     <a:srgbClr val="000000"/>
                   </a:solidFill>
@@ -3606,7 +3608,7 @@
             </a:ln>
             <a:extLst>
               <a:ext uri="{91240B29-F687-4f45-9708-019B960494DF}">
-                <a14:hiddenLine xmlns="" xmlns:a14="http://schemas.microsoft.com/office/drawing/2010/main" w="9525">
+                <a14:hiddenLine xmlns:a14="http://schemas.microsoft.com/office/drawing/2010/main" xmlns="" w="9525">
                   <a:solidFill>
                     <a:srgbClr val="000000"/>
                   </a:solidFill>
@@ -3671,7 +3673,7 @@
             </a:ln>
             <a:extLst>
               <a:ext uri="{91240B29-F687-4f45-9708-019B960494DF}">
-                <a14:hiddenLine xmlns="" xmlns:a14="http://schemas.microsoft.com/office/drawing/2010/main" w="9525">
+                <a14:hiddenLine xmlns:a14="http://schemas.microsoft.com/office/drawing/2010/main" xmlns="" w="9525">
                   <a:solidFill>
                     <a:srgbClr val="000000"/>
                   </a:solidFill>
@@ -3733,7 +3735,7 @@
             </a:ln>
             <a:extLst>
               <a:ext uri="{91240B29-F687-4f45-9708-019B960494DF}">
-                <a14:hiddenLine xmlns="" xmlns:a14="http://schemas.microsoft.com/office/drawing/2010/main" w="9525">
+                <a14:hiddenLine xmlns:a14="http://schemas.microsoft.com/office/drawing/2010/main" xmlns="" w="9525">
                   <a:solidFill>
                     <a:srgbClr val="000000"/>
                   </a:solidFill>
@@ -3823,7 +3825,7 @@
             </a:ln>
             <a:extLst>
               <a:ext uri="{91240B29-F687-4f45-9708-019B960494DF}">
-                <a14:hiddenLine xmlns="" xmlns:a14="http://schemas.microsoft.com/office/drawing/2010/main" w="9525">
+                <a14:hiddenLine xmlns:a14="http://schemas.microsoft.com/office/drawing/2010/main" xmlns="" w="9525">
                   <a:solidFill>
                     <a:srgbClr val="000000"/>
                   </a:solidFill>
@@ -3913,7 +3915,7 @@
             </a:ln>
             <a:extLst>
               <a:ext uri="{91240B29-F687-4f45-9708-019B960494DF}">
-                <a14:hiddenLine xmlns="" xmlns:a14="http://schemas.microsoft.com/office/drawing/2010/main" w="9525">
+                <a14:hiddenLine xmlns:a14="http://schemas.microsoft.com/office/drawing/2010/main" xmlns="" w="9525">
                   <a:solidFill>
                     <a:srgbClr val="000000"/>
                   </a:solidFill>
@@ -3975,7 +3977,7 @@
             </a:ln>
             <a:extLst>
               <a:ext uri="{91240B29-F687-4f45-9708-019B960494DF}">
-                <a14:hiddenLine xmlns="" xmlns:a14="http://schemas.microsoft.com/office/drawing/2010/main" w="9525">
+                <a14:hiddenLine xmlns:a14="http://schemas.microsoft.com/office/drawing/2010/main" xmlns="" w="9525">
                   <a:solidFill>
                     <a:srgbClr val="000000"/>
                   </a:solidFill>
@@ -4095,7 +4097,7 @@
             </a:ln>
             <a:extLst>
               <a:ext uri="{91240B29-F687-4f45-9708-019B960494DF}">
-                <a14:hiddenLine xmlns="" xmlns:a14="http://schemas.microsoft.com/office/drawing/2010/main" w="9525">
+                <a14:hiddenLine xmlns:a14="http://schemas.microsoft.com/office/drawing/2010/main" xmlns="" w="9525">
                   <a:solidFill>
                     <a:srgbClr val="000000"/>
                   </a:solidFill>
@@ -4163,7 +4165,7 @@
             </a:ln>
             <a:extLst>
               <a:ext uri="{91240B29-F687-4f45-9708-019B960494DF}">
-                <a14:hiddenLine xmlns="" xmlns:a14="http://schemas.microsoft.com/office/drawing/2010/main" w="9525">
+                <a14:hiddenLine xmlns:a14="http://schemas.microsoft.com/office/drawing/2010/main" xmlns="" w="9525">
                   <a:solidFill>
                     <a:srgbClr val="000000"/>
                   </a:solidFill>
@@ -4253,7 +4255,7 @@
             </a:ln>
             <a:extLst>
               <a:ext uri="{91240B29-F687-4f45-9708-019B960494DF}">
-                <a14:hiddenLine xmlns="" xmlns:a14="http://schemas.microsoft.com/office/drawing/2010/main" w="9525">
+                <a14:hiddenLine xmlns:a14="http://schemas.microsoft.com/office/drawing/2010/main" xmlns="" w="9525">
                   <a:solidFill>
                     <a:srgbClr val="000000"/>
                   </a:solidFill>
@@ -8989,7 +8991,7 @@
             <a:alphaModFix amt="30000"/>
             <a:extLst>
               <a:ext uri="{28A0092B-C50C-407E-A947-70E740481C1C}">
-                <a14:useLocalDpi xmlns:a14="http://schemas.microsoft.com/office/drawing/2010/main" xmlns="" val="0"/>
+                <a14:useLocalDpi xmlns="" xmlns:a14="http://schemas.microsoft.com/office/drawing/2010/main" val="0"/>
               </a:ext>
             </a:extLst>
           </a:blip>
@@ -9009,7 +9011,7 @@
           <a:noFill/>
           <a:extLst>
             <a:ext uri="{909E8E84-426E-40dd-AFC4-6F175D3DCCD1}">
-              <a14:hiddenFill xmlns="" xmlns:a14="http://schemas.microsoft.com/office/drawing/2010/main">
+              <a14:hiddenFill xmlns:a14="http://schemas.microsoft.com/office/drawing/2010/main" xmlns="">
                 <a:solidFill>
                   <a:srgbClr val="FFFFFF"/>
                 </a:solidFill>
@@ -9083,7 +9085,7 @@
               </a:ln>
               <a:extLst>
                 <a:ext uri="{91240B29-F687-4f45-9708-019B960494DF}">
-                  <a14:hiddenLine xmlns="" xmlns:a14="http://schemas.microsoft.com/office/drawing/2010/main" w="9525">
+                  <a14:hiddenLine xmlns:a14="http://schemas.microsoft.com/office/drawing/2010/main" xmlns="" w="9525">
                     <a:solidFill>
                       <a:srgbClr val="000000"/>
                     </a:solidFill>
@@ -9173,7 +9175,7 @@
               </a:ln>
               <a:extLst>
                 <a:ext uri="{91240B29-F687-4f45-9708-019B960494DF}">
-                  <a14:hiddenLine xmlns="" xmlns:a14="http://schemas.microsoft.com/office/drawing/2010/main" w="9525">
+                  <a14:hiddenLine xmlns:a14="http://schemas.microsoft.com/office/drawing/2010/main" xmlns="" w="9525">
                     <a:solidFill>
                       <a:srgbClr val="000000"/>
                     </a:solidFill>
@@ -9263,7 +9265,7 @@
               </a:ln>
               <a:extLst>
                 <a:ext uri="{91240B29-F687-4f45-9708-019B960494DF}">
-                  <a14:hiddenLine xmlns="" xmlns:a14="http://schemas.microsoft.com/office/drawing/2010/main" w="9525">
+                  <a14:hiddenLine xmlns:a14="http://schemas.microsoft.com/office/drawing/2010/main" xmlns="" w="9525">
                     <a:solidFill>
                       <a:srgbClr val="000000"/>
                     </a:solidFill>
@@ -9325,7 +9327,7 @@
               </a:ln>
               <a:extLst>
                 <a:ext uri="{91240B29-F687-4f45-9708-019B960494DF}">
-                  <a14:hiddenLine xmlns="" xmlns:a14="http://schemas.microsoft.com/office/drawing/2010/main" w="9525">
+                  <a14:hiddenLine xmlns:a14="http://schemas.microsoft.com/office/drawing/2010/main" xmlns="" w="9525">
                     <a:solidFill>
                       <a:srgbClr val="000000"/>
                     </a:solidFill>
@@ -9415,7 +9417,7 @@
               </a:ln>
               <a:extLst>
                 <a:ext uri="{91240B29-F687-4f45-9708-019B960494DF}">
-                  <a14:hiddenLine xmlns="" xmlns:a14="http://schemas.microsoft.com/office/drawing/2010/main" w="9525">
+                  <a14:hiddenLine xmlns:a14="http://schemas.microsoft.com/office/drawing/2010/main" xmlns="" w="9525">
                     <a:solidFill>
                       <a:srgbClr val="000000"/>
                     </a:solidFill>
@@ -9477,7 +9479,7 @@
               </a:ln>
               <a:extLst>
                 <a:ext uri="{91240B29-F687-4f45-9708-019B960494DF}">
-                  <a14:hiddenLine xmlns="" xmlns:a14="http://schemas.microsoft.com/office/drawing/2010/main" w="9525">
+                  <a14:hiddenLine xmlns:a14="http://schemas.microsoft.com/office/drawing/2010/main" xmlns="" w="9525">
                     <a:solidFill>
                       <a:srgbClr val="000000"/>
                     </a:solidFill>
@@ -9539,7 +9541,7 @@
               </a:ln>
               <a:extLst>
                 <a:ext uri="{91240B29-F687-4f45-9708-019B960494DF}">
-                  <a14:hiddenLine xmlns="" xmlns:a14="http://schemas.microsoft.com/office/drawing/2010/main" w="9525">
+                  <a14:hiddenLine xmlns:a14="http://schemas.microsoft.com/office/drawing/2010/main" xmlns="" w="9525">
                     <a:solidFill>
                       <a:srgbClr val="000000"/>
                     </a:solidFill>
@@ -9629,7 +9631,7 @@
               </a:ln>
               <a:extLst>
                 <a:ext uri="{91240B29-F687-4f45-9708-019B960494DF}">
-                  <a14:hiddenLine xmlns="" xmlns:a14="http://schemas.microsoft.com/office/drawing/2010/main" w="9525">
+                  <a14:hiddenLine xmlns:a14="http://schemas.microsoft.com/office/drawing/2010/main" xmlns="" w="9525">
                     <a:solidFill>
                       <a:srgbClr val="000000"/>
                     </a:solidFill>
@@ -9719,7 +9721,7 @@
               </a:ln>
               <a:extLst>
                 <a:ext uri="{91240B29-F687-4f45-9708-019B960494DF}">
-                  <a14:hiddenLine xmlns="" xmlns:a14="http://schemas.microsoft.com/office/drawing/2010/main" w="9525">
+                  <a14:hiddenLine xmlns:a14="http://schemas.microsoft.com/office/drawing/2010/main" xmlns="" w="9525">
                     <a:solidFill>
                       <a:srgbClr val="000000"/>
                     </a:solidFill>
@@ -9781,7 +9783,7 @@
               </a:ln>
               <a:extLst>
                 <a:ext uri="{91240B29-F687-4f45-9708-019B960494DF}">
-                  <a14:hiddenLine xmlns="" xmlns:a14="http://schemas.microsoft.com/office/drawing/2010/main" w="9525">
+                  <a14:hiddenLine xmlns:a14="http://schemas.microsoft.com/office/drawing/2010/main" xmlns="" w="9525">
                     <a:solidFill>
                       <a:srgbClr val="000000"/>
                     </a:solidFill>
@@ -9891,7 +9893,7 @@
               </a:ln>
               <a:extLst>
                 <a:ext uri="{91240B29-F687-4f45-9708-019B960494DF}">
-                  <a14:hiddenLine xmlns="" xmlns:a14="http://schemas.microsoft.com/office/drawing/2010/main" w="9525">
+                  <a14:hiddenLine xmlns:a14="http://schemas.microsoft.com/office/drawing/2010/main" xmlns="" w="9525">
                     <a:solidFill>
                       <a:srgbClr val="000000"/>
                     </a:solidFill>
@@ -9975,7 +9977,7 @@
               </a:ln>
               <a:extLst>
                 <a:ext uri="{91240B29-F687-4f45-9708-019B960494DF}">
-                  <a14:hiddenLine xmlns="" xmlns:a14="http://schemas.microsoft.com/office/drawing/2010/main" w="9525">
+                  <a14:hiddenLine xmlns:a14="http://schemas.microsoft.com/office/drawing/2010/main" xmlns="" w="9525">
                     <a:solidFill>
                       <a:srgbClr val="000000"/>
                     </a:solidFill>
@@ -10037,7 +10039,7 @@
               </a:ln>
               <a:extLst>
                 <a:ext uri="{91240B29-F687-4f45-9708-019B960494DF}">
-                  <a14:hiddenLine xmlns="" xmlns:a14="http://schemas.microsoft.com/office/drawing/2010/main" w="9525">
+                  <a14:hiddenLine xmlns:a14="http://schemas.microsoft.com/office/drawing/2010/main" xmlns="" w="9525">
                     <a:solidFill>
                       <a:srgbClr val="000000"/>
                     </a:solidFill>
@@ -10099,7 +10101,7 @@
               </a:ln>
               <a:extLst>
                 <a:ext uri="{91240B29-F687-4f45-9708-019B960494DF}">
-                  <a14:hiddenLine xmlns="" xmlns:a14="http://schemas.microsoft.com/office/drawing/2010/main" w="9525">
+                  <a14:hiddenLine xmlns:a14="http://schemas.microsoft.com/office/drawing/2010/main" xmlns="" w="9525">
                     <a:solidFill>
                       <a:srgbClr val="000000"/>
                     </a:solidFill>
@@ -10189,7 +10191,7 @@
               </a:ln>
               <a:extLst>
                 <a:ext uri="{91240B29-F687-4f45-9708-019B960494DF}">
-                  <a14:hiddenLine xmlns="" xmlns:a14="http://schemas.microsoft.com/office/drawing/2010/main" w="9525">
+                  <a14:hiddenLine xmlns:a14="http://schemas.microsoft.com/office/drawing/2010/main" xmlns="" w="9525">
                     <a:solidFill>
                       <a:srgbClr val="000000"/>
                     </a:solidFill>
@@ -10223,7 +10225,7 @@
               </a:ln>
               <a:extLst>
                 <a:ext uri="{91240B29-F687-4f45-9708-019B960494DF}">
-                  <a14:hiddenLine xmlns="" xmlns:a14="http://schemas.microsoft.com/office/drawing/2010/main" w="9525">
+                  <a14:hiddenLine xmlns:a14="http://schemas.microsoft.com/office/drawing/2010/main" xmlns="" w="9525">
                     <a:solidFill>
                       <a:srgbClr val="000000"/>
                     </a:solidFill>
@@ -10288,7 +10290,7 @@
               </a:ln>
               <a:extLst>
                 <a:ext uri="{91240B29-F687-4f45-9708-019B960494DF}">
-                  <a14:hiddenLine xmlns="" xmlns:a14="http://schemas.microsoft.com/office/drawing/2010/main" w="9525">
+                  <a14:hiddenLine xmlns:a14="http://schemas.microsoft.com/office/drawing/2010/main" xmlns="" w="9525">
                     <a:solidFill>
                       <a:srgbClr val="000000"/>
                     </a:solidFill>
@@ -10378,7 +10380,7 @@
               </a:ln>
               <a:extLst>
                 <a:ext uri="{91240B29-F687-4f45-9708-019B960494DF}">
-                  <a14:hiddenLine xmlns="" xmlns:a14="http://schemas.microsoft.com/office/drawing/2010/main" w="9525">
+                  <a14:hiddenLine xmlns:a14="http://schemas.microsoft.com/office/drawing/2010/main" xmlns="" w="9525">
                     <a:solidFill>
                       <a:srgbClr val="000000"/>
                     </a:solidFill>
@@ -10440,7 +10442,7 @@
               </a:ln>
               <a:extLst>
                 <a:ext uri="{91240B29-F687-4f45-9708-019B960494DF}">
-                  <a14:hiddenLine xmlns="" xmlns:a14="http://schemas.microsoft.com/office/drawing/2010/main" w="9525">
+                  <a14:hiddenLine xmlns:a14="http://schemas.microsoft.com/office/drawing/2010/main" xmlns="" w="9525">
                     <a:solidFill>
                       <a:srgbClr val="000000"/>
                     </a:solidFill>
@@ -10530,7 +10532,7 @@
               </a:ln>
               <a:extLst>
                 <a:ext uri="{91240B29-F687-4f45-9708-019B960494DF}">
-                  <a14:hiddenLine xmlns="" xmlns:a14="http://schemas.microsoft.com/office/drawing/2010/main" w="9525">
+                  <a14:hiddenLine xmlns:a14="http://schemas.microsoft.com/office/drawing/2010/main" xmlns="" w="9525">
                     <a:solidFill>
                       <a:srgbClr val="000000"/>
                     </a:solidFill>
@@ -10595,7 +10597,7 @@
               </a:ln>
               <a:extLst>
                 <a:ext uri="{91240B29-F687-4f45-9708-019B960494DF}">
-                  <a14:hiddenLine xmlns="" xmlns:a14="http://schemas.microsoft.com/office/drawing/2010/main" w="9525">
+                  <a14:hiddenLine xmlns:a14="http://schemas.microsoft.com/office/drawing/2010/main" xmlns="" w="9525">
                     <a:solidFill>
                       <a:srgbClr val="000000"/>
                     </a:solidFill>
@@ -10657,7 +10659,7 @@
               </a:ln>
               <a:extLst>
                 <a:ext uri="{91240B29-F687-4f45-9708-019B960494DF}">
-                  <a14:hiddenLine xmlns="" xmlns:a14="http://schemas.microsoft.com/office/drawing/2010/main" w="9525">
+                  <a14:hiddenLine xmlns:a14="http://schemas.microsoft.com/office/drawing/2010/main" xmlns="" w="9525">
                     <a:solidFill>
                       <a:srgbClr val="000000"/>
                     </a:solidFill>
@@ -10747,7 +10749,7 @@
               </a:ln>
               <a:extLst>
                 <a:ext uri="{91240B29-F687-4f45-9708-019B960494DF}">
-                  <a14:hiddenLine xmlns="" xmlns:a14="http://schemas.microsoft.com/office/drawing/2010/main" w="9525">
+                  <a14:hiddenLine xmlns:a14="http://schemas.microsoft.com/office/drawing/2010/main" xmlns="" w="9525">
                     <a:solidFill>
                       <a:srgbClr val="000000"/>
                     </a:solidFill>
@@ -10837,7 +10839,7 @@
               </a:ln>
               <a:extLst>
                 <a:ext uri="{91240B29-F687-4f45-9708-019B960494DF}">
-                  <a14:hiddenLine xmlns="" xmlns:a14="http://schemas.microsoft.com/office/drawing/2010/main" w="9525">
+                  <a14:hiddenLine xmlns:a14="http://schemas.microsoft.com/office/drawing/2010/main" xmlns="" w="9525">
                     <a:solidFill>
                       <a:srgbClr val="000000"/>
                     </a:solidFill>
@@ -10902,7 +10904,7 @@
               </a:ln>
               <a:extLst>
                 <a:ext uri="{91240B29-F687-4f45-9708-019B960494DF}">
-                  <a14:hiddenLine xmlns="" xmlns:a14="http://schemas.microsoft.com/office/drawing/2010/main" w="9525">
+                  <a14:hiddenLine xmlns:a14="http://schemas.microsoft.com/office/drawing/2010/main" xmlns="" w="9525">
                     <a:solidFill>
                       <a:srgbClr val="000000"/>
                     </a:solidFill>
@@ -11022,7 +11024,7 @@
               </a:ln>
               <a:extLst>
                 <a:ext uri="{91240B29-F687-4f45-9708-019B960494DF}">
-                  <a14:hiddenLine xmlns="" xmlns:a14="http://schemas.microsoft.com/office/drawing/2010/main" w="9525">
+                  <a14:hiddenLine xmlns:a14="http://schemas.microsoft.com/office/drawing/2010/main" xmlns="" w="9525">
                     <a:solidFill>
                       <a:srgbClr val="000000"/>
                     </a:solidFill>
@@ -11120,7 +11122,7 @@
               </a:ln>
               <a:extLst>
                 <a:ext uri="{91240B29-F687-4f45-9708-019B960494DF}">
-                  <a14:hiddenLine xmlns="" xmlns:a14="http://schemas.microsoft.com/office/drawing/2010/main" w="9525">
+                  <a14:hiddenLine xmlns:a14="http://schemas.microsoft.com/office/drawing/2010/main" xmlns="" w="9525">
                     <a:solidFill>
                       <a:srgbClr val="000000"/>
                     </a:solidFill>
@@ -11235,7 +11237,7 @@
               </a:ln>
               <a:extLst>
                 <a:ext uri="{91240B29-F687-4f45-9708-019B960494DF}">
-                  <a14:hiddenLine xmlns="" xmlns:a14="http://schemas.microsoft.com/office/drawing/2010/main" w="9525">
+                  <a14:hiddenLine xmlns:a14="http://schemas.microsoft.com/office/drawing/2010/main" xmlns="" w="9525">
                     <a:solidFill>
                       <a:srgbClr val="000000"/>
                     </a:solidFill>
@@ -11325,7 +11327,7 @@
               </a:ln>
               <a:extLst>
                 <a:ext uri="{91240B29-F687-4f45-9708-019B960494DF}">
-                  <a14:hiddenLine xmlns="" xmlns:a14="http://schemas.microsoft.com/office/drawing/2010/main" w="9525">
+                  <a14:hiddenLine xmlns:a14="http://schemas.microsoft.com/office/drawing/2010/main" xmlns="" w="9525">
                     <a:solidFill>
                       <a:srgbClr val="000000"/>
                     </a:solidFill>
@@ -11390,7 +11392,7 @@
               </a:ln>
               <a:extLst>
                 <a:ext uri="{91240B29-F687-4f45-9708-019B960494DF}">
-                  <a14:hiddenLine xmlns="" xmlns:a14="http://schemas.microsoft.com/office/drawing/2010/main" w="9525">
+                  <a14:hiddenLine xmlns:a14="http://schemas.microsoft.com/office/drawing/2010/main" xmlns="" w="9525">
                     <a:solidFill>
                       <a:srgbClr val="000000"/>
                     </a:solidFill>
@@ -11480,7 +11482,7 @@
               </a:ln>
               <a:extLst>
                 <a:ext uri="{91240B29-F687-4f45-9708-019B960494DF}">
-                  <a14:hiddenLine xmlns="" xmlns:a14="http://schemas.microsoft.com/office/drawing/2010/main" w="9525">
+                  <a14:hiddenLine xmlns:a14="http://schemas.microsoft.com/office/drawing/2010/main" xmlns="" w="9525">
                     <a:solidFill>
                       <a:srgbClr val="000000"/>
                     </a:solidFill>
@@ -11548,7 +11550,7 @@
               </a:ln>
               <a:extLst>
                 <a:ext uri="{91240B29-F687-4f45-9708-019B960494DF}">
-                  <a14:hiddenLine xmlns="" xmlns:a14="http://schemas.microsoft.com/office/drawing/2010/main" w="9525">
+                  <a14:hiddenLine xmlns:a14="http://schemas.microsoft.com/office/drawing/2010/main" xmlns="" w="9525">
                     <a:solidFill>
                       <a:srgbClr val="000000"/>
                     </a:solidFill>
@@ -11638,7 +11640,7 @@
               </a:ln>
               <a:extLst>
                 <a:ext uri="{91240B29-F687-4f45-9708-019B960494DF}">
-                  <a14:hiddenLine xmlns="" xmlns:a14="http://schemas.microsoft.com/office/drawing/2010/main" w="9525">
+                  <a14:hiddenLine xmlns:a14="http://schemas.microsoft.com/office/drawing/2010/main" xmlns="" w="9525">
                     <a:solidFill>
                       <a:srgbClr val="000000"/>
                     </a:solidFill>
@@ -11706,7 +11708,7 @@
               </a:ln>
               <a:extLst>
                 <a:ext uri="{91240B29-F687-4f45-9708-019B960494DF}">
-                  <a14:hiddenLine xmlns="" xmlns:a14="http://schemas.microsoft.com/office/drawing/2010/main" w="9525">
+                  <a14:hiddenLine xmlns:a14="http://schemas.microsoft.com/office/drawing/2010/main" xmlns="" w="9525">
                     <a:solidFill>
                       <a:srgbClr val="000000"/>
                     </a:solidFill>
@@ -11796,7 +11798,7 @@
               </a:ln>
               <a:extLst>
                 <a:ext uri="{91240B29-F687-4f45-9708-019B960494DF}">
-                  <a14:hiddenLine xmlns="" xmlns:a14="http://schemas.microsoft.com/office/drawing/2010/main" w="9525">
+                  <a14:hiddenLine xmlns:a14="http://schemas.microsoft.com/office/drawing/2010/main" xmlns="" w="9525">
                     <a:solidFill>
                       <a:srgbClr val="000000"/>
                     </a:solidFill>
@@ -11830,7 +11832,7 @@
               </a:ln>
               <a:extLst>
                 <a:ext uri="{91240B29-F687-4f45-9708-019B960494DF}">
-                  <a14:hiddenLine xmlns="" xmlns:a14="http://schemas.microsoft.com/office/drawing/2010/main" w="9525">
+                  <a14:hiddenLine xmlns:a14="http://schemas.microsoft.com/office/drawing/2010/main" xmlns="" w="9525">
                     <a:solidFill>
                       <a:srgbClr val="000000"/>
                     </a:solidFill>
@@ -12433,7 +12435,15 @@
           <a:p>
             <a:r>
               <a:rPr lang="en-US" dirty="0" smtClean="0"/>
-              <a:t>--by Philip Davies, Chelsea Hall, Montana Hodges, Stephanie Foster, Mark Funk, Aaron Mayo, Bailey Nicholas, and Tyler Thorell.</a:t>
+              <a:t>--by </a:t>
+            </a:r>
+            <a:r>
+              <a:rPr lang="en-US" dirty="0" smtClean="0"/>
+              <a:t>Team 7 -- Philip </a:t>
+            </a:r>
+            <a:r>
+              <a:rPr lang="en-US" dirty="0" smtClean="0"/>
+              <a:t>Davies, Chelsea Hall, Montana Hodges, Stephanie Foster, Mark Funk, Aaron Mayo, Bailey Nicholas, and Tyler Thorell.</a:t>
             </a:r>
             <a:endParaRPr lang="en-US" dirty="0"/>
           </a:p>
@@ -12442,13 +12452,20 @@
     </p:spTree>
     <p:extLst>
       <p:ext uri="{BB962C8B-B14F-4D97-AF65-F5344CB8AC3E}">
-        <p14:creationId xmlns:p14="http://schemas.microsoft.com/office/powerpoint/2010/main" xmlns="" val="4209821317"/>
+        <p14:creationId xmlns="" xmlns:p14="http://schemas.microsoft.com/office/powerpoint/2010/main" val="4209821317"/>
       </p:ext>
     </p:extLst>
   </p:cSld>
   <p:clrMapOvr>
     <a:masterClrMapping/>
   </p:clrMapOvr>
+  <p:timing>
+    <p:tnLst>
+      <p:par>
+        <p:cTn id="1" dur="indefinite" restart="never" nodeType="tmRoot"/>
+      </p:par>
+    </p:tnLst>
+  </p:timing>
 </p:sld>
 </file>
 
@@ -12486,7 +12503,7 @@
           <a:p>
             <a:r>
               <a:rPr lang="en-US" dirty="0" smtClean="0"/>
-              <a:t>Testing Phase</a:t>
+              <a:t>Implementation phase</a:t>
             </a:r>
             <a:endParaRPr lang="en-US" dirty="0"/>
           </a:p>
@@ -12504,53 +12521,81 @@
         </p:nvSpPr>
         <p:spPr/>
         <p:txBody>
-          <a:bodyPr>
-            <a:normAutofit fontScale="92500" lnSpcReduction="20000"/>
-          </a:bodyPr>
+          <a:bodyPr/>
           <a:lstStyle/>
           <a:p>
             <a:r>
               <a:rPr lang="en-US" dirty="0" smtClean="0"/>
-              <a:t>Enter values of 0 for the launcher and test long periods of inactivity for the game.</a:t>
-            </a:r>
-          </a:p>
-          <a:p>
+              <a:t>The “Gate of Gabethulu” Implementation Process:</a:t>
+            </a:r>
+          </a:p>
+          <a:p>
+            <a:pPr lvl="1">
+              <a:buNone/>
+            </a:pPr>
             <a:r>
               <a:rPr lang="en-US" dirty="0" smtClean="0"/>
-              <a:t>Enter forbidden values/input for the launcher and game.</a:t>
-            </a:r>
-          </a:p>
-          <a:p>
+              <a:t>		Philip made a prototype game in Unity, and Mark performed repairs and added the product to </a:t>
+            </a:r>
+            <a:r>
+              <a:rPr lang="en-US" dirty="0" err="1" smtClean="0"/>
+              <a:t>Github</a:t>
+            </a:r>
             <a:r>
               <a:rPr lang="en-US" dirty="0" smtClean="0"/>
-              <a:t>Enter Incorrect or missing values/inputs for the launcher and game.</a:t>
-            </a:r>
-          </a:p>
-          <a:p>
+              <a:t>. Once the project was on </a:t>
+            </a:r>
+            <a:r>
+              <a:rPr lang="en-US" dirty="0" err="1" smtClean="0"/>
+              <a:t>Github</a:t>
+            </a:r>
             <a:r>
               <a:rPr lang="en-US" dirty="0" smtClean="0"/>
-              <a:t>Enter correct values and check the database to see if correctly added or deleted or modified.</a:t>
-            </a:r>
-          </a:p>
-          <a:p>
+              <a:t>, Mark was able </a:t>
+            </a:r>
             <a:r>
               <a:rPr lang="en-US" dirty="0" smtClean="0"/>
-              <a:t>Play game and produce no change in output and push to the launcher.</a:t>
-            </a:r>
-          </a:p>
-          <a:p>
+              <a:t>to </a:t>
+            </a:r>
             <a:r>
               <a:rPr lang="en-US" dirty="0" smtClean="0"/>
-              <a:t>Test all walls and barriers in the game, all methods to cause death and </a:t>
-            </a:r>
-            <a:r>
-              <a:rPr lang="en-US" smtClean="0"/>
-              <a:t>subsequent re-spawns</a:t>
+              <a:t>delete unneeded files, added items to .</a:t>
+            </a:r>
+            <a:r>
+              <a:rPr lang="en-US" dirty="0" err="1" smtClean="0"/>
+              <a:t>gitignore</a:t>
             </a:r>
             <a:r>
               <a:rPr lang="en-US" dirty="0" smtClean="0"/>
-              <a:t>.</a:t>
-            </a:r>
+              <a:t>, and </a:t>
+            </a:r>
+            <a:r>
+              <a:rPr lang="en-US" dirty="0" smtClean="0"/>
+              <a:t>then, along with Bailey, </a:t>
+            </a:r>
+            <a:r>
+              <a:rPr lang="en-US" dirty="0" smtClean="0"/>
+              <a:t>began the heavy editing and creation of levels and sprite interactions. </a:t>
+            </a:r>
+            <a:r>
+              <a:rPr lang="en-US" dirty="0" smtClean="0"/>
+              <a:t>Bailey, Chelsea</a:t>
+            </a:r>
+            <a:r>
+              <a:rPr lang="en-US" dirty="0" smtClean="0"/>
+              <a:t>, Aaron, and Stephanie created the weapon, tiles, enemy, and character sprites, helped with specification to implementation features including layouts of the levels and creation of the more subtle areas of the specification. </a:t>
+            </a:r>
+            <a:r>
+              <a:rPr lang="en-US" dirty="0" smtClean="0"/>
+              <a:t> Aaron and Stephanie also added in th</a:t>
+            </a:r>
+            <a:r>
+              <a:rPr lang="en-US" dirty="0" smtClean="0"/>
+              <a:t>e tutorial text for stage zero.</a:t>
+            </a:r>
+            <a:endParaRPr lang="en-US" dirty="0" smtClean="0"/>
+          </a:p>
+          <a:p>
             <a:endParaRPr lang="en-US" dirty="0"/>
           </a:p>
         </p:txBody>
@@ -12560,6 +12605,13 @@
   <p:clrMapOvr>
     <a:masterClrMapping/>
   </p:clrMapOvr>
+  <p:timing>
+    <p:tnLst>
+      <p:par>
+        <p:cTn id="1" dur="indefinite" restart="never" nodeType="tmRoot"/>
+      </p:par>
+    </p:tnLst>
+  </p:timing>
 </p:sld>
 </file>
 
@@ -12595,10 +12647,127 @@
           <a:bodyPr/>
           <a:lstStyle/>
           <a:p>
-            <a:pPr algn="ctr"/>
             <a:r>
               <a:rPr lang="en-US" dirty="0" smtClean="0"/>
-              <a:t>Thanks to:</a:t>
+              <a:t>Testing Phase</a:t>
+            </a:r>
+            <a:endParaRPr lang="en-US" dirty="0"/>
+          </a:p>
+        </p:txBody>
+      </p:sp>
+      <p:sp>
+        <p:nvSpPr>
+          <p:cNvPr id="3" name="Content Placeholder 2"/>
+          <p:cNvSpPr>
+            <a:spLocks noGrp="1"/>
+          </p:cNvSpPr>
+          <p:nvPr>
+            <p:ph idx="1"/>
+          </p:nvPr>
+        </p:nvSpPr>
+        <p:spPr/>
+        <p:txBody>
+          <a:bodyPr>
+            <a:normAutofit fontScale="92500" lnSpcReduction="20000"/>
+          </a:bodyPr>
+          <a:lstStyle/>
+          <a:p>
+            <a:r>
+              <a:rPr lang="en-US" dirty="0" smtClean="0"/>
+              <a:t>Enter values of 0 for the launcher and test long periods of inactivity for the game.</a:t>
+            </a:r>
+          </a:p>
+          <a:p>
+            <a:r>
+              <a:rPr lang="en-US" dirty="0" smtClean="0"/>
+              <a:t>Enter forbidden values/input for the launcher and game.</a:t>
+            </a:r>
+          </a:p>
+          <a:p>
+            <a:r>
+              <a:rPr lang="en-US" dirty="0" smtClean="0"/>
+              <a:t>Enter Incorrect or missing values/inputs for the launcher and game.</a:t>
+            </a:r>
+          </a:p>
+          <a:p>
+            <a:r>
+              <a:rPr lang="en-US" dirty="0" smtClean="0"/>
+              <a:t>Enter correct values and check the database to see if correctly added or deleted or modified.</a:t>
+            </a:r>
+          </a:p>
+          <a:p>
+            <a:r>
+              <a:rPr lang="en-US" dirty="0" smtClean="0"/>
+              <a:t>Play game and produce no change in output and push to the launcher.</a:t>
+            </a:r>
+          </a:p>
+          <a:p>
+            <a:r>
+              <a:rPr lang="en-US" dirty="0" smtClean="0"/>
+              <a:t>Test all walls and barriers in the game, all methods to cause death and </a:t>
+            </a:r>
+            <a:r>
+              <a:rPr lang="en-US" smtClean="0"/>
+              <a:t>subsequent re-spawns</a:t>
+            </a:r>
+            <a:r>
+              <a:rPr lang="en-US" dirty="0" smtClean="0"/>
+              <a:t>.</a:t>
+            </a:r>
+            <a:endParaRPr lang="en-US" dirty="0"/>
+          </a:p>
+        </p:txBody>
+      </p:sp>
+    </p:spTree>
+  </p:cSld>
+  <p:clrMapOvr>
+    <a:masterClrMapping/>
+  </p:clrMapOvr>
+  <p:timing>
+    <p:tnLst>
+      <p:par>
+        <p:cTn id="1" dur="indefinite" restart="never" nodeType="tmRoot"/>
+      </p:par>
+    </p:tnLst>
+  </p:timing>
+</p:sld>
+</file>
+
+<file path=ppt/slides/slide12.xml><?xml version="1.0" encoding="utf-8"?>
+<p:sld xmlns:a="http://schemas.openxmlformats.org/drawingml/2006/main" xmlns:r="http://schemas.openxmlformats.org/officeDocument/2006/relationships" xmlns:p="http://schemas.openxmlformats.org/presentationml/2006/main">
+  <p:cSld>
+    <p:spTree>
+      <p:nvGrpSpPr>
+        <p:cNvPr id="1" name=""/>
+        <p:cNvGrpSpPr/>
+        <p:nvPr/>
+      </p:nvGrpSpPr>
+      <p:grpSpPr>
+        <a:xfrm>
+          <a:off x="0" y="0"/>
+          <a:ext cx="0" cy="0"/>
+          <a:chOff x="0" y="0"/>
+          <a:chExt cx="0" cy="0"/>
+        </a:xfrm>
+      </p:grpSpPr>
+      <p:sp>
+        <p:nvSpPr>
+          <p:cNvPr id="2" name="Title 1"/>
+          <p:cNvSpPr>
+            <a:spLocks noGrp="1"/>
+          </p:cNvSpPr>
+          <p:nvPr>
+            <p:ph type="title"/>
+          </p:nvPr>
+        </p:nvSpPr>
+        <p:spPr/>
+        <p:txBody>
+          <a:bodyPr/>
+          <a:lstStyle/>
+          <a:p>
+            <a:r>
+              <a:rPr lang="en-US" dirty="0" smtClean="0"/>
+              <a:t>Demo Software</a:t>
             </a:r>
             <a:endParaRPr lang="en-US" dirty="0"/>
           </a:p>
@@ -12619,62 +12788,14 @@
           <a:bodyPr/>
           <a:lstStyle/>
           <a:p>
-            <a:pPr algn="ctr">
-              <a:buNone/>
-            </a:pPr>
             <a:r>
               <a:rPr lang="en-US" dirty="0" smtClean="0"/>
-              <a:t>Dr. David Burris, for keeping the fear alive.</a:t>
-            </a:r>
-          </a:p>
-          <a:p>
-            <a:pPr algn="ctr">
-              <a:buNone/>
-            </a:pPr>
-            <a:r>
-              <a:rPr lang="en-US" dirty="0" err="1" smtClean="0"/>
-              <a:t>GitHub</a:t>
-            </a:r>
-            <a:r>
-              <a:rPr lang="en-US" dirty="0" smtClean="0"/>
-              <a:t>, even though it created a few conflicts.</a:t>
-            </a:r>
-          </a:p>
-          <a:p>
-            <a:pPr algn="ctr">
-              <a:buNone/>
-            </a:pPr>
-            <a:r>
-              <a:rPr lang="en-US" dirty="0" smtClean="0"/>
-              <a:t>Prezi, for an awesome presentation creator.</a:t>
-            </a:r>
-          </a:p>
-          <a:p>
-            <a:pPr algn="ctr">
-              <a:buNone/>
-            </a:pPr>
-            <a:r>
-              <a:rPr lang="en-US" dirty="0" smtClean="0"/>
-              <a:t>Unity, for a </a:t>
-            </a:r>
-            <a:r>
-              <a:rPr lang="en-US" dirty="0" err="1" smtClean="0"/>
-              <a:t>suedo</a:t>
-            </a:r>
-            <a:r>
-              <a:rPr lang="en-US" dirty="0" smtClean="0"/>
-              <a:t>-user-friendly </a:t>
+              <a:t>Tyler, click the Windows Key </a:t>
             </a:r>
             <a:r>
               <a:rPr lang="en-US" smtClean="0"/>
-              <a:t>game engine.</a:t>
-            </a:r>
-            <a:endParaRPr lang="en-US" dirty="0" smtClean="0"/>
-          </a:p>
-          <a:p>
-            <a:pPr>
-              <a:buNone/>
-            </a:pPr>
+              <a:t>and execute the file…</a:t>
+            </a:r>
             <a:endParaRPr lang="en-US" dirty="0"/>
           </a:p>
         </p:txBody>
@@ -12682,13 +12803,156 @@
     </p:spTree>
     <p:extLst>
       <p:ext uri="{BB962C8B-B14F-4D97-AF65-F5344CB8AC3E}">
-        <p14:creationId xmlns:p14="http://schemas.microsoft.com/office/powerpoint/2010/main" xmlns="" val="3205406010"/>
+        <p14:creationId xmlns="" xmlns:p14="http://schemas.microsoft.com/office/powerpoint/2010/main" val="3999698565"/>
       </p:ext>
     </p:extLst>
   </p:cSld>
   <p:clrMapOvr>
     <a:masterClrMapping/>
   </p:clrMapOvr>
+  <p:timing>
+    <p:tnLst>
+      <p:par>
+        <p:cTn id="1" dur="indefinite" restart="never" nodeType="tmRoot"/>
+      </p:par>
+    </p:tnLst>
+  </p:timing>
+</p:sld>
+</file>
+
+<file path=ppt/slides/slide13.xml><?xml version="1.0" encoding="utf-8"?>
+<p:sld xmlns:a="http://schemas.openxmlformats.org/drawingml/2006/main" xmlns:r="http://schemas.openxmlformats.org/officeDocument/2006/relationships" xmlns:p="http://schemas.openxmlformats.org/presentationml/2006/main">
+  <p:cSld>
+    <p:spTree>
+      <p:nvGrpSpPr>
+        <p:cNvPr id="1" name=""/>
+        <p:cNvGrpSpPr/>
+        <p:nvPr/>
+      </p:nvGrpSpPr>
+      <p:grpSpPr>
+        <a:xfrm>
+          <a:off x="0" y="0"/>
+          <a:ext cx="0" cy="0"/>
+          <a:chOff x="0" y="0"/>
+          <a:chExt cx="0" cy="0"/>
+        </a:xfrm>
+      </p:grpSpPr>
+      <p:sp>
+        <p:nvSpPr>
+          <p:cNvPr id="2" name="Title 1"/>
+          <p:cNvSpPr>
+            <a:spLocks noGrp="1"/>
+          </p:cNvSpPr>
+          <p:nvPr>
+            <p:ph type="title"/>
+          </p:nvPr>
+        </p:nvSpPr>
+        <p:spPr/>
+        <p:txBody>
+          <a:bodyPr/>
+          <a:lstStyle/>
+          <a:p>
+            <a:pPr algn="ctr"/>
+            <a:r>
+              <a:rPr lang="en-US" dirty="0" smtClean="0"/>
+              <a:t>Thanks to:</a:t>
+            </a:r>
+            <a:endParaRPr lang="en-US" dirty="0"/>
+          </a:p>
+        </p:txBody>
+      </p:sp>
+      <p:sp>
+        <p:nvSpPr>
+          <p:cNvPr id="3" name="Content Placeholder 2"/>
+          <p:cNvSpPr>
+            <a:spLocks noGrp="1"/>
+          </p:cNvSpPr>
+          <p:nvPr>
+            <p:ph idx="1"/>
+          </p:nvPr>
+        </p:nvSpPr>
+        <p:spPr/>
+        <p:txBody>
+          <a:bodyPr/>
+          <a:lstStyle/>
+          <a:p>
+            <a:pPr algn="ctr">
+              <a:buNone/>
+            </a:pPr>
+            <a:r>
+              <a:rPr lang="en-US" dirty="0" smtClean="0"/>
+              <a:t>Dr. David Burris, for keeping the fear alive.</a:t>
+            </a:r>
+          </a:p>
+          <a:p>
+            <a:pPr algn="ctr">
+              <a:buNone/>
+            </a:pPr>
+            <a:r>
+              <a:rPr lang="en-US" dirty="0" err="1" smtClean="0"/>
+              <a:t>GitHub</a:t>
+            </a:r>
+            <a:r>
+              <a:rPr lang="en-US" dirty="0" smtClean="0"/>
+              <a:t>, even though it created a few conflicts.</a:t>
+            </a:r>
+          </a:p>
+          <a:p>
+            <a:pPr algn="ctr">
+              <a:buNone/>
+            </a:pPr>
+            <a:r>
+              <a:rPr lang="en-US" dirty="0" smtClean="0"/>
+              <a:t>Prezi, for an awesome presentation creator.</a:t>
+            </a:r>
+          </a:p>
+          <a:p>
+            <a:pPr algn="ctr">
+              <a:buNone/>
+            </a:pPr>
+            <a:r>
+              <a:rPr lang="en-US" dirty="0" smtClean="0"/>
+              <a:t>Unity, for a </a:t>
+            </a:r>
+            <a:r>
+              <a:rPr lang="en-US" dirty="0" err="1" smtClean="0"/>
+              <a:t>suedo</a:t>
+            </a:r>
+            <a:r>
+              <a:rPr lang="en-US" dirty="0" smtClean="0"/>
+              <a:t>-user-friendly </a:t>
+            </a:r>
+            <a:r>
+              <a:rPr lang="en-US" smtClean="0"/>
+              <a:t>game engine.</a:t>
+            </a:r>
+            <a:endParaRPr lang="en-US" dirty="0" smtClean="0"/>
+          </a:p>
+          <a:p>
+            <a:pPr>
+              <a:buNone/>
+            </a:pPr>
+            <a:endParaRPr lang="en-US" dirty="0"/>
+          </a:p>
+        </p:txBody>
+      </p:sp>
+    </p:spTree>
+    <p:extLst>
+      <p:ext uri="{BB962C8B-B14F-4D97-AF65-F5344CB8AC3E}">
+        <p14:creationId xmlns="" xmlns:p14="http://schemas.microsoft.com/office/powerpoint/2010/main" val="3205406010"/>
+      </p:ext>
+    </p:extLst>
+  </p:cSld>
+  <p:clrMapOvr>
+    <a:masterClrMapping/>
+  </p:clrMapOvr>
+  <p:timing>
+    <p:tnLst>
+      <p:par>
+        <p:cTn id="1" dur="indefinite" restart="never" nodeType="tmRoot"/>
+      </p:par>
+    </p:tnLst>
+  </p:timing>
 </p:sld>
 </file>
 
@@ -12798,7 +13062,7 @@
     </p:spTree>
     <p:extLst>
       <p:ext uri="{BB962C8B-B14F-4D97-AF65-F5344CB8AC3E}">
-        <p14:creationId xmlns:p14="http://schemas.microsoft.com/office/powerpoint/2010/main" xmlns="" val="459454196"/>
+        <p14:creationId xmlns="" xmlns:p14="http://schemas.microsoft.com/office/powerpoint/2010/main" val="459454196"/>
       </p:ext>
     </p:extLst>
   </p:cSld>
@@ -12941,7 +13205,7 @@
     </p:spTree>
     <p:extLst>
       <p:ext uri="{BB962C8B-B14F-4D97-AF65-F5344CB8AC3E}">
-        <p14:creationId xmlns:p14="http://schemas.microsoft.com/office/powerpoint/2010/main" xmlns="" val="1934116844"/>
+        <p14:creationId xmlns="" xmlns:p14="http://schemas.microsoft.com/office/powerpoint/2010/main" val="1934116844"/>
       </p:ext>
     </p:extLst>
   </p:cSld>
@@ -13016,7 +13280,7 @@
         </p:spPr>
         <p:txBody>
           <a:bodyPr>
-            <a:normAutofit fontScale="25000" lnSpcReduction="20000"/>
+            <a:normAutofit fontScale="32500" lnSpcReduction="20000"/>
           </a:bodyPr>
           <a:lstStyle/>
           <a:p>
@@ -13110,76 +13374,13 @@
               <a:rPr lang="en-US" sz="4800" dirty="0" smtClean="0"/>
             </a:br>
             <a:endParaRPr lang="en-US" sz="4800" dirty="0" smtClean="0"/>
-          </a:p>
-          <a:p>
-            <a:r>
-              <a:rPr lang="en-US" sz="4800" dirty="0" smtClean="0"/>
-              <a:t>Aesthetics: The correct implementation of the setting as according to the specification:</a:t>
-            </a:r>
-          </a:p>
-          <a:p>
-            <a:pPr>
-              <a:buNone/>
-            </a:pPr>
-            <a:r>
-              <a:rPr lang="en-US" sz="4800" dirty="0" smtClean="0"/>
-              <a:t>		-</a:t>
-            </a:r>
-            <a:r>
-              <a:rPr lang="en-US" sz="4800" u="sng" dirty="0" smtClean="0"/>
-              <a:t>4-Areas of exploration:</a:t>
-            </a:r>
-            <a:r>
-              <a:rPr lang="en-US" sz="4800" dirty="0" smtClean="0"/>
-              <a:t> There needs to be multiple areas that the user traverses through. They can be divided as follows: </a:t>
-            </a:r>
-          </a:p>
-          <a:p>
-            <a:pPr>
-              <a:buNone/>
-            </a:pPr>
-            <a:r>
-              <a:rPr lang="en-US" sz="4800" dirty="0" smtClean="0"/>
-              <a:t>			Stage 0: Tutorial.</a:t>
-            </a:r>
-          </a:p>
-          <a:p>
-            <a:pPr>
-              <a:buNone/>
-            </a:pPr>
-            <a:r>
-              <a:rPr lang="en-US" sz="4800" dirty="0" smtClean="0"/>
-              <a:t>			Stage 1: Traversal to main dungeon.</a:t>
-            </a:r>
-          </a:p>
-          <a:p>
-            <a:pPr>
-              <a:buNone/>
-            </a:pPr>
-            <a:r>
-              <a:rPr lang="en-US" sz="4800" dirty="0" smtClean="0"/>
-              <a:t>			Stage 2: The main dungeon.</a:t>
-            </a:r>
-          </a:p>
-          <a:p>
-            <a:pPr>
-              <a:buNone/>
-            </a:pPr>
-            <a:r>
-              <a:rPr lang="en-US" sz="4800" dirty="0" smtClean="0"/>
-              <a:t>			Stage 3: Final stage </a:t>
-            </a:r>
-          </a:p>
-          <a:p>
-            <a:pPr lvl="1"/>
-            <a:endParaRPr lang="en-US" dirty="0"/>
           </a:p>
         </p:txBody>
       </p:sp>
     </p:spTree>
     <p:extLst>
       <p:ext uri="{BB962C8B-B14F-4D97-AF65-F5344CB8AC3E}">
-        <p14:creationId xmlns:p14="http://schemas.microsoft.com/office/powerpoint/2010/main" xmlns="" val="3092251181"/>
+        <p14:creationId xmlns="" xmlns:p14="http://schemas.microsoft.com/office/powerpoint/2010/main" val="3092251181"/>
       </p:ext>
     </p:extLst>
   </p:cSld>
@@ -13230,7 +13431,7 @@
           <a:p>
             <a:r>
               <a:rPr lang="en-US" dirty="0" smtClean="0"/>
-              <a:t>Software design chosen</a:t>
+              <a:t>Specification</a:t>
             </a:r>
             <a:endParaRPr lang="en-US" dirty="0"/>
           </a:p>
@@ -13249,91 +13450,78 @@
         <p:spPr/>
         <p:txBody>
           <a:bodyPr>
-            <a:noAutofit/>
+            <a:normAutofit fontScale="47500" lnSpcReduction="20000"/>
           </a:bodyPr>
           <a:lstStyle/>
           <a:p>
             <a:r>
-              <a:rPr lang="en-US" sz="1200" b="1" dirty="0" smtClean="0"/>
-              <a:t>The Object Oriented Design: </a:t>
-            </a:r>
-            <a:r>
-              <a:rPr lang="en-US" sz="1200" dirty="0" smtClean="0"/>
-              <a:t>Though Jackson’s technique did work for our specified idea, due to time constraints and familiarity with the subject, we thought that out of the two designs, Object Oriented would allow for the most accurate similarities between the design phase and the implementation phase. </a:t>
-            </a:r>
-          </a:p>
-          <a:p>
-            <a:r>
-              <a:rPr lang="en-US" sz="1200" b="1" u="sng" dirty="0" smtClean="0"/>
-              <a:t>Launcher:</a:t>
-            </a:r>
-            <a:r>
-              <a:rPr lang="en-US" sz="1200" dirty="0" smtClean="0"/>
-              <a:t> We chose to implement this design because all of our ideas from the launcher were able to be easily represented and understood. </a:t>
-            </a:r>
-            <a:r>
-              <a:rPr lang="en-US" sz="1200" b="1" dirty="0" smtClean="0"/>
-              <a:t>Graicunas’ Law</a:t>
-            </a:r>
-            <a:r>
-              <a:rPr lang="en-US" sz="1200" dirty="0" smtClean="0"/>
-              <a:t> is followed by the ability for this assignment to be split up into multiple parts to be created and code by multiple people at once. The modules are all single idea </a:t>
-            </a:r>
-            <a:r>
-              <a:rPr lang="en-US" sz="1200" b="1" dirty="0" smtClean="0"/>
-              <a:t>black boxes</a:t>
-            </a:r>
-            <a:r>
-              <a:rPr lang="en-US" sz="1200" dirty="0" smtClean="0"/>
-              <a:t> that would take in the same input repeatedly and output the same result (IE For retrieving information from the database, you would either giving the correct username and receive the correct result via the same function of “Customer” (Customer is defined in more detail in </a:t>
-            </a:r>
-            <a:r>
-              <a:rPr lang="en-US" sz="1200" b="1" dirty="0" smtClean="0"/>
-              <a:t>Section 4.2</a:t>
-            </a:r>
-            <a:r>
-              <a:rPr lang="en-US" sz="1200" dirty="0" smtClean="0"/>
-              <a:t>), or you would give the incorrect username and receive the error message.) It seems to be well designed as far as </a:t>
-            </a:r>
-            <a:r>
-              <a:rPr lang="en-US" sz="1200" b="1" dirty="0" smtClean="0"/>
-              <a:t>optimization of space, </a:t>
-            </a:r>
-            <a:r>
-              <a:rPr lang="en-US" sz="1200" dirty="0" smtClean="0"/>
-              <a:t>however in terms of </a:t>
-            </a:r>
-            <a:r>
-              <a:rPr lang="en-US" sz="1200" b="1" dirty="0" smtClean="0"/>
-              <a:t>optimization for time </a:t>
-            </a:r>
-            <a:r>
-              <a:rPr lang="en-US" sz="1200" dirty="0" smtClean="0"/>
-              <a:t>it does not seem like we will be able to judge efficiency until we have real data to process in a prototype that allows for us to stress our multithreading abilities against multiple users on our server.                                                                                                                                                                                                                                                                                                                                                                                                                                                                                                                                                                                       </a:t>
-            </a:r>
-          </a:p>
-          <a:p>
-            <a:r>
-              <a:rPr lang="en-US" sz="1200" b="1" u="sng" dirty="0" smtClean="0"/>
-              <a:t>Game:</a:t>
-            </a:r>
-            <a:r>
-              <a:rPr lang="en-US" sz="1200" u="sng" dirty="0" smtClean="0"/>
-              <a:t> </a:t>
-            </a:r>
-            <a:r>
-              <a:rPr lang="en-US" sz="1200" dirty="0" smtClean="0"/>
-              <a:t>We chose this implementation for the game because it is pretty natural to think of the game in terms of the objects that it consists of.  In this case, the lack of emphasis that Object-Oriented Design puts on control is something of an advantage in terms of thinking about components of the system overall.  By utilizing the compartmentalization and modularity of objects that an object-oriented design uses,  it will be trivial to add multiple people to the project at once when each person can be given their own object to work on.  As long as the principle of Abstraction is held to, then the actual implementation of each object will unimportant to other members of the implementation team.  The Object-Oriented Design principle of Hierarchy allows for our implementation to easily follow Graicunas' law by limiting interactions between objects in the system.</a:t>
-            </a:r>
+              <a:rPr lang="en-US" sz="4800" dirty="0" smtClean="0"/>
+              <a:t>Aesthetics: The correct implementation of the setting as according to the specification:</a:t>
+            </a:r>
+          </a:p>
+          <a:p>
+            <a:pPr>
+              <a:buNone/>
+            </a:pPr>
+            <a:r>
+              <a:rPr lang="en-US" sz="4800" dirty="0" smtClean="0"/>
+              <a:t>		-</a:t>
+            </a:r>
+            <a:r>
+              <a:rPr lang="en-US" sz="4800" u="sng" dirty="0" smtClean="0"/>
+              <a:t>4-Areas of exploration:</a:t>
+            </a:r>
+            <a:r>
+              <a:rPr lang="en-US" sz="4800" dirty="0" smtClean="0"/>
+              <a:t> There needs to be multiple areas that the user traverses through. They can be divided as follows: </a:t>
+            </a:r>
+          </a:p>
+          <a:p>
+            <a:pPr>
+              <a:buNone/>
+            </a:pPr>
+            <a:r>
+              <a:rPr lang="en-US" sz="4800" dirty="0" smtClean="0"/>
+              <a:t>			Stage 0: Tutorial.</a:t>
+            </a:r>
+          </a:p>
+          <a:p>
+            <a:pPr>
+              <a:buNone/>
+            </a:pPr>
+            <a:r>
+              <a:rPr lang="en-US" sz="4800" dirty="0" smtClean="0"/>
+              <a:t>			Stage 1: Traversal to main dungeon.</a:t>
+            </a:r>
+          </a:p>
+          <a:p>
+            <a:pPr>
+              <a:buNone/>
+            </a:pPr>
+            <a:r>
+              <a:rPr lang="en-US" sz="4800" dirty="0" smtClean="0"/>
+              <a:t>			Stage 2: The main dungeon.</a:t>
+            </a:r>
+          </a:p>
+          <a:p>
+            <a:pPr>
+              <a:buNone/>
+            </a:pPr>
+            <a:r>
+              <a:rPr lang="en-US" sz="4800" dirty="0" smtClean="0"/>
+              <a:t>			Stage 3: Final stage </a:t>
+            </a:r>
+          </a:p>
+          <a:p>
+            <a:pPr lvl="1"/>
+            <a:endParaRPr lang="en-US" dirty="0" smtClean="0"/>
+          </a:p>
+          <a:p>
+            <a:endParaRPr lang="en-US" dirty="0"/>
           </a:p>
         </p:txBody>
       </p:sp>
     </p:spTree>
-    <p:extLst>
-      <p:ext uri="{BB962C8B-B14F-4D97-AF65-F5344CB8AC3E}">
-        <p14:creationId xmlns:p14="http://schemas.microsoft.com/office/powerpoint/2010/main" xmlns="" val="1067613684"/>
-      </p:ext>
-    </p:extLst>
   </p:cSld>
   <p:clrMapOvr>
     <a:masterClrMapping/>
@@ -13382,7 +13570,7 @@
           <a:p>
             <a:r>
               <a:rPr lang="en-US" dirty="0" smtClean="0"/>
-              <a:t>Implementation phase</a:t>
+              <a:t>Software design chosen</a:t>
             </a:r>
             <a:endParaRPr lang="en-US" dirty="0"/>
           </a:p>
@@ -13398,99 +13586,96 @@
             <p:ph idx="1"/>
           </p:nvPr>
         </p:nvSpPr>
-        <p:spPr/>
+        <p:spPr>
+          <a:xfrm>
+            <a:off x="882104" y="1689928"/>
+            <a:ext cx="9905999" cy="3541714"/>
+          </a:xfrm>
+        </p:spPr>
         <p:txBody>
           <a:bodyPr>
-            <a:normAutofit fontScale="70000" lnSpcReduction="20000"/>
+            <a:noAutofit/>
           </a:bodyPr>
           <a:lstStyle/>
           <a:p>
             <a:r>
-              <a:rPr lang="en-US" dirty="0" smtClean="0"/>
-              <a:t>The implementation teams split into two. </a:t>
-            </a:r>
-          </a:p>
-          <a:p>
-            <a:r>
-              <a:rPr lang="en-US" dirty="0" smtClean="0"/>
-              <a:t>The Launcher: </a:t>
-            </a:r>
-          </a:p>
-          <a:p>
-            <a:pPr lvl="1"/>
-            <a:r>
-              <a:rPr lang="en-US" dirty="0" smtClean="0"/>
-              <a:t>Montana – Lead</a:t>
-            </a:r>
-          </a:p>
-          <a:p>
-            <a:pPr lvl="1"/>
-            <a:r>
-              <a:rPr lang="en-US" dirty="0" smtClean="0"/>
-              <a:t>Bailey</a:t>
-            </a:r>
-          </a:p>
-          <a:p>
-            <a:pPr lvl="1"/>
-            <a:r>
-              <a:rPr lang="en-US" dirty="0" smtClean="0"/>
-              <a:t>Tyler</a:t>
-            </a:r>
-          </a:p>
-          <a:p>
-            <a:r>
-              <a:rPr lang="en-US" dirty="0" smtClean="0"/>
-              <a:t>The Game: </a:t>
-            </a:r>
-          </a:p>
-          <a:p>
-            <a:pPr lvl="1"/>
-            <a:r>
-              <a:rPr lang="en-US" dirty="0" smtClean="0"/>
-              <a:t>Mark – Lead</a:t>
-            </a:r>
-          </a:p>
-          <a:p>
-            <a:pPr lvl="1"/>
-            <a:r>
-              <a:rPr lang="en-US" dirty="0" smtClean="0"/>
-              <a:t>Chelsea</a:t>
-            </a:r>
-          </a:p>
-          <a:p>
-            <a:pPr lvl="1"/>
-            <a:r>
-              <a:rPr lang="en-US" dirty="0" smtClean="0"/>
-              <a:t>Stephanie</a:t>
-            </a:r>
-          </a:p>
-          <a:p>
-            <a:pPr lvl="1"/>
-            <a:r>
-              <a:rPr lang="en-US" dirty="0" smtClean="0"/>
-              <a:t>Aaron</a:t>
-            </a:r>
-          </a:p>
-          <a:p>
-            <a:pPr lvl="1"/>
-            <a:r>
-              <a:rPr lang="en-US" dirty="0" smtClean="0"/>
-              <a:t>Philip</a:t>
-            </a:r>
-            <a:endParaRPr lang="en-US" dirty="0"/>
+              <a:rPr lang="en-US" sz="1800" b="1" dirty="0" smtClean="0"/>
+              <a:t>The Object Oriented Design: </a:t>
+            </a:r>
+            <a:r>
+              <a:rPr lang="en-US" sz="1800" dirty="0" smtClean="0"/>
+              <a:t>Though Jackson’s technique did work for our specified idea, due to time constraints and familiarity with the subject, we thought that out of the two designs, Object Oriented would allow for the most accurate similarities between the design phase and the implementation phase. </a:t>
+            </a:r>
+          </a:p>
+          <a:p>
+            <a:r>
+              <a:rPr lang="en-US" sz="1800" b="1" u="sng" dirty="0" smtClean="0"/>
+              <a:t>Launcher:</a:t>
+            </a:r>
+            <a:r>
+              <a:rPr lang="en-US" sz="1800" dirty="0" smtClean="0"/>
+              <a:t> We chose to implement this design because all of our ideas from the launcher were able to be easily represented and understood. </a:t>
+            </a:r>
+            <a:r>
+              <a:rPr lang="en-US" sz="1800" b="1" dirty="0" smtClean="0"/>
+              <a:t>Graicunas’ Law</a:t>
+            </a:r>
+            <a:r>
+              <a:rPr lang="en-US" sz="1800" dirty="0" smtClean="0"/>
+              <a:t> is followed by the ability for this assignment to be split up into multiple parts to be created and code by multiple people at once. The modules are all single idea </a:t>
+            </a:r>
+            <a:r>
+              <a:rPr lang="en-US" sz="1800" b="1" dirty="0" smtClean="0"/>
+              <a:t>black boxes</a:t>
+            </a:r>
+            <a:r>
+              <a:rPr lang="en-US" sz="1800" dirty="0" smtClean="0"/>
+              <a:t> that would take in the same input repeatedly and output the same result (IE For retrieving information from the database, you would either giving the correct username and receive the correct result via the same function of “Customer” (Customer is defined in more detail in </a:t>
+            </a:r>
+            <a:r>
+              <a:rPr lang="en-US" sz="1800" b="1" dirty="0" smtClean="0"/>
+              <a:t>Section 4.2</a:t>
+            </a:r>
+            <a:r>
+              <a:rPr lang="en-US" sz="1800" dirty="0" smtClean="0"/>
+              <a:t>), or you would give the incorrect username and receive the error message.) It seems to be well designed as far as </a:t>
+            </a:r>
+            <a:r>
+              <a:rPr lang="en-US" sz="1800" b="1" dirty="0" smtClean="0"/>
+              <a:t>optimization of space, </a:t>
+            </a:r>
+            <a:r>
+              <a:rPr lang="en-US" sz="1800" dirty="0" smtClean="0"/>
+              <a:t>however in terms of </a:t>
+            </a:r>
+            <a:r>
+              <a:rPr lang="en-US" sz="1800" b="1" dirty="0" smtClean="0"/>
+              <a:t>optimization for time </a:t>
+            </a:r>
+            <a:r>
+              <a:rPr lang="en-US" sz="1800" dirty="0" smtClean="0"/>
+              <a:t>it does not seem like we will be able to judge efficiency until we have real data to process in a prototype that allows for us to stress our multithreading abilities against multiple users on our server.                                                                                                                                                                                                                                                                                                                                                                                                                                                                                                                                                                                       </a:t>
+            </a:r>
           </a:p>
         </p:txBody>
       </p:sp>
     </p:spTree>
     <p:extLst>
       <p:ext uri="{BB962C8B-B14F-4D97-AF65-F5344CB8AC3E}">
-        <p14:creationId xmlns:p14="http://schemas.microsoft.com/office/powerpoint/2010/main" xmlns="" val="3028125000"/>
+        <p14:creationId xmlns="" xmlns:p14="http://schemas.microsoft.com/office/powerpoint/2010/main" val="1067613684"/>
       </p:ext>
     </p:extLst>
   </p:cSld>
   <p:clrMapOvr>
     <a:masterClrMapping/>
   </p:clrMapOvr>
+  <p:timing>
+    <p:tnLst>
+      <p:par>
+        <p:cTn id="1" dur="indefinite" restart="never" nodeType="tmRoot"/>
+      </p:par>
+    </p:tnLst>
+  </p:timing>
 </p:sld>
 </file>
 
@@ -13528,7 +13713,7 @@
           <a:p>
             <a:r>
               <a:rPr lang="en-US" dirty="0" smtClean="0"/>
-              <a:t>Implementation phase</a:t>
+              <a:t>Software Design Chosen</a:t>
             </a:r>
             <a:endParaRPr lang="en-US" dirty="0"/>
           </a:p>
@@ -13544,114 +13729,32 @@
             <p:ph idx="1"/>
           </p:nvPr>
         </p:nvSpPr>
-        <p:spPr>
-          <a:xfrm>
-            <a:off x="1141412" y="1907581"/>
-            <a:ext cx="9905999" cy="3541714"/>
-          </a:xfrm>
-        </p:spPr>
+        <p:spPr/>
         <p:txBody>
           <a:bodyPr>
-            <a:normAutofit fontScale="25000" lnSpcReduction="20000"/>
+            <a:normAutofit fontScale="85000" lnSpcReduction="10000"/>
           </a:bodyPr>
           <a:lstStyle/>
           <a:p>
-            <a:pPr>
-              <a:buNone/>
-            </a:pPr>
-            <a:r>
-              <a:rPr lang="en-US" sz="5600" b="1" u="sng" dirty="0" smtClean="0"/>
-              <a:t>The Launcher Implementation process: </a:t>
-            </a:r>
-          </a:p>
-          <a:p>
-            <a:pPr>
-              <a:buNone/>
-            </a:pPr>
-            <a:r>
-              <a:rPr lang="en-US" sz="5600" dirty="0" smtClean="0"/>
-              <a:t>	Bailey created the L.A.M.P. (Linux, Apache, </a:t>
-            </a:r>
-            <a:r>
-              <a:rPr lang="en-US" sz="5600" dirty="0" err="1" smtClean="0"/>
-              <a:t>MySQL</a:t>
-            </a:r>
-            <a:r>
-              <a:rPr lang="en-US" sz="5600" dirty="0" smtClean="0"/>
-              <a:t>, and PHP) server and Montana performed repairs. Using the OOD (Object Oriented Design), Montana created the skeleton for the launcher and added necessary security measures to protect customers.  </a:t>
-            </a:r>
-          </a:p>
-          <a:p>
-            <a:pPr>
-              <a:buNone/>
-            </a:pPr>
-            <a:r>
-              <a:rPr lang="en-US" sz="5600" b="1" u="sng" dirty="0" smtClean="0"/>
-              <a:t>Security features:</a:t>
-            </a:r>
-          </a:p>
-          <a:p>
-            <a:pPr>
-              <a:buNone/>
-            </a:pPr>
-            <a:r>
-              <a:rPr lang="en-US" sz="5600" dirty="0" smtClean="0"/>
-              <a:t>		For our project, we designed a 3-Tier solution with a launcher, an SQL relational database product, and the game itself inside the Unity game engine.  Because of this design, network communication will be required, even for a single-person game since they still must authenticate prior to playing.  Because of the risk of attack on the system and its customer information, security mechanisms were implemented.</a:t>
-            </a:r>
-          </a:p>
-          <a:p>
-            <a:pPr>
-              <a:buNone/>
-            </a:pPr>
-            <a:r>
-              <a:rPr lang="en-US" sz="5600" dirty="0" smtClean="0"/>
-              <a:t>	To begin, all network communication between the launcher, the database, and the game was be encrypted using industry-standard Secure-Sockets Layer/Transport Layer Security (SSL/TLS) certificates, which are based on Public Key Infrastructure (PKI).  The physical server that will house the SQL database was configured to be a Certificate Authority (CA) so it will be capable of generating and issuing SSL certificates (A “real world” project would consider purchasing a certificate from an enterprise-level provider, such as VeriSign).  The public/private key pairs will be generated with </a:t>
-            </a:r>
-            <a:r>
-              <a:rPr lang="en-US" sz="5600" dirty="0" err="1" smtClean="0"/>
-              <a:t>openSSL</a:t>
-            </a:r>
-            <a:r>
-              <a:rPr lang="en-US" sz="5600" dirty="0" smtClean="0"/>
-              <a:t>.  Secondly, all user input during login or account creation will be tested using input validation prior to performing any database insertions.  This will help prevent attackers from compromising customer data stored in the database.  Finally, user passwords during login or account creation were to be hashed using the Secure Hash Algorithm-512 (SHA-512) with salt added to prevent dictionary attacks on user passwords, but we ran out of time and were unable to implement the salt portion of it.</a:t>
-            </a:r>
-          </a:p>
-          <a:p>
-            <a:pPr>
-              <a:buNone/>
-            </a:pPr>
-            <a:r>
-              <a:rPr lang="en-US" sz="5600" dirty="0" smtClean="0"/>
-              <a:t>	Together, these three mechanisms will provide robust security for the network communications and help protect customer data.</a:t>
-            </a:r>
-          </a:p>
-          <a:p>
-            <a:pPr>
-              <a:buNone/>
-            </a:pPr>
-            <a:r>
-              <a:rPr lang="en-US" sz="5600" dirty="0" smtClean="0"/>
+            <a:r>
+              <a:rPr lang="en-US" b="1" u="sng" dirty="0" smtClean="0"/>
+              <a:t>Game:</a:t>
+            </a:r>
+            <a:r>
+              <a:rPr lang="en-US" u="sng" dirty="0" smtClean="0"/>
               <a:t> </a:t>
             </a:r>
-          </a:p>
-          <a:p>
-            <a:pPr>
-              <a:buNone/>
-            </a:pPr>
             <a:r>
               <a:rPr lang="en-US" dirty="0" smtClean="0"/>
-              <a:t>	</a:t>
-            </a:r>
+              <a:t>We chose this implementation for the game because it is pretty natural to think of the game in terms of the objects that it consists of.  In this case, the lack of emphasis that Object-Oriented Design puts on control is something of an advantage in terms of thinking about components of the system overall.  By utilizing the compartmentalization and modularity of objects that an object-oriented design uses,  it will be trivial to add multiple people to the project at once when each person can be given their own object to work on.  As long as the principle of Abstraction is held to, then the actual implementation of each object will unimportant to other members of the implementation team.  The Object-Oriented Design principle of Hierarchy allows for our implementation to easily follow Graicunas' law by limiting interactions between objects in the system.</a:t>
+            </a:r>
+          </a:p>
+          <a:p>
             <a:endParaRPr lang="en-US" dirty="0"/>
           </a:p>
         </p:txBody>
       </p:sp>
     </p:spTree>
-    <p:extLst>
-      <p:ext uri="{BB962C8B-B14F-4D97-AF65-F5344CB8AC3E}">
-        <p14:creationId xmlns:p14="http://schemas.microsoft.com/office/powerpoint/2010/main" xmlns="" val="3028125000"/>
-      </p:ext>
-    </p:extLst>
   </p:cSld>
   <p:clrMapOvr>
     <a:masterClrMapping/>
@@ -13718,53 +13821,114 @@
         </p:nvSpPr>
         <p:spPr/>
         <p:txBody>
-          <a:bodyPr/>
+          <a:bodyPr>
+            <a:normAutofit fontScale="62500" lnSpcReduction="20000"/>
+          </a:bodyPr>
           <a:lstStyle/>
           <a:p>
             <a:r>
               <a:rPr lang="en-US" dirty="0" smtClean="0"/>
-              <a:t>The “Gate of Gabethulu” Implementation Process:</a:t>
-            </a:r>
-          </a:p>
-          <a:p>
-            <a:pPr lvl="1">
-              <a:buNone/>
-            </a:pPr>
+              <a:t>The implementation teams split into two. </a:t>
+            </a:r>
+          </a:p>
+          <a:p>
             <a:r>
               <a:rPr lang="en-US" dirty="0" smtClean="0"/>
-              <a:t>		Philip made a prototype game in Unity, and Mark performed repairs and added the product to </a:t>
-            </a:r>
-            <a:r>
-              <a:rPr lang="en-US" dirty="0" err="1" smtClean="0"/>
-              <a:t>Github</a:t>
-            </a:r>
+              <a:t>The Launcher: </a:t>
+            </a:r>
+          </a:p>
+          <a:p>
+            <a:pPr lvl="1"/>
             <a:r>
               <a:rPr lang="en-US" dirty="0" smtClean="0"/>
-              <a:t>. Once the project was on </a:t>
-            </a:r>
-            <a:r>
-              <a:rPr lang="en-US" dirty="0" err="1" smtClean="0"/>
-              <a:t>Github</a:t>
+              <a:t>Montana – </a:t>
             </a:r>
             <a:r>
               <a:rPr lang="en-US" dirty="0" smtClean="0"/>
-              <a:t>, Mark was able to do delete unneeded files, added items to .</a:t>
-            </a:r>
-            <a:r>
-              <a:rPr lang="en-US" dirty="0" err="1" smtClean="0"/>
-              <a:t>gitignore</a:t>
-            </a:r>
+              <a:t>Lead</a:t>
+            </a:r>
+            <a:endParaRPr lang="en-US" dirty="0" smtClean="0"/>
+          </a:p>
+          <a:p>
+            <a:pPr lvl="1"/>
             <a:r>
               <a:rPr lang="en-US" dirty="0" smtClean="0"/>
-              <a:t>, and then began the heavy editing and creation of levels and sprite interactions. Chelsea, Aaron, and Stephanie created the weapon, tiles, enemy, and character sprites, helped with specification to implementation features including layouts of the levels and creation of the more subtle areas of the specification. </a:t>
-            </a:r>
-          </a:p>
-          <a:p>
+              <a:t>Tyler – Error correction and Testing</a:t>
+            </a:r>
+          </a:p>
+          <a:p>
+            <a:pPr lvl="1"/>
+            <a:r>
+              <a:rPr lang="en-US" dirty="0" smtClean="0"/>
+              <a:t>Mark – Launcher-to-Game Communication</a:t>
+            </a:r>
+            <a:endParaRPr lang="en-US" dirty="0" smtClean="0"/>
+          </a:p>
+          <a:p>
+            <a:r>
+              <a:rPr lang="en-US" dirty="0" smtClean="0"/>
+              <a:t>The Game: </a:t>
+            </a:r>
+          </a:p>
+          <a:p>
+            <a:pPr lvl="1"/>
+            <a:r>
+              <a:rPr lang="en-US" dirty="0" smtClean="0"/>
+              <a:t>Mark – </a:t>
+            </a:r>
+            <a:r>
+              <a:rPr lang="en-US" dirty="0" smtClean="0"/>
+              <a:t>Lead</a:t>
+            </a:r>
+          </a:p>
+          <a:p>
+            <a:pPr lvl="1"/>
+            <a:r>
+              <a:rPr lang="en-US" dirty="0" smtClean="0"/>
+              <a:t>Bailey -- Environment</a:t>
+            </a:r>
+            <a:endParaRPr lang="en-US" dirty="0" smtClean="0"/>
+          </a:p>
+          <a:p>
+            <a:pPr lvl="1"/>
+            <a:r>
+              <a:rPr lang="en-US" dirty="0" smtClean="0"/>
+              <a:t>Chelsea -- Sprites</a:t>
+            </a:r>
+            <a:endParaRPr lang="en-US" dirty="0" smtClean="0"/>
+          </a:p>
+          <a:p>
+            <a:pPr lvl="1"/>
+            <a:r>
+              <a:rPr lang="en-US" dirty="0" smtClean="0"/>
+              <a:t>Stephanie – Tutorial/Consultation</a:t>
+            </a:r>
+            <a:endParaRPr lang="en-US" dirty="0" smtClean="0"/>
+          </a:p>
+          <a:p>
+            <a:pPr lvl="1"/>
+            <a:r>
+              <a:rPr lang="en-US" dirty="0" smtClean="0"/>
+              <a:t>Aaron -- Tutorial</a:t>
+            </a:r>
+            <a:endParaRPr lang="en-US" dirty="0" smtClean="0"/>
+          </a:p>
+          <a:p>
+            <a:pPr lvl="1"/>
+            <a:r>
+              <a:rPr lang="en-US" dirty="0" smtClean="0"/>
+              <a:t>Philip – Prototype and Music</a:t>
+            </a:r>
             <a:endParaRPr lang="en-US" dirty="0"/>
           </a:p>
         </p:txBody>
       </p:sp>
     </p:spTree>
+    <p:extLst>
+      <p:ext uri="{BB962C8B-B14F-4D97-AF65-F5344CB8AC3E}">
+        <p14:creationId xmlns="" xmlns:p14="http://schemas.microsoft.com/office/powerpoint/2010/main" val="3028125000"/>
+      </p:ext>
+    </p:extLst>
   </p:cSld>
   <p:clrMapOvr>
     <a:masterClrMapping/>
@@ -13813,7 +13977,11 @@
           <a:p>
             <a:r>
               <a:rPr lang="en-US" dirty="0" smtClean="0"/>
-              <a:t>Demo Software</a:t>
+              <a:t>Implementation </a:t>
+            </a:r>
+            <a:r>
+              <a:rPr lang="en-US" dirty="0" smtClean="0"/>
+              <a:t>phase – Server &amp; Security</a:t>
             </a:r>
             <a:endParaRPr lang="en-US" dirty="0"/>
           </a:p>
@@ -13829,14 +13997,103 @@
             <p:ph idx="1"/>
           </p:nvPr>
         </p:nvSpPr>
-        <p:spPr/>
+        <p:spPr>
+          <a:xfrm>
+            <a:off x="1141412" y="1907581"/>
+            <a:ext cx="9905999" cy="3541714"/>
+          </a:xfrm>
+        </p:spPr>
         <p:txBody>
-          <a:bodyPr/>
+          <a:bodyPr>
+            <a:normAutofit fontScale="25000" lnSpcReduction="20000"/>
+          </a:bodyPr>
           <a:lstStyle/>
           <a:p>
+            <a:pPr>
+              <a:buNone/>
+            </a:pPr>
+            <a:r>
+              <a:rPr lang="en-US" sz="5600" b="1" u="sng" dirty="0" smtClean="0"/>
+              <a:t>The Launcher Implementation process: </a:t>
+            </a:r>
+          </a:p>
+          <a:p>
+            <a:pPr>
+              <a:buNone/>
+            </a:pPr>
+            <a:r>
+              <a:rPr lang="en-US" sz="5600" dirty="0" smtClean="0"/>
+              <a:t>	Bailey created the L.A.M.P. (Linux, Apache, </a:t>
+            </a:r>
+            <a:r>
+              <a:rPr lang="en-US" sz="5600" dirty="0" err="1" smtClean="0"/>
+              <a:t>MySQL</a:t>
+            </a:r>
+            <a:r>
+              <a:rPr lang="en-US" sz="5600" dirty="0" smtClean="0"/>
+              <a:t>, and PHP) server and Montana performed repairs. Using the OOD (Object Oriented Design), Montana created the skeleton for the launcher and added necessary security measures to protect customers.  </a:t>
+            </a:r>
+          </a:p>
+          <a:p>
+            <a:pPr>
+              <a:buNone/>
+            </a:pPr>
+            <a:r>
+              <a:rPr lang="en-US" sz="5600" b="1" u="sng" dirty="0" smtClean="0"/>
+              <a:t>Security features:</a:t>
+            </a:r>
+          </a:p>
+          <a:p>
+            <a:pPr>
+              <a:buNone/>
+            </a:pPr>
+            <a:r>
+              <a:rPr lang="en-US" sz="5600" dirty="0" smtClean="0"/>
+              <a:t>		For our project, we designed a 3-Tier solution with a launcher, an SQL relational database product, and the game itself inside the Unity game engine.  Because of this design, network communication will be required, even for a single-person game since they still must authenticate prior to playing.  Because of the risk of attack on the system and its customer information, security mechanisms were implemented.</a:t>
+            </a:r>
+          </a:p>
+          <a:p>
+            <a:pPr>
+              <a:buNone/>
+            </a:pPr>
+            <a:r>
+              <a:rPr lang="en-US" sz="5600" dirty="0" smtClean="0"/>
+              <a:t>	To begin, all network communication between the launcher, the database, and the game was be encrypted using industry-standard Secure-Sockets Layer/Transport Layer Security (SSL/TLS) certificates, which are based on Public Key Infrastructure (PKI).  The physical server that will house the SQL database was configured to be a Certificate Authority (CA) so it will be capable of generating and issuing SSL certificates (A “real world” project would consider purchasing a certificate from an enterprise-level provider, such as VeriSign).  The public/private key pairs will be generated with </a:t>
+            </a:r>
+            <a:r>
+              <a:rPr lang="en-US" sz="5600" dirty="0" err="1" smtClean="0"/>
+              <a:t>openSSL</a:t>
+            </a:r>
+            <a:r>
+              <a:rPr lang="en-US" sz="5600" dirty="0" smtClean="0"/>
+              <a:t>.  Secondly, all user input during login or account creation will be tested using input validation prior to performing any database insertions.  This will help prevent attackers from compromising customer data stored in the database.  Finally, user passwords during login or account creation were to be hashed using the Secure Hash Algorithm-512 (SHA-512) with salt added to prevent dictionary attacks on user passwords, but we ran out of time and were unable to implement the salt portion of it.</a:t>
+            </a:r>
+          </a:p>
+          <a:p>
+            <a:pPr>
+              <a:buNone/>
+            </a:pPr>
+            <a:r>
+              <a:rPr lang="en-US" sz="5600" dirty="0" smtClean="0"/>
+              <a:t>	Together, these three mechanisms will provide robust security for the network communications and help protect customer data.</a:t>
+            </a:r>
+          </a:p>
+          <a:p>
+            <a:pPr>
+              <a:buNone/>
+            </a:pPr>
+            <a:r>
+              <a:rPr lang="en-US" sz="5600" dirty="0" smtClean="0"/>
+              <a:t> </a:t>
+            </a:r>
+          </a:p>
+          <a:p>
+            <a:pPr>
+              <a:buNone/>
+            </a:pPr>
             <a:r>
               <a:rPr lang="en-US" dirty="0" smtClean="0"/>
-              <a:t>(put the executable shortcut here)</a:t>
+              <a:t>	</a:t>
             </a:r>
             <a:endParaRPr lang="en-US" dirty="0"/>
           </a:p>
@@ -13845,7 +14102,7 @@
     </p:spTree>
     <p:extLst>
       <p:ext uri="{BB962C8B-B14F-4D97-AF65-F5344CB8AC3E}">
-        <p14:creationId xmlns:p14="http://schemas.microsoft.com/office/powerpoint/2010/main" xmlns="" val="3999698565"/>
+        <p14:creationId xmlns="" xmlns:p14="http://schemas.microsoft.com/office/powerpoint/2010/main" val="3028125000"/>
       </p:ext>
     </p:extLst>
   </p:cSld>
@@ -14107,7 +14364,7 @@
   <a:extraClrSchemeLst/>
   <a:extLst>
     <a:ext uri="{05A4C25C-085E-4340-85A3-A5531E510DB2}">
-      <thm15:themeFamily xmlns:thm15="http://schemas.microsoft.com/office/thememl/2012/main" xmlns="" name="Circuit" id="{0AC2F7E7-15F5-431C-B2A2-456FE929F56C}" vid="{0911B802-464C-4241-8DD9-B60FF88E379F}"/>
+      <thm15:themeFamily xmlns="" xmlns:thm15="http://schemas.microsoft.com/office/thememl/2012/main" name="Circuit" id="{0AC2F7E7-15F5-431C-B2A2-456FE929F56C}" vid="{0911B802-464C-4241-8DD9-B60FF88E379F}"/>
     </a:ext>
   </a:extLst>
 </a:theme>
